--- a/캡스톤디자인발표 17.10.19.pptx
+++ b/캡스톤디자인발표 17.10.19.pptx
@@ -5,20 +5,24 @@
     <p:sldMasterId id="2147483977" r:id="rId1"/>
   </p:sldMasterIdLst>
   <p:notesMasterIdLst>
-    <p:notesMasterId r:id="rId13"/>
+    <p:notesMasterId r:id="rId17"/>
   </p:notesMasterIdLst>
   <p:sldIdLst>
     <p:sldId id="256" r:id="rId2"/>
     <p:sldId id="266" r:id="rId3"/>
     <p:sldId id="280" r:id="rId4"/>
-    <p:sldId id="271" r:id="rId5"/>
-    <p:sldId id="276" r:id="rId6"/>
-    <p:sldId id="277" r:id="rId7"/>
-    <p:sldId id="278" r:id="rId8"/>
-    <p:sldId id="281" r:id="rId9"/>
-    <p:sldId id="282" r:id="rId10"/>
-    <p:sldId id="283" r:id="rId11"/>
-    <p:sldId id="279" r:id="rId12"/>
+    <p:sldId id="285" r:id="rId5"/>
+    <p:sldId id="271" r:id="rId6"/>
+    <p:sldId id="276" r:id="rId7"/>
+    <p:sldId id="277" r:id="rId8"/>
+    <p:sldId id="278" r:id="rId9"/>
+    <p:sldId id="281" r:id="rId10"/>
+    <p:sldId id="282" r:id="rId11"/>
+    <p:sldId id="283" r:id="rId12"/>
+    <p:sldId id="289" r:id="rId13"/>
+    <p:sldId id="287" r:id="rId14"/>
+    <p:sldId id="288" r:id="rId15"/>
+    <p:sldId id="284" r:id="rId16"/>
   </p:sldIdLst>
   <p:sldSz cx="12192000" cy="6858000"/>
   <p:notesSz cx="6858000" cy="9144000"/>
@@ -4037,13 +4041,10 @@
           <a:lstStyle/>
           <a:p>
             <a:r>
-              <a:rPr lang="ko-KR" altLang="en-US" dirty="0" err="1"/>
-              <a:t>캡스톤</a:t>
-            </a:r>
-            <a:r>
-              <a:rPr lang="ko-KR" altLang="en-US" dirty="0"/>
-              <a:t> 디자인 </a:t>
-            </a:r>
+              <a:rPr lang="en-US" altLang="ko-KR" dirty="0" smtClean="0"/>
+              <a:t>Tim pointer</a:t>
+            </a:r>
+            <a:endParaRPr lang="ko-KR" altLang="en-US" dirty="0"/>
           </a:p>
         </p:txBody>
       </p:sp>
@@ -4069,17 +4070,18 @@
           <a:lstStyle/>
           <a:p>
             <a:r>
-              <a:rPr lang="ko-KR" altLang="en-US" dirty="0"/>
-              <a:t>손민재</a:t>
+              <a:rPr lang="en-US" altLang="ko-KR" dirty="0" smtClean="0"/>
+              <a:t>Tim team : </a:t>
+            </a:r>
+            <a:r>
+              <a:rPr lang="ko-KR" altLang="en-US" dirty="0"/>
+              <a:t>김경현 박건형 손민재</a:t>
             </a:r>
             <a:r>
               <a:rPr lang="en-US" altLang="ko-KR" dirty="0"/>
               <a:t> </a:t>
             </a:r>
-            <a:r>
-              <a:rPr lang="ko-KR" altLang="en-US" dirty="0"/>
-              <a:t>김경현 박건형</a:t>
-            </a:r>
+            <a:endParaRPr lang="ko-KR" altLang="en-US" dirty="0"/>
           </a:p>
         </p:txBody>
       </p:sp>
@@ -4093,6 +4095,13 @@
   <p:clrMapOvr>
     <a:masterClrMapping/>
   </p:clrMapOvr>
+  <p:timing>
+    <p:tnLst>
+      <p:par>
+        <p:cTn id="1" dur="indefinite" restart="never" nodeType="tmRoot"/>
+      </p:par>
+    </p:tnLst>
+  </p:timing>
 </p:sld>
 </file>
 
@@ -4135,32 +4144,12 @@
           <a:lstStyle/>
           <a:p>
             <a:r>
-              <a:rPr lang="ko-KR" altLang="en-US" dirty="0"/>
-              <a:t>싱글 터치</a:t>
-            </a:r>
-            <a:r>
-              <a:rPr lang="en-US" altLang="ko-KR" dirty="0"/>
-              <a:t>, </a:t>
-            </a:r>
-            <a:r>
-              <a:rPr lang="ko-KR" altLang="en-US" dirty="0"/>
-              <a:t>더블 터치</a:t>
-            </a:r>
-            <a:r>
-              <a:rPr lang="en-US" altLang="ko-KR" dirty="0"/>
-              <a:t>, </a:t>
-            </a:r>
-            <a:r>
-              <a:rPr lang="ko-KR" altLang="en-US" dirty="0"/>
-              <a:t>드래그</a:t>
-            </a:r>
-            <a:r>
-              <a:rPr lang="en-US" altLang="ko-KR" dirty="0"/>
-              <a:t>, </a:t>
-            </a:r>
-            <a:r>
-              <a:rPr lang="ko-KR" altLang="en-US" dirty="0"/>
-              <a:t>롱 터치 각각의 경우</a:t>
+              <a:rPr lang="ko-KR" altLang="en-US" dirty="0" smtClean="0"/>
+              <a:t>롱 터치의 </a:t>
+            </a:r>
+            <a:r>
+              <a:rPr lang="ko-KR" altLang="en-US" dirty="0"/>
+              <a:t>경우</a:t>
             </a:r>
             <a:endParaRPr lang="en-US" altLang="ko-KR" dirty="0"/>
           </a:p>
@@ -4191,7 +4180,7 @@
         </p:spPr>
         <p:txBody>
           <a:bodyPr vert="horz" lIns="91440" tIns="45720" rIns="91440" bIns="45720" rtlCol="0" anchor="t">
-            <a:normAutofit fontScale="92500" lnSpcReduction="20000"/>
+            <a:normAutofit fontScale="85000" lnSpcReduction="10000"/>
           </a:bodyPr>
           <a:lstStyle>
             <a:lvl1pPr marL="228600" indent="-228600" algn="l" defTabSz="914400" rtl="0" eaLnBrk="1" latinLnBrk="1" hangingPunct="1">
@@ -4410,7 +4399,7 @@
             </a:r>
             <a:r>
               <a:rPr lang="ko-KR" altLang="en-US" dirty="0"/>
-              <a:t>사용자가 화면을 드래그 했을 경우 </a:t>
+              <a:t>사용자가 화면을 롱 터치했을 경우 </a:t>
             </a:r>
             <a:r>
               <a:rPr lang="en-US" altLang="ko-KR" dirty="0"/>
@@ -4429,8 +4418,12 @@
               <a:t>2.a.1. </a:t>
             </a:r>
             <a:r>
-              <a:rPr lang="ko-KR" altLang="en-US" dirty="0"/>
-              <a:t>시스템은 센서로 부터 변경된 측정값을 받아 온다</a:t>
+              <a:rPr lang="ko-KR" altLang="en-US" dirty="0" smtClean="0"/>
+              <a:t>어플리케이션은 </a:t>
+            </a:r>
+            <a:r>
+              <a:rPr lang="ko-KR" altLang="en-US" dirty="0"/>
+              <a:t>센서로 부터 변경된 측정값을 받아 온다</a:t>
             </a:r>
             <a:r>
               <a:rPr lang="en-US" altLang="ko-KR" dirty="0"/>
@@ -4469,8 +4462,12 @@
               <a:t>2.a.1.a.1. </a:t>
             </a:r>
             <a:r>
-              <a:rPr lang="ko-KR" altLang="en-US" dirty="0"/>
-              <a:t>시스템은 측정값으로 연산하여 터치지점을 추정한다</a:t>
+              <a:rPr lang="ko-KR" altLang="en-US" dirty="0" smtClean="0"/>
+              <a:t>어플리케이션은 </a:t>
+            </a:r>
+            <a:r>
+              <a:rPr lang="ko-KR" altLang="en-US" dirty="0"/>
+              <a:t>측정값으로 연산하여 터치지점을 추정한다</a:t>
             </a:r>
             <a:r>
               <a:rPr lang="en-US" altLang="ko-KR" dirty="0"/>
@@ -4532,24 +4529,36 @@
               <a:t>2.a.2. </a:t>
             </a:r>
             <a:r>
-              <a:rPr lang="ko-KR" altLang="en-US" dirty="0"/>
-              <a:t>시스템이 연산한 터치지점에 터치 이벤트를 실행한다</a:t>
+              <a:rPr lang="ko-KR" altLang="en-US" dirty="0" smtClean="0"/>
+              <a:t>어플리케이션이 </a:t>
+            </a:r>
+            <a:r>
+              <a:rPr lang="ko-KR" altLang="en-US" dirty="0"/>
+              <a:t>연산한 터치지점에 일정시간동안 지속적인 입력을 확인한다</a:t>
             </a:r>
             <a:r>
               <a:rPr lang="en-US" altLang="ko-KR" dirty="0"/>
               <a:t>.</a:t>
             </a:r>
-            <a:endParaRPr lang="ko-KR" altLang="en-US" dirty="0"/>
           </a:p>
           <a:p>
             <a:pPr fontAlgn="base"/>
             <a:r>
-              <a:rPr lang="ko-KR" altLang="en-US" dirty="0"/>
-              <a:t>	</a:t>
-            </a:r>
-          </a:p>
-          <a:p>
-            <a:endParaRPr lang="en-US" altLang="ko-KR" dirty="0"/>
+              <a:rPr lang="en-US" altLang="ko-KR" dirty="0"/>
+              <a:t>          2.a.2. </a:t>
+            </a:r>
+            <a:r>
+              <a:rPr lang="ko-KR" altLang="en-US" dirty="0" smtClean="0"/>
+              <a:t>어플리케이션이 </a:t>
+            </a:r>
+            <a:r>
+              <a:rPr lang="ko-KR" altLang="en-US" dirty="0"/>
+              <a:t>터치지점에 롱 터치 이벤트를 실행한다</a:t>
+            </a:r>
+            <a:r>
+              <a:rPr lang="en-US" altLang="ko-KR" dirty="0"/>
+              <a:t>.</a:t>
+            </a:r>
           </a:p>
           <a:p>
             <a:endParaRPr lang="en-US" altLang="ko-KR" dirty="0"/>
@@ -4571,7 +4580,7 @@
     </p:spTree>
     <p:extLst>
       <p:ext uri="{BB962C8B-B14F-4D97-AF65-F5344CB8AC3E}">
-        <p14:creationId xmlns:p14="http://schemas.microsoft.com/office/powerpoint/2010/main" val="2668200966"/>
+        <p14:creationId xmlns:p14="http://schemas.microsoft.com/office/powerpoint/2010/main" val="3206625841"/>
       </p:ext>
     </p:extLst>
   </p:cSld>
@@ -4620,6 +4629,479 @@
           <a:lstStyle/>
           <a:p>
             <a:r>
+              <a:rPr lang="ko-KR" altLang="en-US" dirty="0" smtClean="0"/>
+              <a:t>드래그의 경우</a:t>
+            </a:r>
+            <a:endParaRPr lang="en-US" altLang="ko-KR" dirty="0"/>
+          </a:p>
+        </p:txBody>
+      </p:sp>
+      <p:sp>
+        <p:nvSpPr>
+          <p:cNvPr id="9" name="내용 개체 틀 2">
+            <a:extLst>
+              <a:ext uri="{FF2B5EF4-FFF2-40B4-BE49-F238E27FC236}">
+                <a16:creationId xmlns:a16="http://schemas.microsoft.com/office/drawing/2014/main" id="{5647755A-61AE-495E-AE6D-C8FE4D974240}"/>
+              </a:ext>
+            </a:extLst>
+          </p:cNvPr>
+          <p:cNvSpPr txBox="1">
+            <a:spLocks/>
+          </p:cNvSpPr>
+          <p:nvPr/>
+        </p:nvSpPr>
+        <p:spPr>
+          <a:xfrm>
+            <a:off x="1451578" y="2294064"/>
+            <a:ext cx="9603275" cy="3450613"/>
+          </a:xfrm>
+          <a:prstGeom prst="rect">
+            <a:avLst/>
+          </a:prstGeom>
+        </p:spPr>
+        <p:txBody>
+          <a:bodyPr vert="horz" lIns="91440" tIns="45720" rIns="91440" bIns="45720" rtlCol="0" anchor="t">
+            <a:normAutofit fontScale="85000" lnSpcReduction="10000"/>
+          </a:bodyPr>
+          <a:lstStyle>
+            <a:lvl1pPr marL="228600" indent="-228600" algn="l" defTabSz="914400" rtl="0" eaLnBrk="1" latinLnBrk="1" hangingPunct="1">
+              <a:lnSpc>
+                <a:spcPct val="120000"/>
+              </a:lnSpc>
+              <a:spcBef>
+                <a:spcPts val="1000"/>
+              </a:spcBef>
+              <a:buClr>
+                <a:schemeClr val="accent1"/>
+              </a:buClr>
+              <a:buSzPct val="100000"/>
+              <a:buFont typeface="Arial" panose="020B0604020202020204" pitchFamily="34" charset="0"/>
+              <a:buChar char="•"/>
+              <a:defRPr sz="2000" kern="1200">
+                <a:solidFill>
+                  <a:schemeClr val="tx1"/>
+                </a:solidFill>
+                <a:effectLst/>
+                <a:latin typeface="+mn-lt"/>
+                <a:ea typeface="+mn-ea"/>
+                <a:cs typeface="+mn-cs"/>
+              </a:defRPr>
+            </a:lvl1pPr>
+            <a:lvl2pPr marL="685800" indent="-228600" algn="l" defTabSz="914400" rtl="0" eaLnBrk="1" latinLnBrk="1" hangingPunct="1">
+              <a:lnSpc>
+                <a:spcPct val="120000"/>
+              </a:lnSpc>
+              <a:spcBef>
+                <a:spcPts val="500"/>
+              </a:spcBef>
+              <a:buClr>
+                <a:schemeClr val="accent1"/>
+              </a:buClr>
+              <a:buSzPct val="100000"/>
+              <a:buFont typeface="Arial" panose="020B0604020202020204" pitchFamily="34" charset="0"/>
+              <a:buChar char="•"/>
+              <a:defRPr sz="1800" kern="1200" cap="none" baseline="0">
+                <a:solidFill>
+                  <a:schemeClr val="tx1"/>
+                </a:solidFill>
+                <a:effectLst/>
+                <a:latin typeface="+mn-lt"/>
+                <a:ea typeface="+mn-ea"/>
+                <a:cs typeface="+mn-cs"/>
+              </a:defRPr>
+            </a:lvl2pPr>
+            <a:lvl3pPr marL="1143000" indent="-228600" algn="l" defTabSz="914400" rtl="0" eaLnBrk="1" latinLnBrk="1" hangingPunct="1">
+              <a:lnSpc>
+                <a:spcPct val="120000"/>
+              </a:lnSpc>
+              <a:spcBef>
+                <a:spcPts val="500"/>
+              </a:spcBef>
+              <a:buClr>
+                <a:schemeClr val="accent1"/>
+              </a:buClr>
+              <a:buSzPct val="100000"/>
+              <a:buFont typeface="Arial" panose="020B0604020202020204" pitchFamily="34" charset="0"/>
+              <a:buChar char="•"/>
+              <a:defRPr sz="1600" kern="1200">
+                <a:solidFill>
+                  <a:schemeClr val="tx1"/>
+                </a:solidFill>
+                <a:effectLst/>
+                <a:latin typeface="+mn-lt"/>
+                <a:ea typeface="+mn-ea"/>
+                <a:cs typeface="+mn-cs"/>
+              </a:defRPr>
+            </a:lvl3pPr>
+            <a:lvl4pPr marL="1600200" indent="-228600" algn="l" defTabSz="914400" rtl="0" eaLnBrk="1" latinLnBrk="1" hangingPunct="1">
+              <a:lnSpc>
+                <a:spcPct val="120000"/>
+              </a:lnSpc>
+              <a:spcBef>
+                <a:spcPts val="500"/>
+              </a:spcBef>
+              <a:buClr>
+                <a:schemeClr val="accent1"/>
+              </a:buClr>
+              <a:buSzPct val="100000"/>
+              <a:buFont typeface="Arial" panose="020B0604020202020204" pitchFamily="34" charset="0"/>
+              <a:buChar char="•"/>
+              <a:defRPr sz="1400" kern="1200" cap="none" baseline="0">
+                <a:solidFill>
+                  <a:schemeClr val="tx1"/>
+                </a:solidFill>
+                <a:effectLst/>
+                <a:latin typeface="+mn-lt"/>
+                <a:ea typeface="+mn-ea"/>
+                <a:cs typeface="+mn-cs"/>
+              </a:defRPr>
+            </a:lvl4pPr>
+            <a:lvl5pPr marL="2057400" indent="-228600" algn="l" defTabSz="914400" rtl="0" eaLnBrk="1" latinLnBrk="1" hangingPunct="1">
+              <a:lnSpc>
+                <a:spcPct val="120000"/>
+              </a:lnSpc>
+              <a:spcBef>
+                <a:spcPts val="500"/>
+              </a:spcBef>
+              <a:buClr>
+                <a:schemeClr val="accent1"/>
+              </a:buClr>
+              <a:buSzPct val="100000"/>
+              <a:buFont typeface="Arial" panose="020B0604020202020204" pitchFamily="34" charset="0"/>
+              <a:buChar char="•"/>
+              <a:defRPr sz="1200" kern="1200">
+                <a:solidFill>
+                  <a:schemeClr val="tx1"/>
+                </a:solidFill>
+                <a:effectLst/>
+                <a:latin typeface="+mn-lt"/>
+                <a:ea typeface="+mn-ea"/>
+                <a:cs typeface="+mn-cs"/>
+              </a:defRPr>
+            </a:lvl5pPr>
+            <a:lvl6pPr marL="2514600" indent="-228600" algn="l" defTabSz="914400" rtl="0" eaLnBrk="1" latinLnBrk="1" hangingPunct="1">
+              <a:lnSpc>
+                <a:spcPct val="120000"/>
+              </a:lnSpc>
+              <a:spcBef>
+                <a:spcPts val="500"/>
+              </a:spcBef>
+              <a:buClr>
+                <a:schemeClr val="accent1"/>
+              </a:buClr>
+              <a:buSzPct val="100000"/>
+              <a:buFont typeface="Arial" panose="020B0604020202020204" pitchFamily="34" charset="0"/>
+              <a:buChar char="•"/>
+              <a:defRPr sz="1200" kern="1200">
+                <a:solidFill>
+                  <a:schemeClr val="tx1"/>
+                </a:solidFill>
+                <a:effectLst/>
+                <a:latin typeface="+mn-lt"/>
+                <a:ea typeface="+mn-ea"/>
+                <a:cs typeface="+mn-cs"/>
+              </a:defRPr>
+            </a:lvl6pPr>
+            <a:lvl7pPr marL="2971800" indent="-228600" algn="l" defTabSz="914400" rtl="0" eaLnBrk="1" latinLnBrk="1" hangingPunct="1">
+              <a:lnSpc>
+                <a:spcPct val="120000"/>
+              </a:lnSpc>
+              <a:spcBef>
+                <a:spcPts val="500"/>
+              </a:spcBef>
+              <a:buClr>
+                <a:schemeClr val="accent1"/>
+              </a:buClr>
+              <a:buSzPct val="100000"/>
+              <a:buFont typeface="Arial" panose="020B0604020202020204" pitchFamily="34" charset="0"/>
+              <a:buChar char="•"/>
+              <a:defRPr sz="1200" kern="1200">
+                <a:solidFill>
+                  <a:schemeClr val="tx1"/>
+                </a:solidFill>
+                <a:effectLst/>
+                <a:latin typeface="+mn-lt"/>
+                <a:ea typeface="+mn-ea"/>
+                <a:cs typeface="+mn-cs"/>
+              </a:defRPr>
+            </a:lvl7pPr>
+            <a:lvl8pPr marL="3429000" indent="-228600" algn="l" defTabSz="914400" rtl="0" eaLnBrk="1" latinLnBrk="1" hangingPunct="1">
+              <a:lnSpc>
+                <a:spcPct val="120000"/>
+              </a:lnSpc>
+              <a:spcBef>
+                <a:spcPts val="500"/>
+              </a:spcBef>
+              <a:buClr>
+                <a:schemeClr val="accent1"/>
+              </a:buClr>
+              <a:buSzPct val="100000"/>
+              <a:buFont typeface="Arial" panose="020B0604020202020204" pitchFamily="34" charset="0"/>
+              <a:buChar char="•"/>
+              <a:defRPr sz="1200" kern="1200" baseline="0">
+                <a:solidFill>
+                  <a:schemeClr val="tx1"/>
+                </a:solidFill>
+                <a:effectLst/>
+                <a:latin typeface="+mn-lt"/>
+                <a:ea typeface="+mn-ea"/>
+                <a:cs typeface="+mn-cs"/>
+              </a:defRPr>
+            </a:lvl8pPr>
+            <a:lvl9pPr marL="3886200" indent="-228600" algn="l" defTabSz="914400" rtl="0" eaLnBrk="1" latinLnBrk="1" hangingPunct="1">
+              <a:lnSpc>
+                <a:spcPct val="120000"/>
+              </a:lnSpc>
+              <a:spcBef>
+                <a:spcPts val="500"/>
+              </a:spcBef>
+              <a:buClr>
+                <a:schemeClr val="accent1"/>
+              </a:buClr>
+              <a:buSzPct val="100000"/>
+              <a:buFont typeface="Arial" panose="020B0604020202020204" pitchFamily="34" charset="0"/>
+              <a:buChar char="•"/>
+              <a:defRPr sz="1200" kern="1200" baseline="0">
+                <a:solidFill>
+                  <a:schemeClr val="tx1"/>
+                </a:solidFill>
+                <a:effectLst/>
+                <a:latin typeface="+mn-lt"/>
+                <a:ea typeface="+mn-ea"/>
+                <a:cs typeface="+mn-cs"/>
+              </a:defRPr>
+            </a:lvl9pPr>
+          </a:lstStyle>
+          <a:p>
+            <a:pPr fontAlgn="base"/>
+            <a:r>
+              <a:rPr lang="en-US" altLang="ko-KR" dirty="0"/>
+              <a:t>1. </a:t>
+            </a:r>
+            <a:r>
+              <a:rPr lang="ko-KR" altLang="en-US" dirty="0"/>
+              <a:t>사용자가 화면을 드래그 했을 경우 </a:t>
+            </a:r>
+            <a:r>
+              <a:rPr lang="en-US" altLang="ko-KR" dirty="0"/>
+              <a:t>:</a:t>
+            </a:r>
+            <a:endParaRPr lang="ko-KR" altLang="en-US" dirty="0"/>
+          </a:p>
+          <a:p>
+            <a:pPr fontAlgn="base"/>
+            <a:r>
+              <a:rPr lang="ko-KR" altLang="en-US" dirty="0"/>
+              <a:t>	</a:t>
+            </a:r>
+            <a:r>
+              <a:rPr lang="en-US" altLang="ko-KR" dirty="0"/>
+              <a:t>2.a.1. </a:t>
+            </a:r>
+            <a:r>
+              <a:rPr lang="ko-KR" altLang="en-US" dirty="0" smtClean="0"/>
+              <a:t>어플리케이션은 </a:t>
+            </a:r>
+            <a:r>
+              <a:rPr lang="ko-KR" altLang="en-US" dirty="0"/>
+              <a:t>센서로 부터 변경된 측정값을 받아 온다</a:t>
+            </a:r>
+            <a:r>
+              <a:rPr lang="en-US" altLang="ko-KR" dirty="0"/>
+              <a:t>.</a:t>
+            </a:r>
+            <a:endParaRPr lang="ko-KR" altLang="en-US" dirty="0"/>
+          </a:p>
+          <a:p>
+            <a:pPr fontAlgn="base"/>
+            <a:r>
+              <a:rPr lang="ko-KR" altLang="en-US" dirty="0"/>
+              <a:t>		</a:t>
+            </a:r>
+            <a:r>
+              <a:rPr lang="en-US" altLang="ko-KR" dirty="0"/>
+              <a:t>2.a.1.a.  </a:t>
+            </a:r>
+            <a:r>
+              <a:rPr lang="ko-KR" altLang="en-US" dirty="0"/>
+              <a:t>정상적인 측정값인 경우  </a:t>
+            </a:r>
+            <a:r>
+              <a:rPr lang="en-US" altLang="ko-KR" dirty="0"/>
+              <a:t>:</a:t>
+            </a:r>
+            <a:endParaRPr lang="ko-KR" altLang="en-US" dirty="0"/>
+          </a:p>
+          <a:p>
+            <a:pPr fontAlgn="base"/>
+            <a:r>
+              <a:rPr lang="ko-KR" altLang="en-US" dirty="0"/>
+              <a:t>			</a:t>
+            </a:r>
+            <a:r>
+              <a:rPr lang="en-US" altLang="ko-KR" dirty="0"/>
+              <a:t>2.a.1.a.1. </a:t>
+            </a:r>
+            <a:r>
+              <a:rPr lang="ko-KR" altLang="en-US" dirty="0" smtClean="0"/>
+              <a:t>어플리케이션은 </a:t>
+            </a:r>
+            <a:r>
+              <a:rPr lang="ko-KR" altLang="en-US" dirty="0"/>
+              <a:t>측정값으로 연산하여 터치지점을 추정한다</a:t>
+            </a:r>
+            <a:r>
+              <a:rPr lang="en-US" altLang="ko-KR" dirty="0"/>
+              <a:t>.</a:t>
+            </a:r>
+            <a:endParaRPr lang="ko-KR" altLang="en-US" dirty="0"/>
+          </a:p>
+          <a:p>
+            <a:pPr fontAlgn="base"/>
+            <a:r>
+              <a:rPr lang="ko-KR" altLang="en-US" dirty="0"/>
+              <a:t>		</a:t>
+            </a:r>
+            <a:r>
+              <a:rPr lang="en-US" altLang="ko-KR" dirty="0"/>
+              <a:t>2.a.1.b.  </a:t>
+            </a:r>
+            <a:r>
+              <a:rPr lang="ko-KR" altLang="en-US" dirty="0"/>
+              <a:t>정상적인 측정값이 아닌 경우 </a:t>
+            </a:r>
+            <a:r>
+              <a:rPr lang="en-US" altLang="ko-KR" dirty="0"/>
+              <a:t>: </a:t>
+            </a:r>
+            <a:endParaRPr lang="ko-KR" altLang="en-US" dirty="0"/>
+          </a:p>
+          <a:p>
+            <a:pPr fontAlgn="base"/>
+            <a:r>
+              <a:rPr lang="ko-KR" altLang="en-US" dirty="0"/>
+              <a:t>			</a:t>
+            </a:r>
+            <a:r>
+              <a:rPr lang="en-US" altLang="ko-KR" dirty="0"/>
+              <a:t>2.a.1.b.1. </a:t>
+            </a:r>
+            <a:r>
+              <a:rPr lang="ko-KR" altLang="en-US" dirty="0"/>
+              <a:t> 잘못된 입력 경우의 흐름으로 간다</a:t>
+            </a:r>
+            <a:r>
+              <a:rPr lang="en-US" altLang="ko-KR" dirty="0"/>
+              <a:t>.</a:t>
+            </a:r>
+            <a:r>
+              <a:rPr lang="ko-KR" altLang="en-US" dirty="0"/>
+              <a:t> </a:t>
+            </a:r>
+          </a:p>
+          <a:p>
+            <a:pPr fontAlgn="base"/>
+            <a:r>
+              <a:rPr lang="ko-KR" altLang="en-US" dirty="0"/>
+              <a:t>	</a:t>
+            </a:r>
+            <a:r>
+              <a:rPr lang="en-US" altLang="ko-KR" dirty="0"/>
+              <a:t>2.a.2. </a:t>
+            </a:r>
+            <a:r>
+              <a:rPr lang="ko-KR" altLang="en-US" dirty="0" smtClean="0"/>
+              <a:t>어플리케이션이 </a:t>
+            </a:r>
+            <a:r>
+              <a:rPr lang="ko-KR" altLang="en-US" dirty="0"/>
+              <a:t>연산한 터치지점에 터치 이벤트를 실행한다</a:t>
+            </a:r>
+            <a:r>
+              <a:rPr lang="en-US" altLang="ko-KR" dirty="0"/>
+              <a:t>.</a:t>
+            </a:r>
+            <a:endParaRPr lang="ko-KR" altLang="en-US" dirty="0"/>
+          </a:p>
+          <a:p>
+            <a:pPr fontAlgn="base"/>
+            <a:r>
+              <a:rPr lang="ko-KR" altLang="en-US" dirty="0"/>
+              <a:t>	</a:t>
+            </a:r>
+          </a:p>
+          <a:p>
+            <a:endParaRPr lang="en-US" altLang="ko-KR" dirty="0"/>
+          </a:p>
+          <a:p>
+            <a:endParaRPr lang="en-US" altLang="ko-KR" dirty="0"/>
+          </a:p>
+          <a:p>
+            <a:endParaRPr lang="en-US" altLang="ko-KR" dirty="0"/>
+          </a:p>
+          <a:p>
+            <a:endParaRPr lang="en-US" altLang="ko-KR" dirty="0"/>
+          </a:p>
+          <a:p>
+            <a:endParaRPr lang="en-US" altLang="ko-KR" dirty="0"/>
+          </a:p>
+          <a:p>
+            <a:endParaRPr lang="en-US" altLang="ko-KR" dirty="0"/>
+          </a:p>
+        </p:txBody>
+      </p:sp>
+    </p:spTree>
+    <p:extLst>
+      <p:ext uri="{BB962C8B-B14F-4D97-AF65-F5344CB8AC3E}">
+        <p14:creationId xmlns:p14="http://schemas.microsoft.com/office/powerpoint/2010/main" val="2668200966"/>
+      </p:ext>
+    </p:extLst>
+  </p:cSld>
+  <p:clrMapOvr>
+    <a:masterClrMapping/>
+  </p:clrMapOvr>
+</p:sld>
+</file>
+
+<file path=ppt/slides/slide12.xml><?xml version="1.0" encoding="utf-8"?>
+<p:sld xmlns:a="http://schemas.openxmlformats.org/drawingml/2006/main" xmlns:r="http://schemas.openxmlformats.org/officeDocument/2006/relationships" xmlns:p="http://schemas.openxmlformats.org/presentationml/2006/main">
+  <p:cSld>
+    <p:spTree>
+      <p:nvGrpSpPr>
+        <p:cNvPr id="1" name=""/>
+        <p:cNvGrpSpPr/>
+        <p:nvPr/>
+      </p:nvGrpSpPr>
+      <p:grpSpPr>
+        <a:xfrm>
+          <a:off x="0" y="0"/>
+          <a:ext cx="0" cy="0"/>
+          <a:chOff x="0" y="0"/>
+          <a:chExt cx="0" cy="0"/>
+        </a:xfrm>
+      </p:grpSpPr>
+      <p:sp>
+        <p:nvSpPr>
+          <p:cNvPr id="2" name="제목 1">
+            <a:extLst>
+              <a:ext uri="{FF2B5EF4-FFF2-40B4-BE49-F238E27FC236}">
+                <a16:creationId xmlns:a16="http://schemas.microsoft.com/office/drawing/2014/main" id="{E7E29B15-BD08-4688-B649-6836E8C6C3AC}"/>
+              </a:ext>
+            </a:extLst>
+          </p:cNvPr>
+          <p:cNvSpPr>
+            <a:spLocks noGrp="1"/>
+          </p:cNvSpPr>
+          <p:nvPr>
+            <p:ph type="title"/>
+          </p:nvPr>
+        </p:nvSpPr>
+        <p:spPr/>
+        <p:txBody>
+          <a:bodyPr/>
+          <a:lstStyle/>
+          <a:p>
+            <a:r>
               <a:rPr lang="ko-KR" altLang="en-US" dirty="0"/>
               <a:t>연결불량일 때 </a:t>
             </a:r>
@@ -5037,13 +5519,1186 @@
     </p:spTree>
     <p:extLst>
       <p:ext uri="{BB962C8B-B14F-4D97-AF65-F5344CB8AC3E}">
-        <p14:creationId xmlns:p14="http://schemas.microsoft.com/office/powerpoint/2010/main" val="2995633859"/>
+        <p14:creationId xmlns:p14="http://schemas.microsoft.com/office/powerpoint/2010/main" val="2885133631"/>
       </p:ext>
     </p:extLst>
   </p:cSld>
   <p:clrMapOvr>
     <a:masterClrMapping/>
   </p:clrMapOvr>
+</p:sld>
+</file>
+
+<file path=ppt/slides/slide13.xml><?xml version="1.0" encoding="utf-8"?>
+<p:sld xmlns:a="http://schemas.openxmlformats.org/drawingml/2006/main" xmlns:r="http://schemas.openxmlformats.org/officeDocument/2006/relationships" xmlns:p="http://schemas.openxmlformats.org/presentationml/2006/main" show="0">
+  <p:cSld>
+    <p:spTree>
+      <p:nvGrpSpPr>
+        <p:cNvPr id="1" name=""/>
+        <p:cNvGrpSpPr/>
+        <p:nvPr/>
+      </p:nvGrpSpPr>
+      <p:grpSpPr>
+        <a:xfrm>
+          <a:off x="0" y="0"/>
+          <a:ext cx="0" cy="0"/>
+          <a:chOff x="0" y="0"/>
+          <a:chExt cx="0" cy="0"/>
+        </a:xfrm>
+      </p:grpSpPr>
+      <p:sp>
+        <p:nvSpPr>
+          <p:cNvPr id="2" name="제목 1">
+            <a:extLst>
+              <a:ext uri="{FF2B5EF4-FFF2-40B4-BE49-F238E27FC236}">
+                <a16:creationId xmlns:a16="http://schemas.microsoft.com/office/drawing/2014/main" id="{E7E29B15-BD08-4688-B649-6836E8C6C3AC}"/>
+              </a:ext>
+            </a:extLst>
+          </p:cNvPr>
+          <p:cNvSpPr>
+            <a:spLocks noGrp="1"/>
+          </p:cNvSpPr>
+          <p:nvPr>
+            <p:ph type="title"/>
+          </p:nvPr>
+        </p:nvSpPr>
+        <p:spPr/>
+        <p:txBody>
+          <a:bodyPr/>
+          <a:lstStyle/>
+          <a:p>
+            <a:r>
+              <a:rPr lang="ko-KR" altLang="en-US" dirty="0" smtClean="0"/>
+              <a:t>센서와 블루투스 연결이 끊겼을 경우</a:t>
+            </a:r>
+            <a:endParaRPr lang="en-US" altLang="ko-KR" dirty="0"/>
+          </a:p>
+        </p:txBody>
+      </p:sp>
+      <p:sp>
+        <p:nvSpPr>
+          <p:cNvPr id="9" name="내용 개체 틀 2">
+            <a:extLst>
+              <a:ext uri="{FF2B5EF4-FFF2-40B4-BE49-F238E27FC236}">
+                <a16:creationId xmlns:a16="http://schemas.microsoft.com/office/drawing/2014/main" id="{5647755A-61AE-495E-AE6D-C8FE4D974240}"/>
+              </a:ext>
+            </a:extLst>
+          </p:cNvPr>
+          <p:cNvSpPr txBox="1">
+            <a:spLocks/>
+          </p:cNvSpPr>
+          <p:nvPr/>
+        </p:nvSpPr>
+        <p:spPr>
+          <a:xfrm>
+            <a:off x="1451578" y="2294064"/>
+            <a:ext cx="9603275" cy="3450613"/>
+          </a:xfrm>
+          <a:prstGeom prst="rect">
+            <a:avLst/>
+          </a:prstGeom>
+        </p:spPr>
+        <p:txBody>
+          <a:bodyPr vert="horz" lIns="91440" tIns="45720" rIns="91440" bIns="45720" rtlCol="0" anchor="t">
+            <a:normAutofit/>
+          </a:bodyPr>
+          <a:lstStyle>
+            <a:lvl1pPr marL="228600" indent="-228600" algn="l" defTabSz="914400" rtl="0" eaLnBrk="1" latinLnBrk="1" hangingPunct="1">
+              <a:lnSpc>
+                <a:spcPct val="120000"/>
+              </a:lnSpc>
+              <a:spcBef>
+                <a:spcPts val="1000"/>
+              </a:spcBef>
+              <a:buClr>
+                <a:schemeClr val="accent1"/>
+              </a:buClr>
+              <a:buSzPct val="100000"/>
+              <a:buFont typeface="Arial" panose="020B0604020202020204" pitchFamily="34" charset="0"/>
+              <a:buChar char="•"/>
+              <a:defRPr sz="2000" kern="1200">
+                <a:solidFill>
+                  <a:schemeClr val="tx1"/>
+                </a:solidFill>
+                <a:effectLst/>
+                <a:latin typeface="+mn-lt"/>
+                <a:ea typeface="+mn-ea"/>
+                <a:cs typeface="+mn-cs"/>
+              </a:defRPr>
+            </a:lvl1pPr>
+            <a:lvl2pPr marL="685800" indent="-228600" algn="l" defTabSz="914400" rtl="0" eaLnBrk="1" latinLnBrk="1" hangingPunct="1">
+              <a:lnSpc>
+                <a:spcPct val="120000"/>
+              </a:lnSpc>
+              <a:spcBef>
+                <a:spcPts val="500"/>
+              </a:spcBef>
+              <a:buClr>
+                <a:schemeClr val="accent1"/>
+              </a:buClr>
+              <a:buSzPct val="100000"/>
+              <a:buFont typeface="Arial" panose="020B0604020202020204" pitchFamily="34" charset="0"/>
+              <a:buChar char="•"/>
+              <a:defRPr sz="1800" kern="1200" cap="none" baseline="0">
+                <a:solidFill>
+                  <a:schemeClr val="tx1"/>
+                </a:solidFill>
+                <a:effectLst/>
+                <a:latin typeface="+mn-lt"/>
+                <a:ea typeface="+mn-ea"/>
+                <a:cs typeface="+mn-cs"/>
+              </a:defRPr>
+            </a:lvl2pPr>
+            <a:lvl3pPr marL="1143000" indent="-228600" algn="l" defTabSz="914400" rtl="0" eaLnBrk="1" latinLnBrk="1" hangingPunct="1">
+              <a:lnSpc>
+                <a:spcPct val="120000"/>
+              </a:lnSpc>
+              <a:spcBef>
+                <a:spcPts val="500"/>
+              </a:spcBef>
+              <a:buClr>
+                <a:schemeClr val="accent1"/>
+              </a:buClr>
+              <a:buSzPct val="100000"/>
+              <a:buFont typeface="Arial" panose="020B0604020202020204" pitchFamily="34" charset="0"/>
+              <a:buChar char="•"/>
+              <a:defRPr sz="1600" kern="1200">
+                <a:solidFill>
+                  <a:schemeClr val="tx1"/>
+                </a:solidFill>
+                <a:effectLst/>
+                <a:latin typeface="+mn-lt"/>
+                <a:ea typeface="+mn-ea"/>
+                <a:cs typeface="+mn-cs"/>
+              </a:defRPr>
+            </a:lvl3pPr>
+            <a:lvl4pPr marL="1600200" indent="-228600" algn="l" defTabSz="914400" rtl="0" eaLnBrk="1" latinLnBrk="1" hangingPunct="1">
+              <a:lnSpc>
+                <a:spcPct val="120000"/>
+              </a:lnSpc>
+              <a:spcBef>
+                <a:spcPts val="500"/>
+              </a:spcBef>
+              <a:buClr>
+                <a:schemeClr val="accent1"/>
+              </a:buClr>
+              <a:buSzPct val="100000"/>
+              <a:buFont typeface="Arial" panose="020B0604020202020204" pitchFamily="34" charset="0"/>
+              <a:buChar char="•"/>
+              <a:defRPr sz="1400" kern="1200" cap="none" baseline="0">
+                <a:solidFill>
+                  <a:schemeClr val="tx1"/>
+                </a:solidFill>
+                <a:effectLst/>
+                <a:latin typeface="+mn-lt"/>
+                <a:ea typeface="+mn-ea"/>
+                <a:cs typeface="+mn-cs"/>
+              </a:defRPr>
+            </a:lvl4pPr>
+            <a:lvl5pPr marL="2057400" indent="-228600" algn="l" defTabSz="914400" rtl="0" eaLnBrk="1" latinLnBrk="1" hangingPunct="1">
+              <a:lnSpc>
+                <a:spcPct val="120000"/>
+              </a:lnSpc>
+              <a:spcBef>
+                <a:spcPts val="500"/>
+              </a:spcBef>
+              <a:buClr>
+                <a:schemeClr val="accent1"/>
+              </a:buClr>
+              <a:buSzPct val="100000"/>
+              <a:buFont typeface="Arial" panose="020B0604020202020204" pitchFamily="34" charset="0"/>
+              <a:buChar char="•"/>
+              <a:defRPr sz="1200" kern="1200">
+                <a:solidFill>
+                  <a:schemeClr val="tx1"/>
+                </a:solidFill>
+                <a:effectLst/>
+                <a:latin typeface="+mn-lt"/>
+                <a:ea typeface="+mn-ea"/>
+                <a:cs typeface="+mn-cs"/>
+              </a:defRPr>
+            </a:lvl5pPr>
+            <a:lvl6pPr marL="2514600" indent="-228600" algn="l" defTabSz="914400" rtl="0" eaLnBrk="1" latinLnBrk="1" hangingPunct="1">
+              <a:lnSpc>
+                <a:spcPct val="120000"/>
+              </a:lnSpc>
+              <a:spcBef>
+                <a:spcPts val="500"/>
+              </a:spcBef>
+              <a:buClr>
+                <a:schemeClr val="accent1"/>
+              </a:buClr>
+              <a:buSzPct val="100000"/>
+              <a:buFont typeface="Arial" panose="020B0604020202020204" pitchFamily="34" charset="0"/>
+              <a:buChar char="•"/>
+              <a:defRPr sz="1200" kern="1200">
+                <a:solidFill>
+                  <a:schemeClr val="tx1"/>
+                </a:solidFill>
+                <a:effectLst/>
+                <a:latin typeface="+mn-lt"/>
+                <a:ea typeface="+mn-ea"/>
+                <a:cs typeface="+mn-cs"/>
+              </a:defRPr>
+            </a:lvl6pPr>
+            <a:lvl7pPr marL="2971800" indent="-228600" algn="l" defTabSz="914400" rtl="0" eaLnBrk="1" latinLnBrk="1" hangingPunct="1">
+              <a:lnSpc>
+                <a:spcPct val="120000"/>
+              </a:lnSpc>
+              <a:spcBef>
+                <a:spcPts val="500"/>
+              </a:spcBef>
+              <a:buClr>
+                <a:schemeClr val="accent1"/>
+              </a:buClr>
+              <a:buSzPct val="100000"/>
+              <a:buFont typeface="Arial" panose="020B0604020202020204" pitchFamily="34" charset="0"/>
+              <a:buChar char="•"/>
+              <a:defRPr sz="1200" kern="1200">
+                <a:solidFill>
+                  <a:schemeClr val="tx1"/>
+                </a:solidFill>
+                <a:effectLst/>
+                <a:latin typeface="+mn-lt"/>
+                <a:ea typeface="+mn-ea"/>
+                <a:cs typeface="+mn-cs"/>
+              </a:defRPr>
+            </a:lvl7pPr>
+            <a:lvl8pPr marL="3429000" indent="-228600" algn="l" defTabSz="914400" rtl="0" eaLnBrk="1" latinLnBrk="1" hangingPunct="1">
+              <a:lnSpc>
+                <a:spcPct val="120000"/>
+              </a:lnSpc>
+              <a:spcBef>
+                <a:spcPts val="500"/>
+              </a:spcBef>
+              <a:buClr>
+                <a:schemeClr val="accent1"/>
+              </a:buClr>
+              <a:buSzPct val="100000"/>
+              <a:buFont typeface="Arial" panose="020B0604020202020204" pitchFamily="34" charset="0"/>
+              <a:buChar char="•"/>
+              <a:defRPr sz="1200" kern="1200" baseline="0">
+                <a:solidFill>
+                  <a:schemeClr val="tx1"/>
+                </a:solidFill>
+                <a:effectLst/>
+                <a:latin typeface="+mn-lt"/>
+                <a:ea typeface="+mn-ea"/>
+                <a:cs typeface="+mn-cs"/>
+              </a:defRPr>
+            </a:lvl8pPr>
+            <a:lvl9pPr marL="3886200" indent="-228600" algn="l" defTabSz="914400" rtl="0" eaLnBrk="1" latinLnBrk="1" hangingPunct="1">
+              <a:lnSpc>
+                <a:spcPct val="120000"/>
+              </a:lnSpc>
+              <a:spcBef>
+                <a:spcPts val="500"/>
+              </a:spcBef>
+              <a:buClr>
+                <a:schemeClr val="accent1"/>
+              </a:buClr>
+              <a:buSzPct val="100000"/>
+              <a:buFont typeface="Arial" panose="020B0604020202020204" pitchFamily="34" charset="0"/>
+              <a:buChar char="•"/>
+              <a:defRPr sz="1200" kern="1200" baseline="0">
+                <a:solidFill>
+                  <a:schemeClr val="tx1"/>
+                </a:solidFill>
+                <a:effectLst/>
+                <a:latin typeface="+mn-lt"/>
+                <a:ea typeface="+mn-ea"/>
+                <a:cs typeface="+mn-cs"/>
+              </a:defRPr>
+            </a:lvl9pPr>
+          </a:lstStyle>
+          <a:p>
+            <a:pPr fontAlgn="base"/>
+            <a:r>
+              <a:rPr lang="en-US" altLang="ko-KR" dirty="0"/>
+              <a:t>1. </a:t>
+            </a:r>
+            <a:r>
+              <a:rPr lang="ko-KR" altLang="en-US" dirty="0" smtClean="0"/>
+              <a:t>센서와 블루투스 연결이 끊어졌을 경우</a:t>
+            </a:r>
+            <a:r>
+              <a:rPr lang="en-US" altLang="ko-KR" dirty="0" smtClean="0"/>
+              <a:t>:</a:t>
+            </a:r>
+            <a:endParaRPr lang="ko-KR" altLang="en-US" dirty="0"/>
+          </a:p>
+          <a:p>
+            <a:pPr fontAlgn="base"/>
+            <a:r>
+              <a:rPr lang="ko-KR" altLang="en-US" dirty="0"/>
+              <a:t>	</a:t>
+            </a:r>
+            <a:r>
+              <a:rPr lang="en-US" altLang="ko-KR" dirty="0" smtClean="0"/>
+              <a:t>1.a. </a:t>
+            </a:r>
+            <a:r>
+              <a:rPr lang="ko-KR" altLang="en-US" dirty="0" err="1"/>
+              <a:t>페어링이</a:t>
+            </a:r>
+            <a:r>
+              <a:rPr lang="ko-KR" altLang="en-US" dirty="0"/>
+              <a:t> </a:t>
+            </a:r>
+            <a:r>
+              <a:rPr lang="ko-KR" altLang="en-US" dirty="0" smtClean="0"/>
+              <a:t>끊어졌다고 알림을 </a:t>
+            </a:r>
+            <a:r>
+              <a:rPr lang="ko-KR" altLang="en-US" dirty="0"/>
+              <a:t>출</a:t>
+            </a:r>
+            <a:r>
+              <a:rPr lang="ko-KR" altLang="en-US" dirty="0" smtClean="0"/>
+              <a:t>력한다</a:t>
+            </a:r>
+            <a:r>
+              <a:rPr lang="en-US" altLang="ko-KR" dirty="0"/>
+              <a:t>.</a:t>
+            </a:r>
+            <a:endParaRPr lang="ko-KR" altLang="en-US" dirty="0"/>
+          </a:p>
+          <a:p>
+            <a:pPr fontAlgn="base"/>
+            <a:r>
+              <a:rPr lang="ko-KR" altLang="en-US" dirty="0"/>
+              <a:t>	</a:t>
+            </a:r>
+            <a:r>
+              <a:rPr lang="en-US" altLang="ko-KR" dirty="0" smtClean="0"/>
+              <a:t>2.a. </a:t>
+            </a:r>
+            <a:r>
+              <a:rPr lang="ko-KR" altLang="en-US" dirty="0" smtClean="0"/>
+              <a:t>센서와 연결을 재시도한다</a:t>
+            </a:r>
+            <a:endParaRPr lang="ko-KR" altLang="en-US" dirty="0"/>
+          </a:p>
+          <a:p>
+            <a:pPr fontAlgn="base"/>
+            <a:r>
+              <a:rPr lang="ko-KR" altLang="en-US" dirty="0" smtClean="0"/>
+              <a:t>		</a:t>
+            </a:r>
+            <a:r>
+              <a:rPr lang="en-US" altLang="ko-KR" dirty="0" smtClean="0"/>
+              <a:t>2.a.1 </a:t>
+            </a:r>
+            <a:r>
+              <a:rPr lang="ko-KR" altLang="en-US" dirty="0" smtClean="0"/>
+              <a:t>일정 </a:t>
+            </a:r>
+            <a:r>
+              <a:rPr lang="ko-KR" altLang="en-US" dirty="0" err="1" smtClean="0"/>
+              <a:t>시간내에</a:t>
+            </a:r>
+            <a:r>
+              <a:rPr lang="ko-KR" altLang="en-US" dirty="0" smtClean="0"/>
+              <a:t> </a:t>
+            </a:r>
+            <a:r>
+              <a:rPr lang="ko-KR" altLang="en-US" dirty="0" err="1" smtClean="0"/>
+              <a:t>재연결이</a:t>
+            </a:r>
+            <a:r>
+              <a:rPr lang="ko-KR" altLang="en-US" dirty="0" smtClean="0"/>
+              <a:t> </a:t>
+            </a:r>
+            <a:r>
+              <a:rPr lang="ko-KR" altLang="en-US" dirty="0" err="1" smtClean="0"/>
+              <a:t>되는경우</a:t>
+            </a:r>
+            <a:r>
+              <a:rPr lang="en-US" altLang="ko-KR" dirty="0" smtClean="0"/>
+              <a:t>:</a:t>
+            </a:r>
+          </a:p>
+          <a:p>
+            <a:pPr fontAlgn="base"/>
+            <a:r>
+              <a:rPr lang="ko-KR" altLang="en-US" dirty="0"/>
+              <a:t>			</a:t>
+            </a:r>
+            <a:r>
+              <a:rPr lang="en-US" altLang="ko-KR" dirty="0" smtClean="0"/>
+              <a:t>2.a.1.a. </a:t>
+            </a:r>
+            <a:r>
+              <a:rPr lang="ko-KR" altLang="en-US" dirty="0" smtClean="0"/>
+              <a:t>알림을 끈다</a:t>
+            </a:r>
+            <a:r>
+              <a:rPr lang="en-US" altLang="ko-KR" dirty="0" smtClean="0"/>
+              <a:t>.</a:t>
+            </a:r>
+            <a:endParaRPr lang="en-US" altLang="ko-KR" dirty="0" smtClean="0"/>
+          </a:p>
+          <a:p>
+            <a:pPr fontAlgn="base"/>
+            <a:r>
+              <a:rPr lang="ko-KR" altLang="en-US" dirty="0" smtClean="0"/>
+              <a:t>		</a:t>
+            </a:r>
+            <a:r>
+              <a:rPr lang="en-US" altLang="ko-KR" dirty="0" smtClean="0"/>
+              <a:t>2.a.2 </a:t>
+            </a:r>
+            <a:r>
+              <a:rPr lang="ko-KR" altLang="en-US" dirty="0" smtClean="0"/>
+              <a:t>일정 시간 이후로도 연결이 안되는 경우</a:t>
+            </a:r>
+            <a:r>
+              <a:rPr lang="en-US" altLang="ko-KR" dirty="0" smtClean="0"/>
+              <a:t>: </a:t>
+            </a:r>
+            <a:endParaRPr lang="ko-KR" altLang="en-US" dirty="0" smtClean="0"/>
+          </a:p>
+          <a:p>
+            <a:pPr fontAlgn="base"/>
+            <a:r>
+              <a:rPr lang="ko-KR" altLang="en-US" dirty="0" smtClean="0"/>
+              <a:t>	</a:t>
+            </a:r>
+            <a:r>
+              <a:rPr lang="en-US" altLang="ko-KR" dirty="0" smtClean="0"/>
+              <a:t>2.a.2. </a:t>
+            </a:r>
+            <a:r>
+              <a:rPr lang="ko-KR" altLang="en-US" dirty="0" smtClean="0"/>
+              <a:t>어플리케이션은 정상적인 통신이 가능할 경우로 돌아간다</a:t>
+            </a:r>
+            <a:r>
+              <a:rPr lang="en-US" altLang="ko-KR" dirty="0" smtClean="0"/>
+              <a:t>.</a:t>
+            </a:r>
+            <a:endParaRPr lang="ko-KR" altLang="en-US" dirty="0" smtClean="0"/>
+          </a:p>
+          <a:p>
+            <a:pPr fontAlgn="base"/>
+            <a:endParaRPr lang="en-US" altLang="ko-KR" dirty="0"/>
+          </a:p>
+          <a:p>
+            <a:endParaRPr lang="en-US" altLang="ko-KR" dirty="0"/>
+          </a:p>
+          <a:p>
+            <a:endParaRPr lang="en-US" altLang="ko-KR" dirty="0"/>
+          </a:p>
+        </p:txBody>
+      </p:sp>
+    </p:spTree>
+    <p:extLst>
+      <p:ext uri="{BB962C8B-B14F-4D97-AF65-F5344CB8AC3E}">
+        <p14:creationId xmlns:p14="http://schemas.microsoft.com/office/powerpoint/2010/main" val="2010333617"/>
+      </p:ext>
+    </p:extLst>
+  </p:cSld>
+  <p:clrMapOvr>
+    <a:masterClrMapping/>
+  </p:clrMapOvr>
+  <mc:AlternateContent xmlns:mc="http://schemas.openxmlformats.org/markup-compatibility/2006">
+    <mc:Choice xmlns:p14="http://schemas.microsoft.com/office/powerpoint/2010/main" Requires="p14">
+      <p:transition spd="slow" p14:dur="2000"/>
+    </mc:Choice>
+    <mc:Fallback>
+      <p:transition spd="slow"/>
+    </mc:Fallback>
+  </mc:AlternateContent>
+  <p:timing>
+    <p:tnLst>
+      <p:par>
+        <p:cTn id="1" dur="indefinite" restart="never" nodeType="tmRoot"/>
+      </p:par>
+    </p:tnLst>
+  </p:timing>
+</p:sld>
+</file>
+
+<file path=ppt/slides/slide14.xml><?xml version="1.0" encoding="utf-8"?>
+<p:sld xmlns:a="http://schemas.openxmlformats.org/drawingml/2006/main" xmlns:r="http://schemas.openxmlformats.org/officeDocument/2006/relationships" xmlns:p="http://schemas.openxmlformats.org/presentationml/2006/main" show="0">
+  <p:cSld>
+    <p:spTree>
+      <p:nvGrpSpPr>
+        <p:cNvPr id="1" name=""/>
+        <p:cNvGrpSpPr/>
+        <p:nvPr/>
+      </p:nvGrpSpPr>
+      <p:grpSpPr>
+        <a:xfrm>
+          <a:off x="0" y="0"/>
+          <a:ext cx="0" cy="0"/>
+          <a:chOff x="0" y="0"/>
+          <a:chExt cx="0" cy="0"/>
+        </a:xfrm>
+      </p:grpSpPr>
+      <p:sp>
+        <p:nvSpPr>
+          <p:cNvPr id="2" name="제목 1">
+            <a:extLst>
+              <a:ext uri="{FF2B5EF4-FFF2-40B4-BE49-F238E27FC236}">
+                <a16:creationId xmlns:a16="http://schemas.microsoft.com/office/drawing/2014/main" id="{E7E29B15-BD08-4688-B649-6836E8C6C3AC}"/>
+              </a:ext>
+            </a:extLst>
+          </p:cNvPr>
+          <p:cNvSpPr>
+            <a:spLocks noGrp="1"/>
+          </p:cNvSpPr>
+          <p:nvPr>
+            <p:ph type="title"/>
+          </p:nvPr>
+        </p:nvSpPr>
+        <p:spPr/>
+        <p:txBody>
+          <a:bodyPr/>
+          <a:lstStyle/>
+          <a:p>
+            <a:r>
+              <a:rPr lang="ko-KR" altLang="en-US" dirty="0" smtClean="0"/>
+              <a:t>센서와 주고받는 신호가 비정상적일 경우</a:t>
+            </a:r>
+            <a:endParaRPr lang="en-US" altLang="ko-KR" dirty="0"/>
+          </a:p>
+        </p:txBody>
+      </p:sp>
+      <p:sp>
+        <p:nvSpPr>
+          <p:cNvPr id="9" name="내용 개체 틀 2">
+            <a:extLst>
+              <a:ext uri="{FF2B5EF4-FFF2-40B4-BE49-F238E27FC236}">
+                <a16:creationId xmlns:a16="http://schemas.microsoft.com/office/drawing/2014/main" id="{5647755A-61AE-495E-AE6D-C8FE4D974240}"/>
+              </a:ext>
+            </a:extLst>
+          </p:cNvPr>
+          <p:cNvSpPr txBox="1">
+            <a:spLocks/>
+          </p:cNvSpPr>
+          <p:nvPr/>
+        </p:nvSpPr>
+        <p:spPr>
+          <a:xfrm>
+            <a:off x="1451578" y="2294064"/>
+            <a:ext cx="9603275" cy="3450613"/>
+          </a:xfrm>
+          <a:prstGeom prst="rect">
+            <a:avLst/>
+          </a:prstGeom>
+        </p:spPr>
+        <p:txBody>
+          <a:bodyPr vert="horz" lIns="91440" tIns="45720" rIns="91440" bIns="45720" rtlCol="0" anchor="t">
+            <a:normAutofit fontScale="92500" lnSpcReduction="10000"/>
+          </a:bodyPr>
+          <a:lstStyle>
+            <a:lvl1pPr marL="228600" indent="-228600" algn="l" defTabSz="914400" rtl="0" eaLnBrk="1" latinLnBrk="1" hangingPunct="1">
+              <a:lnSpc>
+                <a:spcPct val="120000"/>
+              </a:lnSpc>
+              <a:spcBef>
+                <a:spcPts val="1000"/>
+              </a:spcBef>
+              <a:buClr>
+                <a:schemeClr val="accent1"/>
+              </a:buClr>
+              <a:buSzPct val="100000"/>
+              <a:buFont typeface="Arial" panose="020B0604020202020204" pitchFamily="34" charset="0"/>
+              <a:buChar char="•"/>
+              <a:defRPr sz="2000" kern="1200">
+                <a:solidFill>
+                  <a:schemeClr val="tx1"/>
+                </a:solidFill>
+                <a:effectLst/>
+                <a:latin typeface="+mn-lt"/>
+                <a:ea typeface="+mn-ea"/>
+                <a:cs typeface="+mn-cs"/>
+              </a:defRPr>
+            </a:lvl1pPr>
+            <a:lvl2pPr marL="685800" indent="-228600" algn="l" defTabSz="914400" rtl="0" eaLnBrk="1" latinLnBrk="1" hangingPunct="1">
+              <a:lnSpc>
+                <a:spcPct val="120000"/>
+              </a:lnSpc>
+              <a:spcBef>
+                <a:spcPts val="500"/>
+              </a:spcBef>
+              <a:buClr>
+                <a:schemeClr val="accent1"/>
+              </a:buClr>
+              <a:buSzPct val="100000"/>
+              <a:buFont typeface="Arial" panose="020B0604020202020204" pitchFamily="34" charset="0"/>
+              <a:buChar char="•"/>
+              <a:defRPr sz="1800" kern="1200" cap="none" baseline="0">
+                <a:solidFill>
+                  <a:schemeClr val="tx1"/>
+                </a:solidFill>
+                <a:effectLst/>
+                <a:latin typeface="+mn-lt"/>
+                <a:ea typeface="+mn-ea"/>
+                <a:cs typeface="+mn-cs"/>
+              </a:defRPr>
+            </a:lvl2pPr>
+            <a:lvl3pPr marL="1143000" indent="-228600" algn="l" defTabSz="914400" rtl="0" eaLnBrk="1" latinLnBrk="1" hangingPunct="1">
+              <a:lnSpc>
+                <a:spcPct val="120000"/>
+              </a:lnSpc>
+              <a:spcBef>
+                <a:spcPts val="500"/>
+              </a:spcBef>
+              <a:buClr>
+                <a:schemeClr val="accent1"/>
+              </a:buClr>
+              <a:buSzPct val="100000"/>
+              <a:buFont typeface="Arial" panose="020B0604020202020204" pitchFamily="34" charset="0"/>
+              <a:buChar char="•"/>
+              <a:defRPr sz="1600" kern="1200">
+                <a:solidFill>
+                  <a:schemeClr val="tx1"/>
+                </a:solidFill>
+                <a:effectLst/>
+                <a:latin typeface="+mn-lt"/>
+                <a:ea typeface="+mn-ea"/>
+                <a:cs typeface="+mn-cs"/>
+              </a:defRPr>
+            </a:lvl3pPr>
+            <a:lvl4pPr marL="1600200" indent="-228600" algn="l" defTabSz="914400" rtl="0" eaLnBrk="1" latinLnBrk="1" hangingPunct="1">
+              <a:lnSpc>
+                <a:spcPct val="120000"/>
+              </a:lnSpc>
+              <a:spcBef>
+                <a:spcPts val="500"/>
+              </a:spcBef>
+              <a:buClr>
+                <a:schemeClr val="accent1"/>
+              </a:buClr>
+              <a:buSzPct val="100000"/>
+              <a:buFont typeface="Arial" panose="020B0604020202020204" pitchFamily="34" charset="0"/>
+              <a:buChar char="•"/>
+              <a:defRPr sz="1400" kern="1200" cap="none" baseline="0">
+                <a:solidFill>
+                  <a:schemeClr val="tx1"/>
+                </a:solidFill>
+                <a:effectLst/>
+                <a:latin typeface="+mn-lt"/>
+                <a:ea typeface="+mn-ea"/>
+                <a:cs typeface="+mn-cs"/>
+              </a:defRPr>
+            </a:lvl4pPr>
+            <a:lvl5pPr marL="2057400" indent="-228600" algn="l" defTabSz="914400" rtl="0" eaLnBrk="1" latinLnBrk="1" hangingPunct="1">
+              <a:lnSpc>
+                <a:spcPct val="120000"/>
+              </a:lnSpc>
+              <a:spcBef>
+                <a:spcPts val="500"/>
+              </a:spcBef>
+              <a:buClr>
+                <a:schemeClr val="accent1"/>
+              </a:buClr>
+              <a:buSzPct val="100000"/>
+              <a:buFont typeface="Arial" panose="020B0604020202020204" pitchFamily="34" charset="0"/>
+              <a:buChar char="•"/>
+              <a:defRPr sz="1200" kern="1200">
+                <a:solidFill>
+                  <a:schemeClr val="tx1"/>
+                </a:solidFill>
+                <a:effectLst/>
+                <a:latin typeface="+mn-lt"/>
+                <a:ea typeface="+mn-ea"/>
+                <a:cs typeface="+mn-cs"/>
+              </a:defRPr>
+            </a:lvl5pPr>
+            <a:lvl6pPr marL="2514600" indent="-228600" algn="l" defTabSz="914400" rtl="0" eaLnBrk="1" latinLnBrk="1" hangingPunct="1">
+              <a:lnSpc>
+                <a:spcPct val="120000"/>
+              </a:lnSpc>
+              <a:spcBef>
+                <a:spcPts val="500"/>
+              </a:spcBef>
+              <a:buClr>
+                <a:schemeClr val="accent1"/>
+              </a:buClr>
+              <a:buSzPct val="100000"/>
+              <a:buFont typeface="Arial" panose="020B0604020202020204" pitchFamily="34" charset="0"/>
+              <a:buChar char="•"/>
+              <a:defRPr sz="1200" kern="1200">
+                <a:solidFill>
+                  <a:schemeClr val="tx1"/>
+                </a:solidFill>
+                <a:effectLst/>
+                <a:latin typeface="+mn-lt"/>
+                <a:ea typeface="+mn-ea"/>
+                <a:cs typeface="+mn-cs"/>
+              </a:defRPr>
+            </a:lvl6pPr>
+            <a:lvl7pPr marL="2971800" indent="-228600" algn="l" defTabSz="914400" rtl="0" eaLnBrk="1" latinLnBrk="1" hangingPunct="1">
+              <a:lnSpc>
+                <a:spcPct val="120000"/>
+              </a:lnSpc>
+              <a:spcBef>
+                <a:spcPts val="500"/>
+              </a:spcBef>
+              <a:buClr>
+                <a:schemeClr val="accent1"/>
+              </a:buClr>
+              <a:buSzPct val="100000"/>
+              <a:buFont typeface="Arial" panose="020B0604020202020204" pitchFamily="34" charset="0"/>
+              <a:buChar char="•"/>
+              <a:defRPr sz="1200" kern="1200">
+                <a:solidFill>
+                  <a:schemeClr val="tx1"/>
+                </a:solidFill>
+                <a:effectLst/>
+                <a:latin typeface="+mn-lt"/>
+                <a:ea typeface="+mn-ea"/>
+                <a:cs typeface="+mn-cs"/>
+              </a:defRPr>
+            </a:lvl7pPr>
+            <a:lvl8pPr marL="3429000" indent="-228600" algn="l" defTabSz="914400" rtl="0" eaLnBrk="1" latinLnBrk="1" hangingPunct="1">
+              <a:lnSpc>
+                <a:spcPct val="120000"/>
+              </a:lnSpc>
+              <a:spcBef>
+                <a:spcPts val="500"/>
+              </a:spcBef>
+              <a:buClr>
+                <a:schemeClr val="accent1"/>
+              </a:buClr>
+              <a:buSzPct val="100000"/>
+              <a:buFont typeface="Arial" panose="020B0604020202020204" pitchFamily="34" charset="0"/>
+              <a:buChar char="•"/>
+              <a:defRPr sz="1200" kern="1200" baseline="0">
+                <a:solidFill>
+                  <a:schemeClr val="tx1"/>
+                </a:solidFill>
+                <a:effectLst/>
+                <a:latin typeface="+mn-lt"/>
+                <a:ea typeface="+mn-ea"/>
+                <a:cs typeface="+mn-cs"/>
+              </a:defRPr>
+            </a:lvl8pPr>
+            <a:lvl9pPr marL="3886200" indent="-228600" algn="l" defTabSz="914400" rtl="0" eaLnBrk="1" latinLnBrk="1" hangingPunct="1">
+              <a:lnSpc>
+                <a:spcPct val="120000"/>
+              </a:lnSpc>
+              <a:spcBef>
+                <a:spcPts val="500"/>
+              </a:spcBef>
+              <a:buClr>
+                <a:schemeClr val="accent1"/>
+              </a:buClr>
+              <a:buSzPct val="100000"/>
+              <a:buFont typeface="Arial" panose="020B0604020202020204" pitchFamily="34" charset="0"/>
+              <a:buChar char="•"/>
+              <a:defRPr sz="1200" kern="1200" baseline="0">
+                <a:solidFill>
+                  <a:schemeClr val="tx1"/>
+                </a:solidFill>
+                <a:effectLst/>
+                <a:latin typeface="+mn-lt"/>
+                <a:ea typeface="+mn-ea"/>
+                <a:cs typeface="+mn-cs"/>
+              </a:defRPr>
+            </a:lvl9pPr>
+          </a:lstStyle>
+          <a:p>
+            <a:pPr fontAlgn="base"/>
+            <a:r>
+              <a:rPr lang="en-US" altLang="ko-KR" dirty="0"/>
+              <a:t>1. </a:t>
+            </a:r>
+            <a:r>
+              <a:rPr lang="ko-KR" altLang="en-US" dirty="0"/>
+              <a:t>센서와 주고받는 신호가 비정상적일 경우 </a:t>
+            </a:r>
+            <a:r>
+              <a:rPr lang="en-US" altLang="ko-KR" dirty="0"/>
+              <a:t>:</a:t>
+            </a:r>
+            <a:endParaRPr lang="ko-KR" altLang="en-US" dirty="0"/>
+          </a:p>
+          <a:p>
+            <a:pPr fontAlgn="base"/>
+            <a:r>
+              <a:rPr lang="ko-KR" altLang="en-US" dirty="0"/>
+              <a:t>	</a:t>
+            </a:r>
+            <a:r>
+              <a:rPr lang="en-US" altLang="ko-KR" dirty="0"/>
+              <a:t>1.a </a:t>
+            </a:r>
+            <a:r>
+              <a:rPr lang="ko-KR" altLang="en-US" dirty="0" smtClean="0"/>
+              <a:t>어플리케이션은 터치 입력을 중단하고 센서와 </a:t>
+            </a:r>
+            <a:r>
+              <a:rPr lang="ko-KR" altLang="en-US" dirty="0"/>
+              <a:t>연결이 불안정하다고 </a:t>
+            </a:r>
+            <a:r>
+              <a:rPr lang="ko-KR" altLang="en-US" dirty="0" err="1"/>
+              <a:t>알람을</a:t>
+            </a:r>
+            <a:r>
+              <a:rPr lang="ko-KR" altLang="en-US" dirty="0"/>
+              <a:t> </a:t>
+            </a:r>
+            <a:r>
+              <a:rPr lang="en-US" altLang="ko-KR" dirty="0" smtClean="0"/>
+              <a:t>	</a:t>
+            </a:r>
+            <a:r>
+              <a:rPr lang="ko-KR" altLang="en-US" dirty="0" smtClean="0"/>
+              <a:t>출력한다</a:t>
+            </a:r>
+            <a:r>
+              <a:rPr lang="en-US" altLang="ko-KR" dirty="0" smtClean="0"/>
+              <a:t>.</a:t>
+            </a:r>
+            <a:endParaRPr lang="ko-KR" altLang="en-US" dirty="0" smtClean="0"/>
+          </a:p>
+          <a:p>
+            <a:pPr fontAlgn="base"/>
+            <a:r>
+              <a:rPr lang="ko-KR" altLang="en-US" dirty="0" smtClean="0"/>
+              <a:t>		</a:t>
+            </a:r>
+            <a:r>
+              <a:rPr lang="en-US" altLang="ko-KR" dirty="0" smtClean="0"/>
+              <a:t>2.a.1 </a:t>
+            </a:r>
+            <a:r>
+              <a:rPr lang="ko-KR" altLang="en-US" dirty="0" smtClean="0"/>
+              <a:t>정상적인 신호가 다시 입력되는 경우</a:t>
+            </a:r>
+            <a:r>
+              <a:rPr lang="en-US" altLang="ko-KR" dirty="0" smtClean="0"/>
+              <a:t>:</a:t>
+            </a:r>
+            <a:endParaRPr lang="ko-KR" altLang="en-US" dirty="0" smtClean="0"/>
+          </a:p>
+          <a:p>
+            <a:pPr fontAlgn="base"/>
+            <a:r>
+              <a:rPr lang="ko-KR" altLang="en-US" dirty="0" smtClean="0"/>
+              <a:t>			</a:t>
+            </a:r>
+            <a:r>
+              <a:rPr lang="en-US" altLang="ko-KR" dirty="0" smtClean="0"/>
+              <a:t>2.a.1.a.1. </a:t>
+            </a:r>
+            <a:r>
+              <a:rPr lang="ko-KR" altLang="en-US" dirty="0" smtClean="0"/>
+              <a:t>어플리케이션은 알림을 끈</a:t>
+            </a:r>
+            <a:r>
+              <a:rPr lang="en-US" altLang="ko-KR" dirty="0" smtClean="0"/>
+              <a:t>.</a:t>
+            </a:r>
+            <a:endParaRPr lang="ko-KR" altLang="en-US" dirty="0" smtClean="0"/>
+          </a:p>
+          <a:p>
+            <a:pPr fontAlgn="base"/>
+            <a:r>
+              <a:rPr lang="ko-KR" altLang="en-US" dirty="0" smtClean="0"/>
+              <a:t>		</a:t>
+            </a:r>
+            <a:r>
+              <a:rPr lang="en-US" altLang="ko-KR" dirty="0" smtClean="0"/>
+              <a:t>2.a.2 </a:t>
+            </a:r>
+            <a:r>
+              <a:rPr lang="ko-KR" altLang="en-US" dirty="0" smtClean="0"/>
+              <a:t>일정 시간 이상 신호에 문제가 </a:t>
+            </a:r>
+            <a:r>
+              <a:rPr lang="ko-KR" altLang="en-US" dirty="0" err="1" smtClean="0"/>
+              <a:t>있는경우</a:t>
+            </a:r>
+            <a:r>
+              <a:rPr lang="en-US" altLang="ko-KR" dirty="0" smtClean="0"/>
+              <a:t>: </a:t>
+            </a:r>
+            <a:endParaRPr lang="ko-KR" altLang="en-US" dirty="0" smtClean="0"/>
+          </a:p>
+          <a:p>
+            <a:pPr fontAlgn="base"/>
+            <a:r>
+              <a:rPr lang="ko-KR" altLang="en-US" dirty="0" smtClean="0"/>
+              <a:t>			</a:t>
+            </a:r>
+            <a:r>
+              <a:rPr lang="en-US" altLang="ko-KR" dirty="0" smtClean="0"/>
+              <a:t>2.a.1.b.1. </a:t>
+            </a:r>
+            <a:r>
+              <a:rPr lang="ko-KR" altLang="en-US" dirty="0" smtClean="0"/>
+              <a:t>어플리케이션은 신호가 안정이 될 때까지 기다린다</a:t>
+            </a:r>
+            <a:r>
+              <a:rPr lang="en-US" altLang="ko-KR" dirty="0" smtClean="0"/>
+              <a:t>.</a:t>
+            </a:r>
+            <a:endParaRPr lang="ko-KR" altLang="en-US" dirty="0" smtClean="0"/>
+          </a:p>
+          <a:p>
+            <a:pPr fontAlgn="base"/>
+            <a:r>
+              <a:rPr lang="ko-KR" altLang="en-US" dirty="0"/>
+              <a:t>	</a:t>
+            </a:r>
+            <a:r>
+              <a:rPr lang="en-US" altLang="ko-KR" dirty="0"/>
+              <a:t>2.a.2. </a:t>
+            </a:r>
+            <a:r>
+              <a:rPr lang="ko-KR" altLang="en-US" dirty="0" smtClean="0"/>
+              <a:t>어플리케이션은 </a:t>
+            </a:r>
+            <a:r>
+              <a:rPr lang="ko-KR" altLang="en-US" dirty="0"/>
+              <a:t>정상적인 통신이 가능할 경우로 돌아간다</a:t>
+            </a:r>
+            <a:r>
+              <a:rPr lang="en-US" altLang="ko-KR" dirty="0"/>
+              <a:t>.</a:t>
+            </a:r>
+            <a:endParaRPr lang="ko-KR" altLang="en-US" dirty="0"/>
+          </a:p>
+          <a:p>
+            <a:pPr fontAlgn="base"/>
+            <a:endParaRPr lang="en-US" altLang="ko-KR" dirty="0"/>
+          </a:p>
+          <a:p>
+            <a:endParaRPr lang="en-US" altLang="ko-KR" dirty="0"/>
+          </a:p>
+          <a:p>
+            <a:endParaRPr lang="en-US" altLang="ko-KR" dirty="0"/>
+          </a:p>
+        </p:txBody>
+      </p:sp>
+    </p:spTree>
+    <p:extLst>
+      <p:ext uri="{BB962C8B-B14F-4D97-AF65-F5344CB8AC3E}">
+        <p14:creationId xmlns:p14="http://schemas.microsoft.com/office/powerpoint/2010/main" val="921090928"/>
+      </p:ext>
+    </p:extLst>
+  </p:cSld>
+  <p:clrMapOvr>
+    <a:masterClrMapping/>
+  </p:clrMapOvr>
+  <mc:AlternateContent xmlns:mc="http://schemas.openxmlformats.org/markup-compatibility/2006">
+    <mc:Choice xmlns:p14="http://schemas.microsoft.com/office/powerpoint/2010/main" Requires="p14">
+      <p:transition spd="slow" p14:dur="2000"/>
+    </mc:Choice>
+    <mc:Fallback>
+      <p:transition spd="slow"/>
+    </mc:Fallback>
+  </mc:AlternateContent>
+  <p:timing>
+    <p:tnLst>
+      <p:par>
+        <p:cTn id="1" dur="indefinite" restart="never" nodeType="tmRoot"/>
+      </p:par>
+    </p:tnLst>
+  </p:timing>
+</p:sld>
+</file>
+
+<file path=ppt/slides/slide15.xml><?xml version="1.0" encoding="utf-8"?>
+<p:sld xmlns:a="http://schemas.openxmlformats.org/drawingml/2006/main" xmlns:r="http://schemas.openxmlformats.org/officeDocument/2006/relationships" xmlns:p="http://schemas.openxmlformats.org/presentationml/2006/main">
+  <p:cSld>
+    <p:spTree>
+      <p:nvGrpSpPr>
+        <p:cNvPr id="1" name=""/>
+        <p:cNvGrpSpPr/>
+        <p:nvPr/>
+      </p:nvGrpSpPr>
+      <p:grpSpPr>
+        <a:xfrm>
+          <a:off x="0" y="0"/>
+          <a:ext cx="0" cy="0"/>
+          <a:chOff x="0" y="0"/>
+          <a:chExt cx="0" cy="0"/>
+        </a:xfrm>
+      </p:grpSpPr>
+      <p:sp>
+        <p:nvSpPr>
+          <p:cNvPr id="2" name="제목 1"/>
+          <p:cNvSpPr>
+            <a:spLocks noGrp="1"/>
+          </p:cNvSpPr>
+          <p:nvPr>
+            <p:ph type="title"/>
+          </p:nvPr>
+        </p:nvSpPr>
+        <p:spPr/>
+        <p:txBody>
+          <a:bodyPr/>
+          <a:lstStyle/>
+          <a:p>
+            <a:r>
+              <a:rPr lang="ko-KR" altLang="en-US" dirty="0" smtClean="0"/>
+              <a:t>기타사항</a:t>
+            </a:r>
+            <a:endParaRPr lang="ko-KR" altLang="en-US" dirty="0"/>
+          </a:p>
+        </p:txBody>
+      </p:sp>
+      <p:sp>
+        <p:nvSpPr>
+          <p:cNvPr id="3" name="내용 개체 틀 2"/>
+          <p:cNvSpPr>
+            <a:spLocks noGrp="1"/>
+          </p:cNvSpPr>
+          <p:nvPr>
+            <p:ph idx="1"/>
+          </p:nvPr>
+        </p:nvSpPr>
+        <p:spPr/>
+        <p:txBody>
+          <a:bodyPr/>
+          <a:lstStyle/>
+          <a:p>
+            <a:r>
+              <a:rPr lang="ko-KR" altLang="en-US" dirty="0" smtClean="0"/>
+              <a:t>검은 물체</a:t>
+            </a:r>
+            <a:r>
+              <a:rPr lang="en-US" altLang="ko-KR" dirty="0" smtClean="0"/>
+              <a:t>(</a:t>
+            </a:r>
+            <a:r>
+              <a:rPr lang="ko-KR" altLang="en-US" dirty="0" smtClean="0"/>
+              <a:t>펜</a:t>
+            </a:r>
+            <a:r>
+              <a:rPr lang="en-US" altLang="ko-KR" dirty="0" smtClean="0"/>
+              <a:t>, </a:t>
+            </a:r>
+            <a:r>
+              <a:rPr lang="ko-KR" altLang="en-US" dirty="0" smtClean="0"/>
+              <a:t>장갑 등</a:t>
+            </a:r>
+            <a:r>
+              <a:rPr lang="en-US" altLang="ko-KR" dirty="0" smtClean="0"/>
+              <a:t>)</a:t>
+            </a:r>
+            <a:r>
+              <a:rPr lang="ko-KR" altLang="en-US" dirty="0" smtClean="0"/>
+              <a:t>는 적외선 센서에 탐지가 되지않는다</a:t>
+            </a:r>
+            <a:r>
+              <a:rPr lang="en-US" altLang="ko-KR" dirty="0" smtClean="0"/>
+              <a:t>.</a:t>
+            </a:r>
+          </a:p>
+          <a:p>
+            <a:r>
+              <a:rPr lang="ko-KR" altLang="en-US" dirty="0" smtClean="0"/>
+              <a:t>화면이 큰 경우</a:t>
+            </a:r>
+            <a:r>
+              <a:rPr lang="en-US" altLang="ko-KR" dirty="0" smtClean="0"/>
+              <a:t>, </a:t>
+            </a:r>
+            <a:r>
+              <a:rPr lang="ko-KR" altLang="en-US" dirty="0" smtClean="0"/>
+              <a:t>화면 전체를 사용 할 수 없다</a:t>
+            </a:r>
+            <a:r>
+              <a:rPr lang="en-US" altLang="ko-KR" dirty="0" smtClean="0"/>
+              <a:t>. (</a:t>
+            </a:r>
+            <a:r>
+              <a:rPr lang="ko-KR" altLang="en-US" dirty="0" smtClean="0"/>
+              <a:t>트랙패드 관련 방식 고려</a:t>
+            </a:r>
+            <a:r>
+              <a:rPr lang="en-US" altLang="ko-KR" dirty="0" smtClean="0"/>
+              <a:t>.)</a:t>
+            </a:r>
+            <a:endParaRPr lang="en-US" altLang="ko-KR" dirty="0"/>
+          </a:p>
+          <a:p>
+            <a:r>
+              <a:rPr lang="ko-KR" altLang="en-US" dirty="0" smtClean="0"/>
+              <a:t>윈도우 터치 이벤트 관련 </a:t>
+            </a:r>
+            <a:r>
+              <a:rPr lang="en-US" altLang="ko-KR" dirty="0"/>
+              <a:t>: </a:t>
+            </a:r>
+            <a:r>
+              <a:rPr lang="en-US" altLang="ko-KR" dirty="0">
+                <a:hlinkClick r:id="rId2"/>
+              </a:rPr>
+              <a:t>https://msdn.microsoft.com/en-us/library/windows/desktop/dd317334(v=vs.85).</a:t>
+            </a:r>
+            <a:r>
+              <a:rPr lang="en-US" altLang="ko-KR" dirty="0" smtClean="0">
+                <a:hlinkClick r:id="rId2"/>
+              </a:rPr>
+              <a:t>aspx</a:t>
+            </a:r>
+            <a:endParaRPr lang="en-US" altLang="ko-KR" dirty="0" smtClean="0"/>
+          </a:p>
+          <a:p>
+            <a:r>
+              <a:rPr lang="ko-KR" altLang="en-US" dirty="0" smtClean="0"/>
+              <a:t>블루투스 간섭</a:t>
+            </a:r>
+            <a:r>
+              <a:rPr lang="en-US" altLang="ko-KR" dirty="0" smtClean="0"/>
+              <a:t>, </a:t>
+            </a:r>
+            <a:r>
+              <a:rPr lang="ko-KR" altLang="en-US" dirty="0" smtClean="0"/>
+              <a:t>지연에 대한 정보와 조치 필요</a:t>
+            </a:r>
+            <a:r>
+              <a:rPr lang="en-US" altLang="ko-KR" dirty="0" smtClean="0"/>
+              <a:t>.</a:t>
+            </a:r>
+          </a:p>
+          <a:p>
+            <a:r>
+              <a:rPr lang="en-US" altLang="ko-KR" dirty="0" err="1" smtClean="0">
+                <a:hlinkClick r:id="rId3"/>
+              </a:rPr>
+              <a:t>Fritzing</a:t>
+            </a:r>
+            <a:r>
+              <a:rPr lang="en-US" altLang="ko-KR" dirty="0" smtClean="0"/>
+              <a:t> : </a:t>
+            </a:r>
+            <a:r>
+              <a:rPr lang="ko-KR" altLang="en-US" dirty="0" smtClean="0"/>
+              <a:t>하드웨어 회로 스케치 도구</a:t>
+            </a:r>
+            <a:endParaRPr lang="en-US" altLang="ko-KR" dirty="0" smtClean="0"/>
+          </a:p>
+          <a:p>
+            <a:endParaRPr lang="ko-KR" altLang="en-US" dirty="0"/>
+          </a:p>
+        </p:txBody>
+      </p:sp>
+    </p:spTree>
+    <p:extLst>
+      <p:ext uri="{BB962C8B-B14F-4D97-AF65-F5344CB8AC3E}">
+        <p14:creationId xmlns:p14="http://schemas.microsoft.com/office/powerpoint/2010/main" val="1346633205"/>
+      </p:ext>
+    </p:extLst>
+  </p:cSld>
+  <p:clrMapOvr>
+    <a:masterClrMapping/>
+  </p:clrMapOvr>
+  <p:timing>
+    <p:tnLst>
+      <p:par>
+        <p:cTn id="1" dur="indefinite" restart="never" nodeType="tmRoot"/>
+      </p:par>
+    </p:tnLst>
+  </p:timing>
 </p:sld>
 </file>
 
@@ -5113,6 +6768,89 @@
           <a:bodyPr/>
           <a:lstStyle/>
           <a:p>
+            <a:r>
+              <a:rPr lang="en-US" altLang="ko-KR" dirty="0" smtClean="0"/>
+              <a:t>17.10.19 – </a:t>
+            </a:r>
+            <a:r>
+              <a:rPr lang="ko-KR" altLang="en-US" dirty="0" smtClean="0"/>
+              <a:t>하드웨어 구성</a:t>
+            </a:r>
+            <a:r>
+              <a:rPr lang="en-US" altLang="ko-KR" dirty="0" smtClean="0"/>
+              <a:t>, </a:t>
+            </a:r>
+            <a:r>
+              <a:rPr lang="ko-KR" altLang="en-US" dirty="0" smtClean="0"/>
+              <a:t>시나리오 작성 </a:t>
+            </a:r>
+            <a:r>
+              <a:rPr lang="en-US" altLang="ko-KR" dirty="0" smtClean="0"/>
+              <a:t>– </a:t>
+            </a:r>
+            <a:r>
+              <a:rPr lang="ko-KR" altLang="en-US" dirty="0" smtClean="0"/>
+              <a:t>박건형</a:t>
+            </a:r>
+            <a:endParaRPr lang="en-US" altLang="ko-KR" dirty="0" smtClean="0"/>
+          </a:p>
+          <a:p>
+            <a:r>
+              <a:rPr lang="en-US" altLang="ko-KR" dirty="0" smtClean="0"/>
+              <a:t>17.10.19 – </a:t>
+            </a:r>
+            <a:r>
+              <a:rPr lang="ko-KR" altLang="en-US" dirty="0" smtClean="0"/>
+              <a:t>하드웨어 구성에 블루투스 모듈 및 하드웨어 개수 추가</a:t>
+            </a:r>
+            <a:r>
+              <a:rPr lang="en-US" altLang="ko-KR" dirty="0" smtClean="0"/>
+              <a:t>, </a:t>
+            </a:r>
+            <a:r>
+              <a:rPr lang="ko-KR" altLang="en-US" dirty="0" smtClean="0"/>
+              <a:t>소프트웨어 구성 추가</a:t>
+            </a:r>
+            <a:r>
+              <a:rPr lang="en-US" altLang="ko-KR" dirty="0" smtClean="0"/>
+              <a:t>, </a:t>
+            </a:r>
+            <a:r>
+              <a:rPr lang="ko-KR" altLang="en-US" dirty="0" smtClean="0"/>
+              <a:t>트랙패드 관련 시나리오 삭제</a:t>
+            </a:r>
+            <a:r>
+              <a:rPr lang="en-US" altLang="ko-KR" dirty="0" smtClean="0"/>
+              <a:t>, </a:t>
+            </a:r>
+            <a:r>
+              <a:rPr lang="ko-KR" altLang="en-US" dirty="0" smtClean="0"/>
+              <a:t>시나리오 제목</a:t>
+            </a:r>
+            <a:r>
+              <a:rPr lang="en-US" altLang="ko-KR" dirty="0"/>
+              <a:t>/</a:t>
+            </a:r>
+            <a:r>
+              <a:rPr lang="ko-KR" altLang="en-US" dirty="0" smtClean="0"/>
+              <a:t>단어 수정</a:t>
+            </a:r>
+            <a:r>
+              <a:rPr lang="en-US" altLang="ko-KR" dirty="0" smtClean="0"/>
+              <a:t>, </a:t>
+            </a:r>
+            <a:r>
+              <a:rPr lang="ko-KR" altLang="en-US" dirty="0" smtClean="0"/>
+              <a:t>기타 사항 추가 </a:t>
+            </a:r>
+            <a:r>
+              <a:rPr lang="en-US" altLang="ko-KR" dirty="0" smtClean="0"/>
+              <a:t>- </a:t>
+            </a:r>
+            <a:r>
+              <a:rPr lang="ko-KR" altLang="en-US" dirty="0" smtClean="0"/>
+              <a:t>손민재</a:t>
+            </a:r>
             <a:endParaRPr lang="ko-KR" altLang="en-US" dirty="0"/>
           </a:p>
         </p:txBody>
@@ -5127,14 +6865,21 @@
   <p:clrMapOvr>
     <a:masterClrMapping/>
   </p:clrMapOvr>
-  <mc:AlternateContent xmlns:mc="http://schemas.openxmlformats.org/markup-compatibility/2006">
-    <mc:Choice xmlns:p14="http://schemas.microsoft.com/office/powerpoint/2010/main" Requires="p14">
+  <mc:AlternateContent xmlns:mc="http://schemas.openxmlformats.org/markup-compatibility/2006" xmlns:p14="http://schemas.microsoft.com/office/powerpoint/2010/main">
+    <mc:Choice Requires="p14">
       <p:transition spd="slow" p14:dur="2000"/>
     </mc:Choice>
-    <mc:Fallback>
+    <mc:Fallback xmlns="">
       <p:transition spd="slow"/>
     </mc:Fallback>
   </mc:AlternateContent>
+  <p:timing>
+    <p:tnLst>
+      <p:par>
+        <p:cTn id="1" dur="indefinite" restart="never" nodeType="tmRoot"/>
+      </p:par>
+    </p:tnLst>
+  </p:timing>
 </p:sld>
 </file>
 
@@ -5185,150 +6930,13 @@
       </p:sp>
       <p:grpSp>
         <p:nvGrpSpPr>
-          <p:cNvPr id="18" name="그룹 17"/>
-          <p:cNvGrpSpPr/>
-          <p:nvPr/>
-        </p:nvGrpSpPr>
-        <p:grpSpPr>
-          <a:xfrm>
-            <a:off x="5431869" y="3235933"/>
-            <a:ext cx="1492633" cy="1293087"/>
-            <a:chOff x="6055323" y="3235933"/>
-            <a:chExt cx="1492633" cy="1293087"/>
-          </a:xfrm>
-        </p:grpSpPr>
-        <p:sp>
-          <p:nvSpPr>
-            <p:cNvPr id="3" name="화살표: 오른쪽 2">
-              <a:extLst>
-                <a:ext uri="{FF2B5EF4-FFF2-40B4-BE49-F238E27FC236}">
-                  <a16:creationId xmlns:a16="http://schemas.microsoft.com/office/drawing/2014/main" id="{4CF19430-CAAD-4BA0-A072-F45133A74E7E}"/>
-                </a:ext>
-              </a:extLst>
-            </p:cNvPr>
-            <p:cNvSpPr/>
-            <p:nvPr/>
-          </p:nvSpPr>
-          <p:spPr>
-            <a:xfrm>
-              <a:off x="6055323" y="3775327"/>
-              <a:ext cx="1492633" cy="213158"/>
-            </a:xfrm>
-            <a:prstGeom prst="rightArrow">
-              <a:avLst/>
-            </a:prstGeom>
-          </p:spPr>
-          <p:style>
-            <a:lnRef idx="2">
-              <a:schemeClr val="dk1">
-                <a:shade val="50000"/>
-              </a:schemeClr>
-            </a:lnRef>
-            <a:fillRef idx="1">
-              <a:schemeClr val="dk1"/>
-            </a:fillRef>
-            <a:effectRef idx="0">
-              <a:schemeClr val="dk1"/>
-            </a:effectRef>
-            <a:fontRef idx="minor">
-              <a:schemeClr val="lt1"/>
-            </a:fontRef>
-          </p:style>
-          <p:txBody>
-            <a:bodyPr rtlCol="0" anchor="ctr"/>
-            <a:lstStyle/>
-            <a:p>
-              <a:pPr algn="ctr"/>
-              <a:endParaRPr lang="ko-KR" altLang="en-US"/>
-            </a:p>
-          </p:txBody>
-        </p:sp>
-        <p:sp>
-          <p:nvSpPr>
-            <p:cNvPr id="4" name="TextBox 3">
-              <a:extLst>
-                <a:ext uri="{FF2B5EF4-FFF2-40B4-BE49-F238E27FC236}">
-                  <a16:creationId xmlns:a16="http://schemas.microsoft.com/office/drawing/2014/main" id="{BD8067B8-10DD-4376-97EC-10167267CE2C}"/>
-                </a:ext>
-              </a:extLst>
-            </p:cNvPr>
-            <p:cNvSpPr txBox="1"/>
-            <p:nvPr/>
-          </p:nvSpPr>
-          <p:spPr>
-            <a:xfrm>
-              <a:off x="6096903" y="3235933"/>
-              <a:ext cx="1402948" cy="369332"/>
-            </a:xfrm>
-            <a:prstGeom prst="rect">
-              <a:avLst/>
-            </a:prstGeom>
-            <a:noFill/>
-          </p:spPr>
-          <p:txBody>
-            <a:bodyPr wrap="none" rtlCol="0">
-              <a:spAutoFit/>
-            </a:bodyPr>
-            <a:lstStyle/>
-            <a:p>
-              <a:r>
-                <a:rPr lang="ko-KR" altLang="en-US" dirty="0" smtClean="0"/>
-                <a:t>시리얼 </a:t>
-              </a:r>
-              <a:r>
-                <a:rPr lang="ko-KR" altLang="en-US" dirty="0" smtClean="0"/>
-                <a:t>연결</a:t>
-              </a:r>
-              <a:endParaRPr lang="ko-KR" altLang="en-US" dirty="0"/>
-            </a:p>
-          </p:txBody>
-        </p:sp>
-        <p:sp>
-          <p:nvSpPr>
-            <p:cNvPr id="11" name="TextBox 10">
-              <a:extLst>
-                <a:ext uri="{FF2B5EF4-FFF2-40B4-BE49-F238E27FC236}">
-                  <a16:creationId xmlns:a16="http://schemas.microsoft.com/office/drawing/2014/main" id="{FE9170EE-F354-4621-96DC-29BBDB7413D8}"/>
-                </a:ext>
-              </a:extLst>
-            </p:cNvPr>
-            <p:cNvSpPr txBox="1"/>
-            <p:nvPr/>
-          </p:nvSpPr>
-          <p:spPr>
-            <a:xfrm>
-              <a:off x="6082689" y="4159688"/>
-              <a:ext cx="1402948" cy="369332"/>
-            </a:xfrm>
-            <a:prstGeom prst="rect">
-              <a:avLst/>
-            </a:prstGeom>
-            <a:noFill/>
-          </p:spPr>
-          <p:txBody>
-            <a:bodyPr wrap="none" rtlCol="0">
-              <a:spAutoFit/>
-            </a:bodyPr>
-            <a:lstStyle/>
-            <a:p>
-              <a:r>
-                <a:rPr lang="ko-KR" altLang="en-US" dirty="0" smtClean="0"/>
-                <a:t>데이터 전달</a:t>
-              </a:r>
-              <a:endParaRPr lang="ko-KR" altLang="en-US" dirty="0"/>
-            </a:p>
-          </p:txBody>
-        </p:sp>
-      </p:grpSp>
-      <p:grpSp>
-        <p:nvGrpSpPr>
           <p:cNvPr id="21" name="그룹 20"/>
           <p:cNvGrpSpPr/>
           <p:nvPr/>
         </p:nvGrpSpPr>
         <p:grpSpPr>
           <a:xfrm>
-            <a:off x="10149785" y="3088384"/>
+            <a:off x="10375914" y="3050461"/>
             <a:ext cx="1587043" cy="2039126"/>
             <a:chOff x="10141472" y="3088384"/>
             <a:chExt cx="1587043" cy="2039126"/>
@@ -5395,8 +7003,8 @@
           </p:nvSpPr>
           <p:spPr>
             <a:xfrm>
-              <a:off x="10702398" y="4758178"/>
-              <a:ext cx="465192" cy="369332"/>
+              <a:off x="10153689" y="4758178"/>
+              <a:ext cx="1562607" cy="369332"/>
             </a:xfrm>
             <a:prstGeom prst="rect">
               <a:avLst/>
@@ -5410,530 +7018,8 @@
             <a:lstStyle/>
             <a:p>
               <a:r>
-                <a:rPr lang="en-US" altLang="ko-KR" dirty="0"/>
-                <a:t>PC</a:t>
-              </a:r>
-              <a:endParaRPr lang="ko-KR" altLang="en-US" dirty="0"/>
-            </a:p>
-          </p:txBody>
-        </p:sp>
-      </p:grpSp>
-      <p:grpSp>
-        <p:nvGrpSpPr>
-          <p:cNvPr id="9" name="그룹 8"/>
-          <p:cNvGrpSpPr/>
-          <p:nvPr/>
-        </p:nvGrpSpPr>
-        <p:grpSpPr>
-          <a:xfrm>
-            <a:off x="3717966" y="3065583"/>
-            <a:ext cx="1510518" cy="2061927"/>
-            <a:chOff x="4225045" y="3065583"/>
-            <a:chExt cx="1510518" cy="2061927"/>
-          </a:xfrm>
-        </p:grpSpPr>
-        <p:pic>
-          <p:nvPicPr>
-            <p:cNvPr id="1030" name="Picture 6" descr="아두이노 아이콘에 대한 이미지 검색결과">
-              <a:extLst>
-                <a:ext uri="{FF2B5EF4-FFF2-40B4-BE49-F238E27FC236}">
-                  <a16:creationId xmlns:a16="http://schemas.microsoft.com/office/drawing/2014/main" id="{09C4C3D0-8145-4991-B908-C13EF4E88D2A}"/>
-                </a:ext>
-              </a:extLst>
-            </p:cNvPr>
-            <p:cNvPicPr>
-              <a:picLocks noChangeAspect="1" noChangeArrowheads="1"/>
-            </p:cNvPicPr>
-            <p:nvPr/>
-          </p:nvPicPr>
-          <p:blipFill>
-            <a:blip r:embed="rId3">
-              <a:extLst>
-                <a:ext uri="{28A0092B-C50C-407E-A947-70E740481C1C}">
-                  <a14:useLocalDpi xmlns:a14="http://schemas.microsoft.com/office/drawing/2010/main" val="0"/>
-                </a:ext>
-              </a:extLst>
-            </a:blip>
-            <a:srcRect/>
-            <a:stretch>
-              <a:fillRect/>
-            </a:stretch>
-          </p:blipFill>
-          <p:spPr bwMode="auto">
-            <a:xfrm>
-              <a:off x="4225045" y="3065583"/>
-              <a:ext cx="1510518" cy="1510518"/>
-            </a:xfrm>
-            <a:prstGeom prst="rect">
-              <a:avLst/>
-            </a:prstGeom>
-            <a:noFill/>
-            <a:extLst>
-              <a:ext uri="{909E8E84-426E-40DD-AFC4-6F175D3DCCD1}">
-                <a14:hiddenFill xmlns:a14="http://schemas.microsoft.com/office/drawing/2010/main">
-                  <a:solidFill>
-                    <a:srgbClr val="FFFFFF"/>
-                  </a:solidFill>
-                </a14:hiddenFill>
-              </a:ext>
-            </a:extLst>
-          </p:spPr>
-        </p:pic>
-        <p:sp>
-          <p:nvSpPr>
-            <p:cNvPr id="13" name="TextBox 12">
-              <a:extLst>
-                <a:ext uri="{FF2B5EF4-FFF2-40B4-BE49-F238E27FC236}">
-                  <a16:creationId xmlns:a16="http://schemas.microsoft.com/office/drawing/2014/main" id="{AB26A4FD-AE7F-46C9-A4A5-935030902B47}"/>
-                </a:ext>
-              </a:extLst>
-            </p:cNvPr>
-            <p:cNvSpPr txBox="1"/>
-            <p:nvPr/>
-          </p:nvSpPr>
-          <p:spPr>
-            <a:xfrm>
-              <a:off x="4311834" y="4758178"/>
-              <a:ext cx="1338828" cy="369332"/>
-            </a:xfrm>
-            <a:prstGeom prst="rect">
-              <a:avLst/>
-            </a:prstGeom>
-            <a:noFill/>
-          </p:spPr>
-          <p:txBody>
-            <a:bodyPr wrap="none" rtlCol="0">
-              <a:spAutoFit/>
-            </a:bodyPr>
-            <a:lstStyle/>
-            <a:p>
-              <a:r>
-                <a:rPr lang="ko-KR" altLang="en-US" dirty="0" err="1" smtClean="0"/>
-                <a:t>아두이노</a:t>
-              </a:r>
-              <a:r>
                 <a:rPr lang="en-US" altLang="ko-KR" dirty="0" smtClean="0"/>
-                <a:t>x2</a:t>
-              </a:r>
-              <a:endParaRPr lang="ko-KR" altLang="en-US" dirty="0"/>
-            </a:p>
-          </p:txBody>
-        </p:sp>
-      </p:grpSp>
-      <p:grpSp>
-        <p:nvGrpSpPr>
-          <p:cNvPr id="6" name="그룹 5"/>
-          <p:cNvGrpSpPr/>
-          <p:nvPr/>
-        </p:nvGrpSpPr>
-        <p:grpSpPr>
-          <a:xfrm>
-            <a:off x="591874" y="3234792"/>
-            <a:ext cx="1345881" cy="1892718"/>
-            <a:chOff x="591874" y="3234792"/>
-            <a:chExt cx="1345881" cy="1892718"/>
-          </a:xfrm>
-        </p:grpSpPr>
-        <p:pic>
-          <p:nvPicPr>
-            <p:cNvPr id="1026" name="Picture 2" descr="http://download.seaicons.com/icons/icons8/ios7/512/Industry-Rfid-Sensor-icon.png">
-              <a:extLst>
-                <a:ext uri="{FF2B5EF4-FFF2-40B4-BE49-F238E27FC236}">
-                  <a16:creationId xmlns:a16="http://schemas.microsoft.com/office/drawing/2014/main" id="{0FEB3F34-3429-4BA0-98C9-16C9001FEA5D}"/>
-                </a:ext>
-              </a:extLst>
-            </p:cNvPr>
-            <p:cNvPicPr>
-              <a:picLocks noChangeAspect="1" noChangeArrowheads="1"/>
-            </p:cNvPicPr>
-            <p:nvPr/>
-          </p:nvPicPr>
-          <p:blipFill>
-            <a:blip r:embed="rId4">
-              <a:extLst>
-                <a:ext uri="{28A0092B-C50C-407E-A947-70E740481C1C}">
-                  <a14:useLocalDpi xmlns:a14="http://schemas.microsoft.com/office/drawing/2010/main" val="0"/>
-                </a:ext>
-              </a:extLst>
-            </a:blip>
-            <a:srcRect/>
-            <a:stretch>
-              <a:fillRect/>
-            </a:stretch>
-          </p:blipFill>
-          <p:spPr bwMode="auto">
-            <a:xfrm>
-              <a:off x="617701" y="3234792"/>
-              <a:ext cx="1294228" cy="1294228"/>
-            </a:xfrm>
-            <a:prstGeom prst="rect">
-              <a:avLst/>
-            </a:prstGeom>
-            <a:noFill/>
-            <a:extLst>
-              <a:ext uri="{909E8E84-426E-40DD-AFC4-6F175D3DCCD1}">
-                <a14:hiddenFill xmlns:a14="http://schemas.microsoft.com/office/drawing/2010/main">
-                  <a:solidFill>
-                    <a:srgbClr val="FFFFFF"/>
-                  </a:solidFill>
-                </a14:hiddenFill>
-              </a:ext>
-            </a:extLst>
-          </p:spPr>
-        </p:pic>
-        <p:sp>
-          <p:nvSpPr>
-            <p:cNvPr id="14" name="TextBox 13">
-              <a:extLst>
-                <a:ext uri="{FF2B5EF4-FFF2-40B4-BE49-F238E27FC236}">
-                  <a16:creationId xmlns:a16="http://schemas.microsoft.com/office/drawing/2014/main" id="{F9E23090-9388-45A2-B7A1-D1C875F0F44D}"/>
-                </a:ext>
-              </a:extLst>
-            </p:cNvPr>
-            <p:cNvSpPr txBox="1"/>
-            <p:nvPr/>
-          </p:nvSpPr>
-          <p:spPr>
-            <a:xfrm>
-              <a:off x="591874" y="4758178"/>
-              <a:ext cx="1345881" cy="369332"/>
-            </a:xfrm>
-            <a:prstGeom prst="rect">
-              <a:avLst/>
-            </a:prstGeom>
-            <a:noFill/>
-          </p:spPr>
-          <p:txBody>
-            <a:bodyPr wrap="none" rtlCol="0">
-              <a:spAutoFit/>
-            </a:bodyPr>
-            <a:lstStyle/>
-            <a:p>
-              <a:r>
-                <a:rPr lang="en-US" altLang="ko-KR" dirty="0" err="1" smtClean="0"/>
-                <a:t>T</a:t>
-              </a:r>
-              <a:r>
-                <a:rPr lang="en-US" altLang="ko-KR" dirty="0" err="1"/>
-                <a:t>o</a:t>
-              </a:r>
-              <a:r>
-                <a:rPr lang="en-US" altLang="ko-KR" dirty="0" err="1" smtClean="0"/>
-                <a:t>F</a:t>
-              </a:r>
-              <a:r>
-                <a:rPr lang="en-US" altLang="ko-KR" dirty="0" smtClean="0"/>
-                <a:t> </a:t>
-              </a:r>
-              <a:r>
-                <a:rPr lang="ko-KR" altLang="en-US" dirty="0" smtClean="0"/>
-                <a:t>센서 </a:t>
-              </a:r>
-              <a:r>
-                <a:rPr lang="en-US" altLang="ko-KR" dirty="0" smtClean="0"/>
-                <a:t>x8</a:t>
-              </a:r>
-              <a:endParaRPr lang="ko-KR" altLang="en-US" dirty="0"/>
-            </a:p>
-          </p:txBody>
-        </p:sp>
-      </p:grpSp>
-      <p:grpSp>
-        <p:nvGrpSpPr>
-          <p:cNvPr id="7" name="그룹 6"/>
-          <p:cNvGrpSpPr/>
-          <p:nvPr/>
-        </p:nvGrpSpPr>
-        <p:grpSpPr>
-          <a:xfrm>
-            <a:off x="2029001" y="3234792"/>
-            <a:ext cx="1522917" cy="1280927"/>
-            <a:chOff x="2497925" y="3234792"/>
-            <a:chExt cx="1522917" cy="1280927"/>
-          </a:xfrm>
-        </p:grpSpPr>
-        <p:sp>
-          <p:nvSpPr>
-            <p:cNvPr id="8" name="화살표: 오른쪽 7">
-              <a:extLst>
-                <a:ext uri="{FF2B5EF4-FFF2-40B4-BE49-F238E27FC236}">
-                  <a16:creationId xmlns:a16="http://schemas.microsoft.com/office/drawing/2014/main" id="{37D443D4-51C6-401B-BBE0-2FAD1D483CDB}"/>
-                </a:ext>
-              </a:extLst>
-            </p:cNvPr>
-            <p:cNvSpPr/>
-            <p:nvPr/>
-          </p:nvSpPr>
-          <p:spPr>
-            <a:xfrm>
-              <a:off x="2621015" y="3775328"/>
-              <a:ext cx="1399827" cy="213158"/>
-            </a:xfrm>
-            <a:prstGeom prst="rightArrow">
-              <a:avLst/>
-            </a:prstGeom>
-          </p:spPr>
-          <p:style>
-            <a:lnRef idx="2">
-              <a:schemeClr val="dk1">
-                <a:shade val="50000"/>
-              </a:schemeClr>
-            </a:lnRef>
-            <a:fillRef idx="1">
-              <a:schemeClr val="dk1"/>
-            </a:fillRef>
-            <a:effectRef idx="0">
-              <a:schemeClr val="dk1"/>
-            </a:effectRef>
-            <a:fontRef idx="minor">
-              <a:schemeClr val="lt1"/>
-            </a:fontRef>
-          </p:style>
-          <p:txBody>
-            <a:bodyPr rtlCol="0" anchor="ctr"/>
-            <a:lstStyle/>
-            <a:p>
-              <a:pPr algn="ctr"/>
-              <a:endParaRPr lang="ko-KR" altLang="en-US"/>
-            </a:p>
-          </p:txBody>
-        </p:sp>
-        <mc:AlternateContent xmlns:mc="http://schemas.openxmlformats.org/markup-compatibility/2006">
-          <mc:Choice xmlns:a14="http://schemas.microsoft.com/office/drawing/2010/main" Requires="a14">
-            <p:sp>
-              <p:nvSpPr>
-                <p:cNvPr id="10" name="TextBox 9">
-                  <a:extLst>
-                    <a:ext uri="{FF2B5EF4-FFF2-40B4-BE49-F238E27FC236}">
-                      <a16:creationId xmlns:a16="http://schemas.microsoft.com/office/drawing/2014/main" id="{65B53D1D-DC1C-4E53-8E8F-7C9CF5E60E06}"/>
-                    </a:ext>
-                  </a:extLst>
-                </p:cNvPr>
-                <p:cNvSpPr txBox="1"/>
-                <p:nvPr/>
-              </p:nvSpPr>
-              <p:spPr>
-                <a:xfrm>
-                  <a:off x="2497925" y="3234792"/>
-                  <a:ext cx="1522917" cy="369332"/>
-                </a:xfrm>
-                <a:prstGeom prst="rect">
-                  <a:avLst/>
-                </a:prstGeom>
-                <a:noFill/>
-              </p:spPr>
-              <p:txBody>
-                <a:bodyPr wrap="none" rtlCol="0">
-                  <a:spAutoFit/>
-                </a:bodyPr>
-                <a:lstStyle/>
-                <a:p>
-                  <a14:m>
-                    <m:oMath xmlns:m="http://schemas.openxmlformats.org/officeDocument/2006/math">
-                      <m:sSup>
-                        <m:sSupPr>
-                          <m:ctrlPr>
-                            <a:rPr lang="en-US" altLang="ko-KR" i="1" smtClean="0">
-                              <a:latin typeface="Cambria Math" panose="02040503050406030204" pitchFamily="18" charset="0"/>
-                            </a:rPr>
-                          </m:ctrlPr>
-                        </m:sSupPr>
-                        <m:e>
-                          <m:r>
-                            <a:rPr lang="en-US" altLang="ko-KR" b="0" i="1" smtClean="0">
-                              <a:latin typeface="Cambria Math" panose="02040503050406030204" pitchFamily="18" charset="0"/>
-                            </a:rPr>
-                            <m:t>𝐼</m:t>
-                          </m:r>
-                        </m:e>
-                        <m:sup>
-                          <m:r>
-                            <a:rPr lang="en-US" altLang="ko-KR" b="0" i="1" smtClean="0">
-                              <a:latin typeface="Cambria Math" panose="02040503050406030204" pitchFamily="18" charset="0"/>
-                            </a:rPr>
-                            <m:t>2</m:t>
-                          </m:r>
-                        </m:sup>
-                      </m:sSup>
-                      <m:r>
-                        <a:rPr lang="en-US" altLang="ko-KR" b="0" i="1" smtClean="0">
-                          <a:latin typeface="Cambria Math" panose="02040503050406030204" pitchFamily="18" charset="0"/>
-                        </a:rPr>
-                        <m:t>𝐶</m:t>
-                      </m:r>
-                    </m:oMath>
-                  </a14:m>
-                  <a:r>
-                    <a:rPr lang="ko-KR" altLang="en-US" dirty="0" smtClean="0"/>
-                    <a:t>회로 </a:t>
-                  </a:r>
-                  <a:r>
-                    <a:rPr lang="ko-KR" altLang="en-US" dirty="0"/>
-                    <a:t>연결</a:t>
-                  </a:r>
-                </a:p>
-              </p:txBody>
-            </p:sp>
-          </mc:Choice>
-          <mc:Fallback>
-            <p:sp>
-              <p:nvSpPr>
-                <p:cNvPr id="10" name="TextBox 9">
-                  <a:extLst>
-                    <a:ext uri="{FF2B5EF4-FFF2-40B4-BE49-F238E27FC236}">
-                      <a16:creationId xmlns:a16="http://schemas.microsoft.com/office/drawing/2014/main" id="{65B53D1D-DC1C-4E53-8E8F-7C9CF5E60E06}"/>
-                    </a:ext>
-                  </a:extLst>
-                </p:cNvPr>
-                <p:cNvSpPr txBox="1">
-                  <a:spLocks noRot="1" noChangeAspect="1" noMove="1" noResize="1" noEditPoints="1" noAdjustHandles="1" noChangeArrowheads="1" noChangeShapeType="1" noTextEdit="1"/>
-                </p:cNvSpPr>
-                <p:nvPr/>
-              </p:nvSpPr>
-              <p:spPr>
-                <a:xfrm>
-                  <a:off x="2497925" y="3234792"/>
-                  <a:ext cx="1522917" cy="369332"/>
-                </a:xfrm>
-                <a:prstGeom prst="rect">
-                  <a:avLst/>
-                </a:prstGeom>
-                <a:blipFill>
-                  <a:blip r:embed="rId5"/>
-                  <a:stretch>
-                    <a:fillRect t="-11667" r="-2400" b="-25000"/>
-                  </a:stretch>
-                </a:blipFill>
-              </p:spPr>
-              <p:txBody>
-                <a:bodyPr/>
-                <a:lstStyle/>
-                <a:p>
-                  <a:r>
-                    <a:rPr lang="ko-KR" altLang="en-US">
-                      <a:noFill/>
-                    </a:rPr>
-                    <a:t> </a:t>
-                  </a:r>
-                </a:p>
-              </p:txBody>
-            </p:sp>
-          </mc:Fallback>
-        </mc:AlternateContent>
-        <p:sp>
-          <p:nvSpPr>
-            <p:cNvPr id="15" name="TextBox 14">
-              <a:extLst>
-                <a:ext uri="{FF2B5EF4-FFF2-40B4-BE49-F238E27FC236}">
-                  <a16:creationId xmlns:a16="http://schemas.microsoft.com/office/drawing/2014/main" id="{BEF3928B-76FD-4553-AAE0-05237506BBA1}"/>
-                </a:ext>
-              </a:extLst>
-            </p:cNvPr>
-            <p:cNvSpPr txBox="1"/>
-            <p:nvPr/>
-          </p:nvSpPr>
-          <p:spPr>
-            <a:xfrm>
-              <a:off x="2541720" y="4146387"/>
-              <a:ext cx="1402948" cy="369332"/>
-            </a:xfrm>
-            <a:prstGeom prst="rect">
-              <a:avLst/>
-            </a:prstGeom>
-            <a:noFill/>
-          </p:spPr>
-          <p:txBody>
-            <a:bodyPr wrap="none" rtlCol="0">
-              <a:spAutoFit/>
-            </a:bodyPr>
-            <a:lstStyle/>
-            <a:p>
-              <a:r>
-                <a:rPr lang="ko-KR" altLang="en-US" dirty="0"/>
-                <a:t>측정값 전송</a:t>
-              </a:r>
-            </a:p>
-          </p:txBody>
-        </p:sp>
-      </p:grpSp>
-      <p:grpSp>
-        <p:nvGrpSpPr>
-          <p:cNvPr id="17" name="그룹 16"/>
-          <p:cNvGrpSpPr/>
-          <p:nvPr/>
-        </p:nvGrpSpPr>
-        <p:grpSpPr>
-          <a:xfrm>
-            <a:off x="6802513" y="3113061"/>
-            <a:ext cx="1864613" cy="2017747"/>
-            <a:chOff x="7243091" y="3113061"/>
-            <a:chExt cx="1864613" cy="2017747"/>
-          </a:xfrm>
-        </p:grpSpPr>
-        <p:pic>
-          <p:nvPicPr>
-            <p:cNvPr id="5" name="그림 4"/>
-            <p:cNvPicPr>
-              <a:picLocks noChangeAspect="1"/>
-            </p:cNvPicPr>
-            <p:nvPr/>
-          </p:nvPicPr>
-          <p:blipFill rotWithShape="1">
-            <a:blip r:embed="rId6">
-              <a:extLst>
-                <a:ext uri="{28A0092B-C50C-407E-A947-70E740481C1C}">
-                  <a14:useLocalDpi xmlns:a14="http://schemas.microsoft.com/office/drawing/2010/main" val="0"/>
-                </a:ext>
-              </a:extLst>
-            </a:blip>
-            <a:srcRect l="29083" t="10701" r="26623" b="22668"/>
-            <a:stretch/>
-          </p:blipFill>
-          <p:spPr>
-            <a:xfrm>
-              <a:off x="7689104" y="3113061"/>
-              <a:ext cx="972589" cy="1463040"/>
-            </a:xfrm>
-            <a:prstGeom prst="rect">
-              <a:avLst/>
-            </a:prstGeom>
-          </p:spPr>
-        </p:pic>
-        <p:sp>
-          <p:nvSpPr>
-            <p:cNvPr id="20" name="TextBox 19">
-              <a:extLst>
-                <a:ext uri="{FF2B5EF4-FFF2-40B4-BE49-F238E27FC236}">
-                  <a16:creationId xmlns:a16="http://schemas.microsoft.com/office/drawing/2014/main" id="{D241B9B9-D0CC-48F3-98D0-E20837BA3886}"/>
-                </a:ext>
-              </a:extLst>
-            </p:cNvPr>
-            <p:cNvSpPr txBox="1"/>
-            <p:nvPr/>
-          </p:nvSpPr>
-          <p:spPr>
-            <a:xfrm>
-              <a:off x="7243091" y="4761476"/>
-              <a:ext cx="1864613" cy="369332"/>
-            </a:xfrm>
-            <a:prstGeom prst="rect">
-              <a:avLst/>
-            </a:prstGeom>
-            <a:noFill/>
-          </p:spPr>
-          <p:txBody>
-            <a:bodyPr wrap="none" rtlCol="0">
-              <a:spAutoFit/>
-            </a:bodyPr>
-            <a:lstStyle/>
-            <a:p>
-              <a:r>
-                <a:rPr lang="ko-KR" altLang="en-US" dirty="0" smtClean="0"/>
-                <a:t>블루투스 모듈</a:t>
-              </a:r>
-              <a:r>
-                <a:rPr lang="en-US" altLang="ko-KR" dirty="0" smtClean="0"/>
-                <a:t>x2</a:t>
+                <a:t>PC Application</a:t>
               </a:r>
               <a:endParaRPr lang="ko-KR" altLang="en-US" dirty="0"/>
             </a:p>
@@ -5948,7 +7034,7 @@
         </p:nvGrpSpPr>
         <p:grpSpPr>
           <a:xfrm>
-            <a:off x="8424889" y="3254345"/>
+            <a:off x="8647436" y="3359382"/>
             <a:ext cx="1633781" cy="1278122"/>
             <a:chOff x="8491393" y="3254345"/>
             <a:chExt cx="1633781" cy="1278122"/>
@@ -6073,6 +7159,750 @@
           </p:txBody>
         </p:sp>
       </p:grpSp>
+      <p:grpSp>
+        <p:nvGrpSpPr>
+          <p:cNvPr id="25" name="그룹 24"/>
+          <p:cNvGrpSpPr/>
+          <p:nvPr/>
+        </p:nvGrpSpPr>
+        <p:grpSpPr>
+          <a:xfrm>
+            <a:off x="318219" y="2966613"/>
+            <a:ext cx="8179723" cy="2206823"/>
+            <a:chOff x="384721" y="3042975"/>
+            <a:chExt cx="8179723" cy="2206823"/>
+          </a:xfrm>
+        </p:grpSpPr>
+        <p:grpSp>
+          <p:nvGrpSpPr>
+            <p:cNvPr id="18" name="그룹 17"/>
+            <p:cNvGrpSpPr/>
+            <p:nvPr/>
+          </p:nvGrpSpPr>
+          <p:grpSpPr>
+            <a:xfrm>
+              <a:off x="5431869" y="3235933"/>
+              <a:ext cx="1492633" cy="1293087"/>
+              <a:chOff x="6055323" y="3235933"/>
+              <a:chExt cx="1492633" cy="1293087"/>
+            </a:xfrm>
+          </p:grpSpPr>
+          <p:sp>
+            <p:nvSpPr>
+              <p:cNvPr id="3" name="화살표: 오른쪽 2">
+                <a:extLst>
+                  <a:ext uri="{FF2B5EF4-FFF2-40B4-BE49-F238E27FC236}">
+                    <a16:creationId xmlns:a16="http://schemas.microsoft.com/office/drawing/2014/main" id="{4CF19430-CAAD-4BA0-A072-F45133A74E7E}"/>
+                  </a:ext>
+                </a:extLst>
+              </p:cNvPr>
+              <p:cNvSpPr/>
+              <p:nvPr/>
+            </p:nvSpPr>
+            <p:spPr>
+              <a:xfrm>
+                <a:off x="6055323" y="3775327"/>
+                <a:ext cx="1492633" cy="213158"/>
+              </a:xfrm>
+              <a:prstGeom prst="rightArrow">
+                <a:avLst/>
+              </a:prstGeom>
+            </p:spPr>
+            <p:style>
+              <a:lnRef idx="2">
+                <a:schemeClr val="dk1">
+                  <a:shade val="50000"/>
+                </a:schemeClr>
+              </a:lnRef>
+              <a:fillRef idx="1">
+                <a:schemeClr val="dk1"/>
+              </a:fillRef>
+              <a:effectRef idx="0">
+                <a:schemeClr val="dk1"/>
+              </a:effectRef>
+              <a:fontRef idx="minor">
+                <a:schemeClr val="lt1"/>
+              </a:fontRef>
+            </p:style>
+            <p:txBody>
+              <a:bodyPr rtlCol="0" anchor="ctr"/>
+              <a:lstStyle/>
+              <a:p>
+                <a:pPr algn="ctr"/>
+                <a:endParaRPr lang="ko-KR" altLang="en-US"/>
+              </a:p>
+            </p:txBody>
+          </p:sp>
+          <p:sp>
+            <p:nvSpPr>
+              <p:cNvPr id="4" name="TextBox 3">
+                <a:extLst>
+                  <a:ext uri="{FF2B5EF4-FFF2-40B4-BE49-F238E27FC236}">
+                    <a16:creationId xmlns:a16="http://schemas.microsoft.com/office/drawing/2014/main" id="{BD8067B8-10DD-4376-97EC-10167267CE2C}"/>
+                  </a:ext>
+                </a:extLst>
+              </p:cNvPr>
+              <p:cNvSpPr txBox="1"/>
+              <p:nvPr/>
+            </p:nvSpPr>
+            <p:spPr>
+              <a:xfrm>
+                <a:off x="6096903" y="3235933"/>
+                <a:ext cx="1402948" cy="369332"/>
+              </a:xfrm>
+              <a:prstGeom prst="rect">
+                <a:avLst/>
+              </a:prstGeom>
+              <a:noFill/>
+            </p:spPr>
+            <p:txBody>
+              <a:bodyPr wrap="none" rtlCol="0">
+                <a:spAutoFit/>
+              </a:bodyPr>
+              <a:lstStyle/>
+              <a:p>
+                <a:r>
+                  <a:rPr lang="ko-KR" altLang="en-US" dirty="0" smtClean="0"/>
+                  <a:t>시리얼 연결</a:t>
+                </a:r>
+                <a:endParaRPr lang="ko-KR" altLang="en-US" dirty="0"/>
+              </a:p>
+            </p:txBody>
+          </p:sp>
+          <p:sp>
+            <p:nvSpPr>
+              <p:cNvPr id="11" name="TextBox 10">
+                <a:extLst>
+                  <a:ext uri="{FF2B5EF4-FFF2-40B4-BE49-F238E27FC236}">
+                    <a16:creationId xmlns:a16="http://schemas.microsoft.com/office/drawing/2014/main" id="{FE9170EE-F354-4621-96DC-29BBDB7413D8}"/>
+                  </a:ext>
+                </a:extLst>
+              </p:cNvPr>
+              <p:cNvSpPr txBox="1"/>
+              <p:nvPr/>
+            </p:nvSpPr>
+            <p:spPr>
+              <a:xfrm>
+                <a:off x="6082689" y="4159688"/>
+                <a:ext cx="1402948" cy="369332"/>
+              </a:xfrm>
+              <a:prstGeom prst="rect">
+                <a:avLst/>
+              </a:prstGeom>
+              <a:noFill/>
+            </p:spPr>
+            <p:txBody>
+              <a:bodyPr wrap="none" rtlCol="0">
+                <a:spAutoFit/>
+              </a:bodyPr>
+              <a:lstStyle/>
+              <a:p>
+                <a:r>
+                  <a:rPr lang="ko-KR" altLang="en-US" dirty="0" smtClean="0"/>
+                  <a:t>데이터 전달</a:t>
+                </a:r>
+                <a:endParaRPr lang="ko-KR" altLang="en-US" dirty="0"/>
+              </a:p>
+            </p:txBody>
+          </p:sp>
+        </p:grpSp>
+        <p:grpSp>
+          <p:nvGrpSpPr>
+            <p:cNvPr id="9" name="그룹 8"/>
+            <p:cNvGrpSpPr/>
+            <p:nvPr/>
+          </p:nvGrpSpPr>
+          <p:grpSpPr>
+            <a:xfrm>
+              <a:off x="3717966" y="3065583"/>
+              <a:ext cx="1510518" cy="1970888"/>
+              <a:chOff x="4225045" y="3065583"/>
+              <a:chExt cx="1510518" cy="1970888"/>
+            </a:xfrm>
+          </p:grpSpPr>
+          <p:pic>
+            <p:nvPicPr>
+              <p:cNvPr id="1030" name="Picture 6" descr="아두이노 아이콘에 대한 이미지 검색결과">
+                <a:extLst>
+                  <a:ext uri="{FF2B5EF4-FFF2-40B4-BE49-F238E27FC236}">
+                    <a16:creationId xmlns:a16="http://schemas.microsoft.com/office/drawing/2014/main" id="{09C4C3D0-8145-4991-B908-C13EF4E88D2A}"/>
+                  </a:ext>
+                </a:extLst>
+              </p:cNvPr>
+              <p:cNvPicPr>
+                <a:picLocks noChangeAspect="1" noChangeArrowheads="1"/>
+              </p:cNvPicPr>
+              <p:nvPr/>
+            </p:nvPicPr>
+            <p:blipFill>
+              <a:blip r:embed="rId3">
+                <a:extLst>
+                  <a:ext uri="{28A0092B-C50C-407E-A947-70E740481C1C}">
+                    <a14:useLocalDpi xmlns:a14="http://schemas.microsoft.com/office/drawing/2010/main" val="0"/>
+                  </a:ext>
+                </a:extLst>
+              </a:blip>
+              <a:srcRect/>
+              <a:stretch>
+                <a:fillRect/>
+              </a:stretch>
+            </p:blipFill>
+            <p:spPr bwMode="auto">
+              <a:xfrm>
+                <a:off x="4225045" y="3065583"/>
+                <a:ext cx="1510518" cy="1510518"/>
+              </a:xfrm>
+              <a:prstGeom prst="rect">
+                <a:avLst/>
+              </a:prstGeom>
+              <a:noFill/>
+              <a:extLst>
+                <a:ext uri="{909E8E84-426E-40DD-AFC4-6F175D3DCCD1}">
+                  <a14:hiddenFill xmlns:a14="http://schemas.microsoft.com/office/drawing/2010/main">
+                    <a:solidFill>
+                      <a:srgbClr val="FFFFFF"/>
+                    </a:solidFill>
+                  </a14:hiddenFill>
+                </a:ext>
+              </a:extLst>
+            </p:spPr>
+          </p:pic>
+          <p:sp>
+            <p:nvSpPr>
+              <p:cNvPr id="13" name="TextBox 12">
+                <a:extLst>
+                  <a:ext uri="{FF2B5EF4-FFF2-40B4-BE49-F238E27FC236}">
+                    <a16:creationId xmlns:a16="http://schemas.microsoft.com/office/drawing/2014/main" id="{AB26A4FD-AE7F-46C9-A4A5-935030902B47}"/>
+                  </a:ext>
+                </a:extLst>
+              </p:cNvPr>
+              <p:cNvSpPr txBox="1"/>
+              <p:nvPr/>
+            </p:nvSpPr>
+            <p:spPr>
+              <a:xfrm>
+                <a:off x="4426306" y="4667139"/>
+                <a:ext cx="1107996" cy="369332"/>
+              </a:xfrm>
+              <a:prstGeom prst="rect">
+                <a:avLst/>
+              </a:prstGeom>
+              <a:noFill/>
+            </p:spPr>
+            <p:txBody>
+              <a:bodyPr wrap="none" rtlCol="0">
+                <a:spAutoFit/>
+              </a:bodyPr>
+              <a:lstStyle/>
+              <a:p>
+                <a:r>
+                  <a:rPr lang="ko-KR" altLang="en-US" dirty="0" err="1" smtClean="0"/>
+                  <a:t>아두이노</a:t>
+                </a:r>
+                <a:endParaRPr lang="ko-KR" altLang="en-US" dirty="0"/>
+              </a:p>
+            </p:txBody>
+          </p:sp>
+        </p:grpSp>
+        <p:grpSp>
+          <p:nvGrpSpPr>
+            <p:cNvPr id="6" name="그룹 5"/>
+            <p:cNvGrpSpPr/>
+            <p:nvPr/>
+          </p:nvGrpSpPr>
+          <p:grpSpPr>
+            <a:xfrm>
+              <a:off x="591874" y="3234792"/>
+              <a:ext cx="1345881" cy="1809967"/>
+              <a:chOff x="591874" y="3234792"/>
+              <a:chExt cx="1345881" cy="1809967"/>
+            </a:xfrm>
+          </p:grpSpPr>
+          <p:pic>
+            <p:nvPicPr>
+              <p:cNvPr id="1026" name="Picture 2" descr="http://download.seaicons.com/icons/icons8/ios7/512/Industry-Rfid-Sensor-icon.png">
+                <a:extLst>
+                  <a:ext uri="{FF2B5EF4-FFF2-40B4-BE49-F238E27FC236}">
+                    <a16:creationId xmlns:a16="http://schemas.microsoft.com/office/drawing/2014/main" id="{0FEB3F34-3429-4BA0-98C9-16C9001FEA5D}"/>
+                  </a:ext>
+                </a:extLst>
+              </p:cNvPr>
+              <p:cNvPicPr>
+                <a:picLocks noChangeAspect="1" noChangeArrowheads="1"/>
+              </p:cNvPicPr>
+              <p:nvPr/>
+            </p:nvPicPr>
+            <p:blipFill>
+              <a:blip r:embed="rId4">
+                <a:extLst>
+                  <a:ext uri="{28A0092B-C50C-407E-A947-70E740481C1C}">
+                    <a14:useLocalDpi xmlns:a14="http://schemas.microsoft.com/office/drawing/2010/main" val="0"/>
+                  </a:ext>
+                </a:extLst>
+              </a:blip>
+              <a:srcRect/>
+              <a:stretch>
+                <a:fillRect/>
+              </a:stretch>
+            </p:blipFill>
+            <p:spPr bwMode="auto">
+              <a:xfrm>
+                <a:off x="617701" y="3234792"/>
+                <a:ext cx="1294228" cy="1294228"/>
+              </a:xfrm>
+              <a:prstGeom prst="rect">
+                <a:avLst/>
+              </a:prstGeom>
+              <a:noFill/>
+              <a:extLst>
+                <a:ext uri="{909E8E84-426E-40DD-AFC4-6F175D3DCCD1}">
+                  <a14:hiddenFill xmlns:a14="http://schemas.microsoft.com/office/drawing/2010/main">
+                    <a:solidFill>
+                      <a:srgbClr val="FFFFFF"/>
+                    </a:solidFill>
+                  </a14:hiddenFill>
+                </a:ext>
+              </a:extLst>
+            </p:spPr>
+          </p:pic>
+          <p:sp>
+            <p:nvSpPr>
+              <p:cNvPr id="14" name="TextBox 13">
+                <a:extLst>
+                  <a:ext uri="{FF2B5EF4-FFF2-40B4-BE49-F238E27FC236}">
+                    <a16:creationId xmlns:a16="http://schemas.microsoft.com/office/drawing/2014/main" id="{F9E23090-9388-45A2-B7A1-D1C875F0F44D}"/>
+                  </a:ext>
+                </a:extLst>
+              </p:cNvPr>
+              <p:cNvSpPr txBox="1"/>
+              <p:nvPr/>
+            </p:nvSpPr>
+            <p:spPr>
+              <a:xfrm>
+                <a:off x="591874" y="4675427"/>
+                <a:ext cx="1345881" cy="369332"/>
+              </a:xfrm>
+              <a:prstGeom prst="rect">
+                <a:avLst/>
+              </a:prstGeom>
+              <a:noFill/>
+            </p:spPr>
+            <p:txBody>
+              <a:bodyPr wrap="none" rtlCol="0">
+                <a:spAutoFit/>
+              </a:bodyPr>
+              <a:lstStyle/>
+              <a:p>
+                <a:r>
+                  <a:rPr lang="en-US" altLang="ko-KR" dirty="0" err="1" smtClean="0"/>
+                  <a:t>T</a:t>
+                </a:r>
+                <a:r>
+                  <a:rPr lang="en-US" altLang="ko-KR" dirty="0" err="1"/>
+                  <a:t>o</a:t>
+                </a:r>
+                <a:r>
+                  <a:rPr lang="en-US" altLang="ko-KR" dirty="0" err="1" smtClean="0"/>
+                  <a:t>F</a:t>
+                </a:r>
+                <a:r>
+                  <a:rPr lang="en-US" altLang="ko-KR" dirty="0" smtClean="0"/>
+                  <a:t> </a:t>
+                </a:r>
+                <a:r>
+                  <a:rPr lang="ko-KR" altLang="en-US" dirty="0" smtClean="0"/>
+                  <a:t>센서 </a:t>
+                </a:r>
+                <a:r>
+                  <a:rPr lang="en-US" altLang="ko-KR" dirty="0" smtClean="0"/>
+                  <a:t>x4</a:t>
+                </a:r>
+                <a:endParaRPr lang="ko-KR" altLang="en-US" dirty="0"/>
+              </a:p>
+            </p:txBody>
+          </p:sp>
+        </p:grpSp>
+        <p:grpSp>
+          <p:nvGrpSpPr>
+            <p:cNvPr id="7" name="그룹 6"/>
+            <p:cNvGrpSpPr/>
+            <p:nvPr/>
+          </p:nvGrpSpPr>
+          <p:grpSpPr>
+            <a:xfrm>
+              <a:off x="2072796" y="3234792"/>
+              <a:ext cx="1479122" cy="1280927"/>
+              <a:chOff x="2541720" y="3234792"/>
+              <a:chExt cx="1479122" cy="1280927"/>
+            </a:xfrm>
+          </p:grpSpPr>
+          <p:sp>
+            <p:nvSpPr>
+              <p:cNvPr id="8" name="화살표: 오른쪽 7">
+                <a:extLst>
+                  <a:ext uri="{FF2B5EF4-FFF2-40B4-BE49-F238E27FC236}">
+                    <a16:creationId xmlns:a16="http://schemas.microsoft.com/office/drawing/2014/main" id="{37D443D4-51C6-401B-BBE0-2FAD1D483CDB}"/>
+                  </a:ext>
+                </a:extLst>
+              </p:cNvPr>
+              <p:cNvSpPr/>
+              <p:nvPr/>
+            </p:nvSpPr>
+            <p:spPr>
+              <a:xfrm>
+                <a:off x="2621015" y="3775328"/>
+                <a:ext cx="1399827" cy="213158"/>
+              </a:xfrm>
+              <a:prstGeom prst="rightArrow">
+                <a:avLst/>
+              </a:prstGeom>
+            </p:spPr>
+            <p:style>
+              <a:lnRef idx="2">
+                <a:schemeClr val="dk1">
+                  <a:shade val="50000"/>
+                </a:schemeClr>
+              </a:lnRef>
+              <a:fillRef idx="1">
+                <a:schemeClr val="dk1"/>
+              </a:fillRef>
+              <a:effectRef idx="0">
+                <a:schemeClr val="dk1"/>
+              </a:effectRef>
+              <a:fontRef idx="minor">
+                <a:schemeClr val="lt1"/>
+              </a:fontRef>
+            </p:style>
+            <p:txBody>
+              <a:bodyPr rtlCol="0" anchor="ctr"/>
+              <a:lstStyle/>
+              <a:p>
+                <a:pPr algn="ctr"/>
+                <a:endParaRPr lang="ko-KR" altLang="en-US"/>
+              </a:p>
+            </p:txBody>
+          </p:sp>
+          <mc:AlternateContent xmlns:mc="http://schemas.openxmlformats.org/markup-compatibility/2006">
+            <mc:Choice xmlns:a14="http://schemas.microsoft.com/office/drawing/2010/main" Requires="a14">
+              <p:sp>
+                <p:nvSpPr>
+                  <p:cNvPr id="10" name="TextBox 9">
+                    <a:extLst>
+                      <a:ext uri="{FF2B5EF4-FFF2-40B4-BE49-F238E27FC236}">
+                        <a16:creationId xmlns:a16="http://schemas.microsoft.com/office/drawing/2014/main" id="{65B53D1D-DC1C-4E53-8E8F-7C9CF5E60E06}"/>
+                      </a:ext>
+                    </a:extLst>
+                  </p:cNvPr>
+                  <p:cNvSpPr txBox="1"/>
+                  <p:nvPr/>
+                </p:nvSpPr>
+                <p:spPr>
+                  <a:xfrm>
+                    <a:off x="2767196" y="3234792"/>
+                    <a:ext cx="1061253" cy="369332"/>
+                  </a:xfrm>
+                  <a:prstGeom prst="rect">
+                    <a:avLst/>
+                  </a:prstGeom>
+                  <a:noFill/>
+                </p:spPr>
+                <p:txBody>
+                  <a:bodyPr wrap="none" rtlCol="0">
+                    <a:spAutoFit/>
+                  </a:bodyPr>
+                  <a:lstStyle/>
+                  <a:p>
+                    <a14:m>
+                      <m:oMath xmlns:m="http://schemas.openxmlformats.org/officeDocument/2006/math">
+                        <m:sSup>
+                          <m:sSupPr>
+                            <m:ctrlPr>
+                              <a:rPr lang="en-US" altLang="ko-KR" i="1" smtClean="0">
+                                <a:latin typeface="Cambria Math" panose="02040503050406030204" pitchFamily="18" charset="0"/>
+                              </a:rPr>
+                            </m:ctrlPr>
+                          </m:sSupPr>
+                          <m:e>
+                            <m:r>
+                              <a:rPr lang="en-US" altLang="ko-KR" b="0" i="1" smtClean="0">
+                                <a:latin typeface="Cambria Math" panose="02040503050406030204" pitchFamily="18" charset="0"/>
+                              </a:rPr>
+                              <m:t>𝐼</m:t>
+                            </m:r>
+                          </m:e>
+                          <m:sup>
+                            <m:r>
+                              <a:rPr lang="en-US" altLang="ko-KR" b="0" i="1" smtClean="0">
+                                <a:latin typeface="Cambria Math" panose="02040503050406030204" pitchFamily="18" charset="0"/>
+                              </a:rPr>
+                              <m:t>2</m:t>
+                            </m:r>
+                          </m:sup>
+                        </m:sSup>
+                        <m:r>
+                          <a:rPr lang="en-US" altLang="ko-KR" b="0" i="1" smtClean="0">
+                            <a:latin typeface="Cambria Math" panose="02040503050406030204" pitchFamily="18" charset="0"/>
+                          </a:rPr>
+                          <m:t>𝐶</m:t>
+                        </m:r>
+                      </m:oMath>
+                    </a14:m>
+                    <a:r>
+                      <a:rPr lang="ko-KR" altLang="en-US" dirty="0" smtClean="0"/>
+                      <a:t> </a:t>
+                    </a:r>
+                    <a:r>
+                      <a:rPr lang="ko-KR" altLang="en-US" dirty="0"/>
+                      <a:t>연결</a:t>
+                    </a:r>
+                  </a:p>
+                </p:txBody>
+              </p:sp>
+            </mc:Choice>
+            <mc:Fallback>
+              <p:sp>
+                <p:nvSpPr>
+                  <p:cNvPr id="10" name="TextBox 9">
+                    <a:extLst>
+                      <a:ext uri="{FF2B5EF4-FFF2-40B4-BE49-F238E27FC236}">
+                        <a16:creationId xmlns:a16="http://schemas.microsoft.com/office/drawing/2014/main" id="{65B53D1D-DC1C-4E53-8E8F-7C9CF5E60E06}"/>
+                      </a:ext>
+                    </a:extLst>
+                  </p:cNvPr>
+                  <p:cNvSpPr txBox="1">
+                    <a:spLocks noRot="1" noChangeAspect="1" noMove="1" noResize="1" noEditPoints="1" noAdjustHandles="1" noChangeArrowheads="1" noChangeShapeType="1" noTextEdit="1"/>
+                  </p:cNvSpPr>
+                  <p:nvPr/>
+                </p:nvSpPr>
+                <p:spPr>
+                  <a:xfrm>
+                    <a:off x="2767196" y="3234792"/>
+                    <a:ext cx="1061253" cy="369332"/>
+                  </a:xfrm>
+                  <a:prstGeom prst="rect">
+                    <a:avLst/>
+                  </a:prstGeom>
+                  <a:blipFill>
+                    <a:blip r:embed="rId5"/>
+                    <a:stretch>
+                      <a:fillRect t="-9836" r="-4598" b="-22951"/>
+                    </a:stretch>
+                  </a:blipFill>
+                </p:spPr>
+                <p:txBody>
+                  <a:bodyPr/>
+                  <a:lstStyle/>
+                  <a:p>
+                    <a:r>
+                      <a:rPr lang="ko-KR" altLang="en-US">
+                        <a:noFill/>
+                      </a:rPr>
+                      <a:t> </a:t>
+                    </a:r>
+                  </a:p>
+                </p:txBody>
+              </p:sp>
+            </mc:Fallback>
+          </mc:AlternateContent>
+          <p:sp>
+            <p:nvSpPr>
+              <p:cNvPr id="15" name="TextBox 14">
+                <a:extLst>
+                  <a:ext uri="{FF2B5EF4-FFF2-40B4-BE49-F238E27FC236}">
+                    <a16:creationId xmlns:a16="http://schemas.microsoft.com/office/drawing/2014/main" id="{BEF3928B-76FD-4553-AAE0-05237506BBA1}"/>
+                  </a:ext>
+                </a:extLst>
+              </p:cNvPr>
+              <p:cNvSpPr txBox="1"/>
+              <p:nvPr/>
+            </p:nvSpPr>
+            <p:spPr>
+              <a:xfrm>
+                <a:off x="2541720" y="4146387"/>
+                <a:ext cx="1402948" cy="369332"/>
+              </a:xfrm>
+              <a:prstGeom prst="rect">
+                <a:avLst/>
+              </a:prstGeom>
+              <a:noFill/>
+            </p:spPr>
+            <p:txBody>
+              <a:bodyPr wrap="none" rtlCol="0">
+                <a:spAutoFit/>
+              </a:bodyPr>
+              <a:lstStyle/>
+              <a:p>
+                <a:r>
+                  <a:rPr lang="ko-KR" altLang="en-US" dirty="0"/>
+                  <a:t>측정값 전송</a:t>
+                </a:r>
+              </a:p>
+            </p:txBody>
+          </p:sp>
+        </p:grpSp>
+        <p:grpSp>
+          <p:nvGrpSpPr>
+            <p:cNvPr id="17" name="그룹 16"/>
+            <p:cNvGrpSpPr/>
+            <p:nvPr/>
+          </p:nvGrpSpPr>
+          <p:grpSpPr>
+            <a:xfrm>
+              <a:off x="6917929" y="3113061"/>
+              <a:ext cx="1633781" cy="1954710"/>
+              <a:chOff x="7358507" y="3113061"/>
+              <a:chExt cx="1633781" cy="1954710"/>
+            </a:xfrm>
+          </p:grpSpPr>
+          <p:pic>
+            <p:nvPicPr>
+              <p:cNvPr id="5" name="그림 4"/>
+              <p:cNvPicPr>
+                <a:picLocks noChangeAspect="1"/>
+              </p:cNvPicPr>
+              <p:nvPr/>
+            </p:nvPicPr>
+            <p:blipFill rotWithShape="1">
+              <a:blip r:embed="rId6">
+                <a:extLst>
+                  <a:ext uri="{28A0092B-C50C-407E-A947-70E740481C1C}">
+                    <a14:useLocalDpi xmlns:a14="http://schemas.microsoft.com/office/drawing/2010/main" val="0"/>
+                  </a:ext>
+                </a:extLst>
+              </a:blip>
+              <a:srcRect l="29083" t="10701" r="26623" b="22668"/>
+              <a:stretch/>
+            </p:blipFill>
+            <p:spPr>
+              <a:xfrm>
+                <a:off x="7689104" y="3113061"/>
+                <a:ext cx="972589" cy="1463040"/>
+              </a:xfrm>
+              <a:prstGeom prst="rect">
+                <a:avLst/>
+              </a:prstGeom>
+            </p:spPr>
+          </p:pic>
+          <p:sp>
+            <p:nvSpPr>
+              <p:cNvPr id="20" name="TextBox 19">
+                <a:extLst>
+                  <a:ext uri="{FF2B5EF4-FFF2-40B4-BE49-F238E27FC236}">
+                    <a16:creationId xmlns:a16="http://schemas.microsoft.com/office/drawing/2014/main" id="{D241B9B9-D0CC-48F3-98D0-E20837BA3886}"/>
+                  </a:ext>
+                </a:extLst>
+              </p:cNvPr>
+              <p:cNvSpPr txBox="1"/>
+              <p:nvPr/>
+            </p:nvSpPr>
+            <p:spPr>
+              <a:xfrm>
+                <a:off x="7358507" y="4698439"/>
+                <a:ext cx="1633781" cy="369332"/>
+              </a:xfrm>
+              <a:prstGeom prst="rect">
+                <a:avLst/>
+              </a:prstGeom>
+              <a:noFill/>
+            </p:spPr>
+            <p:txBody>
+              <a:bodyPr wrap="none" rtlCol="0">
+                <a:spAutoFit/>
+              </a:bodyPr>
+              <a:lstStyle/>
+              <a:p>
+                <a:r>
+                  <a:rPr lang="ko-KR" altLang="en-US" dirty="0" smtClean="0"/>
+                  <a:t>블루투스 </a:t>
+                </a:r>
+                <a:r>
+                  <a:rPr lang="ko-KR" altLang="en-US" dirty="0" smtClean="0"/>
+                  <a:t>모듈</a:t>
+                </a:r>
+                <a:endParaRPr lang="ko-KR" altLang="en-US" dirty="0"/>
+              </a:p>
+            </p:txBody>
+          </p:sp>
+        </p:grpSp>
+        <p:sp>
+          <p:nvSpPr>
+            <p:cNvPr id="24" name="모서리가 둥근 직사각형 23"/>
+            <p:cNvSpPr/>
+            <p:nvPr/>
+          </p:nvSpPr>
+          <p:spPr>
+            <a:xfrm>
+              <a:off x="384721" y="3042975"/>
+              <a:ext cx="8179723" cy="2206823"/>
+            </a:xfrm>
+            <a:prstGeom prst="roundRect">
+              <a:avLst/>
+            </a:prstGeom>
+            <a:noFill/>
+            <a:ln w="57150"/>
+          </p:spPr>
+          <p:style>
+            <a:lnRef idx="2">
+              <a:schemeClr val="accent1">
+                <a:shade val="50000"/>
+              </a:schemeClr>
+            </a:lnRef>
+            <a:fillRef idx="1">
+              <a:schemeClr val="accent1"/>
+            </a:fillRef>
+            <a:effectRef idx="0">
+              <a:schemeClr val="accent1"/>
+            </a:effectRef>
+            <a:fontRef idx="minor">
+              <a:schemeClr val="lt1"/>
+            </a:fontRef>
+          </p:style>
+          <p:txBody>
+            <a:bodyPr rtlCol="0" anchor="ctr"/>
+            <a:lstStyle/>
+            <a:p>
+              <a:pPr algn="ctr"/>
+              <a:endParaRPr lang="ko-KR" altLang="en-US"/>
+            </a:p>
+          </p:txBody>
+        </p:sp>
+      </p:grpSp>
+      <p:sp>
+        <p:nvSpPr>
+          <p:cNvPr id="29" name="TextBox 28">
+            <a:extLst>
+              <a:ext uri="{FF2B5EF4-FFF2-40B4-BE49-F238E27FC236}">
+                <a16:creationId xmlns:a16="http://schemas.microsoft.com/office/drawing/2014/main" id="{AB26A4FD-AE7F-46C9-A4A5-935030902B47}"/>
+              </a:ext>
+            </a:extLst>
+          </p:cNvPr>
+          <p:cNvSpPr txBox="1"/>
+          <p:nvPr/>
+        </p:nvSpPr>
+        <p:spPr>
+          <a:xfrm>
+            <a:off x="8404461" y="4783400"/>
+            <a:ext cx="543739" cy="523220"/>
+          </a:xfrm>
+          <a:prstGeom prst="rect">
+            <a:avLst/>
+          </a:prstGeom>
+          <a:noFill/>
+        </p:spPr>
+        <p:txBody>
+          <a:bodyPr wrap="none" rtlCol="0">
+            <a:spAutoFit/>
+          </a:bodyPr>
+          <a:lstStyle/>
+          <a:p>
+            <a:r>
+              <a:rPr lang="en-US" altLang="ko-KR" sz="2800" dirty="0" smtClean="0"/>
+              <a:t>x2</a:t>
+            </a:r>
+            <a:endParaRPr lang="ko-KR" altLang="en-US" sz="2800" dirty="0"/>
+          </a:p>
+        </p:txBody>
+      </p:sp>
     </p:spTree>
     <p:extLst>
       <p:ext uri="{BB962C8B-B14F-4D97-AF65-F5344CB8AC3E}">
@@ -6083,10 +7913,814 @@
   <p:clrMapOvr>
     <a:masterClrMapping/>
   </p:clrMapOvr>
+  <p:timing>
+    <p:tnLst>
+      <p:par>
+        <p:cTn id="1" dur="indefinite" restart="never" nodeType="tmRoot"/>
+      </p:par>
+    </p:tnLst>
+  </p:timing>
 </p:sld>
 </file>
 
 <file path=ppt/slides/slide4.xml><?xml version="1.0" encoding="utf-8"?>
+<p:sld xmlns:a="http://schemas.openxmlformats.org/drawingml/2006/main" xmlns:r="http://schemas.openxmlformats.org/officeDocument/2006/relationships" xmlns:p="http://schemas.openxmlformats.org/presentationml/2006/main">
+  <p:cSld>
+    <p:spTree>
+      <p:nvGrpSpPr>
+        <p:cNvPr id="1" name=""/>
+        <p:cNvGrpSpPr/>
+        <p:nvPr/>
+      </p:nvGrpSpPr>
+      <p:grpSpPr>
+        <a:xfrm>
+          <a:off x="0" y="0"/>
+          <a:ext cx="0" cy="0"/>
+          <a:chOff x="0" y="0"/>
+          <a:chExt cx="0" cy="0"/>
+        </a:xfrm>
+      </p:grpSpPr>
+      <p:sp>
+        <p:nvSpPr>
+          <p:cNvPr id="2" name="제목 1"/>
+          <p:cNvSpPr>
+            <a:spLocks noGrp="1"/>
+          </p:cNvSpPr>
+          <p:nvPr>
+            <p:ph type="title"/>
+          </p:nvPr>
+        </p:nvSpPr>
+        <p:spPr/>
+        <p:txBody>
+          <a:bodyPr/>
+          <a:lstStyle/>
+          <a:p>
+            <a:r>
+              <a:rPr lang="ko-KR" altLang="en-US" dirty="0" smtClean="0"/>
+              <a:t>소프트웨어 정보</a:t>
+            </a:r>
+            <a:endParaRPr lang="ko-KR" altLang="en-US" dirty="0"/>
+          </a:p>
+        </p:txBody>
+      </p:sp>
+      <p:grpSp>
+        <p:nvGrpSpPr>
+          <p:cNvPr id="4" name="그룹 3"/>
+          <p:cNvGrpSpPr/>
+          <p:nvPr/>
+        </p:nvGrpSpPr>
+        <p:grpSpPr>
+          <a:xfrm>
+            <a:off x="1357152" y="1929551"/>
+            <a:ext cx="1510518" cy="1695184"/>
+            <a:chOff x="4225045" y="3141380"/>
+            <a:chExt cx="1510518" cy="1695184"/>
+          </a:xfrm>
+        </p:grpSpPr>
+        <p:pic>
+          <p:nvPicPr>
+            <p:cNvPr id="5" name="Picture 6" descr="아두이노 아이콘에 대한 이미지 검색결과">
+              <a:extLst>
+                <a:ext uri="{FF2B5EF4-FFF2-40B4-BE49-F238E27FC236}">
+                  <a16:creationId xmlns:a16="http://schemas.microsoft.com/office/drawing/2014/main" id="{09C4C3D0-8145-4991-B908-C13EF4E88D2A}"/>
+                </a:ext>
+              </a:extLst>
+            </p:cNvPr>
+            <p:cNvPicPr>
+              <a:picLocks noChangeAspect="1" noChangeArrowheads="1"/>
+            </p:cNvPicPr>
+            <p:nvPr/>
+          </p:nvPicPr>
+          <p:blipFill>
+            <a:blip r:embed="rId2">
+              <a:extLst>
+                <a:ext uri="{28A0092B-C50C-407E-A947-70E740481C1C}">
+                  <a14:useLocalDpi xmlns:a14="http://schemas.microsoft.com/office/drawing/2010/main" val="0"/>
+                </a:ext>
+              </a:extLst>
+            </a:blip>
+            <a:srcRect/>
+            <a:stretch>
+              <a:fillRect/>
+            </a:stretch>
+          </p:blipFill>
+          <p:spPr bwMode="auto">
+            <a:xfrm>
+              <a:off x="4225045" y="3141380"/>
+              <a:ext cx="1510518" cy="1510518"/>
+            </a:xfrm>
+            <a:prstGeom prst="rect">
+              <a:avLst/>
+            </a:prstGeom>
+            <a:noFill/>
+            <a:extLst>
+              <a:ext uri="{909E8E84-426E-40DD-AFC4-6F175D3DCCD1}">
+                <a14:hiddenFill xmlns:a14="http://schemas.microsoft.com/office/drawing/2010/main">
+                  <a:solidFill>
+                    <a:srgbClr val="FFFFFF"/>
+                  </a:solidFill>
+                </a14:hiddenFill>
+              </a:ext>
+            </a:extLst>
+          </p:spPr>
+        </p:pic>
+        <p:sp>
+          <p:nvSpPr>
+            <p:cNvPr id="6" name="TextBox 5">
+              <a:extLst>
+                <a:ext uri="{FF2B5EF4-FFF2-40B4-BE49-F238E27FC236}">
+                  <a16:creationId xmlns:a16="http://schemas.microsoft.com/office/drawing/2014/main" id="{AB26A4FD-AE7F-46C9-A4A5-935030902B47}"/>
+                </a:ext>
+              </a:extLst>
+            </p:cNvPr>
+            <p:cNvSpPr txBox="1"/>
+            <p:nvPr/>
+          </p:nvSpPr>
+          <p:spPr>
+            <a:xfrm>
+              <a:off x="4426306" y="4467232"/>
+              <a:ext cx="1107996" cy="369332"/>
+            </a:xfrm>
+            <a:prstGeom prst="rect">
+              <a:avLst/>
+            </a:prstGeom>
+            <a:noFill/>
+          </p:spPr>
+          <p:txBody>
+            <a:bodyPr wrap="none" rtlCol="0">
+              <a:spAutoFit/>
+            </a:bodyPr>
+            <a:lstStyle/>
+            <a:p>
+              <a:r>
+                <a:rPr lang="ko-KR" altLang="en-US" dirty="0" err="1" smtClean="0"/>
+                <a:t>아두이노</a:t>
+              </a:r>
+              <a:endParaRPr lang="ko-KR" altLang="en-US" dirty="0"/>
+            </a:p>
+          </p:txBody>
+        </p:sp>
+      </p:grpSp>
+      <p:grpSp>
+        <p:nvGrpSpPr>
+          <p:cNvPr id="7" name="그룹 6"/>
+          <p:cNvGrpSpPr/>
+          <p:nvPr/>
+        </p:nvGrpSpPr>
+        <p:grpSpPr>
+          <a:xfrm>
+            <a:off x="1318889" y="3624735"/>
+            <a:ext cx="1587043" cy="2039126"/>
+            <a:chOff x="10141472" y="3088384"/>
+            <a:chExt cx="1587043" cy="2039126"/>
+          </a:xfrm>
+        </p:grpSpPr>
+        <p:pic>
+          <p:nvPicPr>
+            <p:cNvPr id="8" name="Picture 4" descr="http://download.seaicons.com/icons/iconsmind/outline/512/Computer-2-icon.png">
+              <a:extLst>
+                <a:ext uri="{FF2B5EF4-FFF2-40B4-BE49-F238E27FC236}">
+                  <a16:creationId xmlns:a16="http://schemas.microsoft.com/office/drawing/2014/main" id="{5ABD211A-54C6-4F10-A97C-B7A2CE5CC09C}"/>
+                </a:ext>
+              </a:extLst>
+            </p:cNvPr>
+            <p:cNvPicPr>
+              <a:picLocks noChangeAspect="1" noChangeArrowheads="1"/>
+            </p:cNvPicPr>
+            <p:nvPr/>
+          </p:nvPicPr>
+          <p:blipFill>
+            <a:blip r:embed="rId3">
+              <a:extLst>
+                <a:ext uri="{28A0092B-C50C-407E-A947-70E740481C1C}">
+                  <a14:useLocalDpi xmlns:a14="http://schemas.microsoft.com/office/drawing/2010/main" val="0"/>
+                </a:ext>
+              </a:extLst>
+            </a:blip>
+            <a:srcRect/>
+            <a:stretch>
+              <a:fillRect/>
+            </a:stretch>
+          </p:blipFill>
+          <p:spPr bwMode="auto">
+            <a:xfrm>
+              <a:off x="10141472" y="3088384"/>
+              <a:ext cx="1587043" cy="1587043"/>
+            </a:xfrm>
+            <a:prstGeom prst="rect">
+              <a:avLst/>
+            </a:prstGeom>
+            <a:noFill/>
+            <a:extLst>
+              <a:ext uri="{909E8E84-426E-40DD-AFC4-6F175D3DCCD1}">
+                <a14:hiddenFill xmlns:a14="http://schemas.microsoft.com/office/drawing/2010/main">
+                  <a:solidFill>
+                    <a:srgbClr val="FFFFFF"/>
+                  </a:solidFill>
+                </a14:hiddenFill>
+              </a:ext>
+            </a:extLst>
+          </p:spPr>
+        </p:pic>
+        <p:sp>
+          <p:nvSpPr>
+            <p:cNvPr id="9" name="TextBox 8">
+              <a:extLst>
+                <a:ext uri="{FF2B5EF4-FFF2-40B4-BE49-F238E27FC236}">
+                  <a16:creationId xmlns:a16="http://schemas.microsoft.com/office/drawing/2014/main" id="{D241B9B9-D0CC-48F3-98D0-E20837BA3886}"/>
+                </a:ext>
+              </a:extLst>
+            </p:cNvPr>
+            <p:cNvSpPr txBox="1"/>
+            <p:nvPr/>
+          </p:nvSpPr>
+          <p:spPr>
+            <a:xfrm>
+              <a:off x="10153689" y="4758178"/>
+              <a:ext cx="1562607" cy="369332"/>
+            </a:xfrm>
+            <a:prstGeom prst="rect">
+              <a:avLst/>
+            </a:prstGeom>
+            <a:noFill/>
+          </p:spPr>
+          <p:txBody>
+            <a:bodyPr wrap="none" rtlCol="0">
+              <a:spAutoFit/>
+            </a:bodyPr>
+            <a:lstStyle/>
+            <a:p>
+              <a:r>
+                <a:rPr lang="en-US" altLang="ko-KR" dirty="0" smtClean="0"/>
+                <a:t>PC Application</a:t>
+              </a:r>
+              <a:endParaRPr lang="ko-KR" altLang="en-US" dirty="0"/>
+            </a:p>
+          </p:txBody>
+        </p:sp>
+      </p:grpSp>
+      <p:sp>
+        <p:nvSpPr>
+          <p:cNvPr id="10" name="내용 개체 틀 2">
+            <a:extLst>
+              <a:ext uri="{FF2B5EF4-FFF2-40B4-BE49-F238E27FC236}">
+                <a16:creationId xmlns:a16="http://schemas.microsoft.com/office/drawing/2014/main" id="{5647755A-61AE-495E-AE6D-C8FE4D974240}"/>
+              </a:ext>
+            </a:extLst>
+          </p:cNvPr>
+          <p:cNvSpPr txBox="1">
+            <a:spLocks/>
+          </p:cNvSpPr>
+          <p:nvPr/>
+        </p:nvSpPr>
+        <p:spPr>
+          <a:xfrm>
+            <a:off x="3107194" y="2028583"/>
+            <a:ext cx="6502319" cy="1596152"/>
+          </a:xfrm>
+          <a:prstGeom prst="rect">
+            <a:avLst/>
+          </a:prstGeom>
+        </p:spPr>
+        <p:txBody>
+          <a:bodyPr vert="horz" lIns="91440" tIns="45720" rIns="91440" bIns="45720" rtlCol="0" anchor="t">
+            <a:normAutofit/>
+          </a:bodyPr>
+          <a:lstStyle>
+            <a:lvl1pPr marL="228600" indent="-228600" algn="l" defTabSz="914400" rtl="0" eaLnBrk="1" latinLnBrk="1" hangingPunct="1">
+              <a:lnSpc>
+                <a:spcPct val="120000"/>
+              </a:lnSpc>
+              <a:spcBef>
+                <a:spcPts val="1000"/>
+              </a:spcBef>
+              <a:buClr>
+                <a:schemeClr val="accent1"/>
+              </a:buClr>
+              <a:buSzPct val="100000"/>
+              <a:buFont typeface="Arial" panose="020B0604020202020204" pitchFamily="34" charset="0"/>
+              <a:buChar char="•"/>
+              <a:defRPr sz="2000" kern="1200">
+                <a:solidFill>
+                  <a:schemeClr val="tx1"/>
+                </a:solidFill>
+                <a:effectLst/>
+                <a:latin typeface="+mn-lt"/>
+                <a:ea typeface="+mn-ea"/>
+                <a:cs typeface="+mn-cs"/>
+              </a:defRPr>
+            </a:lvl1pPr>
+            <a:lvl2pPr marL="685800" indent="-228600" algn="l" defTabSz="914400" rtl="0" eaLnBrk="1" latinLnBrk="1" hangingPunct="1">
+              <a:lnSpc>
+                <a:spcPct val="120000"/>
+              </a:lnSpc>
+              <a:spcBef>
+                <a:spcPts val="500"/>
+              </a:spcBef>
+              <a:buClr>
+                <a:schemeClr val="accent1"/>
+              </a:buClr>
+              <a:buSzPct val="100000"/>
+              <a:buFont typeface="Arial" panose="020B0604020202020204" pitchFamily="34" charset="0"/>
+              <a:buChar char="•"/>
+              <a:defRPr sz="1800" kern="1200" cap="none" baseline="0">
+                <a:solidFill>
+                  <a:schemeClr val="tx1"/>
+                </a:solidFill>
+                <a:effectLst/>
+                <a:latin typeface="+mn-lt"/>
+                <a:ea typeface="+mn-ea"/>
+                <a:cs typeface="+mn-cs"/>
+              </a:defRPr>
+            </a:lvl2pPr>
+            <a:lvl3pPr marL="1143000" indent="-228600" algn="l" defTabSz="914400" rtl="0" eaLnBrk="1" latinLnBrk="1" hangingPunct="1">
+              <a:lnSpc>
+                <a:spcPct val="120000"/>
+              </a:lnSpc>
+              <a:spcBef>
+                <a:spcPts val="500"/>
+              </a:spcBef>
+              <a:buClr>
+                <a:schemeClr val="accent1"/>
+              </a:buClr>
+              <a:buSzPct val="100000"/>
+              <a:buFont typeface="Arial" panose="020B0604020202020204" pitchFamily="34" charset="0"/>
+              <a:buChar char="•"/>
+              <a:defRPr sz="1600" kern="1200">
+                <a:solidFill>
+                  <a:schemeClr val="tx1"/>
+                </a:solidFill>
+                <a:effectLst/>
+                <a:latin typeface="+mn-lt"/>
+                <a:ea typeface="+mn-ea"/>
+                <a:cs typeface="+mn-cs"/>
+              </a:defRPr>
+            </a:lvl3pPr>
+            <a:lvl4pPr marL="1600200" indent="-228600" algn="l" defTabSz="914400" rtl="0" eaLnBrk="1" latinLnBrk="1" hangingPunct="1">
+              <a:lnSpc>
+                <a:spcPct val="120000"/>
+              </a:lnSpc>
+              <a:spcBef>
+                <a:spcPts val="500"/>
+              </a:spcBef>
+              <a:buClr>
+                <a:schemeClr val="accent1"/>
+              </a:buClr>
+              <a:buSzPct val="100000"/>
+              <a:buFont typeface="Arial" panose="020B0604020202020204" pitchFamily="34" charset="0"/>
+              <a:buChar char="•"/>
+              <a:defRPr sz="1400" kern="1200" cap="none" baseline="0">
+                <a:solidFill>
+                  <a:schemeClr val="tx1"/>
+                </a:solidFill>
+                <a:effectLst/>
+                <a:latin typeface="+mn-lt"/>
+                <a:ea typeface="+mn-ea"/>
+                <a:cs typeface="+mn-cs"/>
+              </a:defRPr>
+            </a:lvl4pPr>
+            <a:lvl5pPr marL="2057400" indent="-228600" algn="l" defTabSz="914400" rtl="0" eaLnBrk="1" latinLnBrk="1" hangingPunct="1">
+              <a:lnSpc>
+                <a:spcPct val="120000"/>
+              </a:lnSpc>
+              <a:spcBef>
+                <a:spcPts val="500"/>
+              </a:spcBef>
+              <a:buClr>
+                <a:schemeClr val="accent1"/>
+              </a:buClr>
+              <a:buSzPct val="100000"/>
+              <a:buFont typeface="Arial" panose="020B0604020202020204" pitchFamily="34" charset="0"/>
+              <a:buChar char="•"/>
+              <a:defRPr sz="1200" kern="1200">
+                <a:solidFill>
+                  <a:schemeClr val="tx1"/>
+                </a:solidFill>
+                <a:effectLst/>
+                <a:latin typeface="+mn-lt"/>
+                <a:ea typeface="+mn-ea"/>
+                <a:cs typeface="+mn-cs"/>
+              </a:defRPr>
+            </a:lvl5pPr>
+            <a:lvl6pPr marL="2514600" indent="-228600" algn="l" defTabSz="914400" rtl="0" eaLnBrk="1" latinLnBrk="1" hangingPunct="1">
+              <a:lnSpc>
+                <a:spcPct val="120000"/>
+              </a:lnSpc>
+              <a:spcBef>
+                <a:spcPts val="500"/>
+              </a:spcBef>
+              <a:buClr>
+                <a:schemeClr val="accent1"/>
+              </a:buClr>
+              <a:buSzPct val="100000"/>
+              <a:buFont typeface="Arial" panose="020B0604020202020204" pitchFamily="34" charset="0"/>
+              <a:buChar char="•"/>
+              <a:defRPr sz="1200" kern="1200">
+                <a:solidFill>
+                  <a:schemeClr val="tx1"/>
+                </a:solidFill>
+                <a:effectLst/>
+                <a:latin typeface="+mn-lt"/>
+                <a:ea typeface="+mn-ea"/>
+                <a:cs typeface="+mn-cs"/>
+              </a:defRPr>
+            </a:lvl6pPr>
+            <a:lvl7pPr marL="2971800" indent="-228600" algn="l" defTabSz="914400" rtl="0" eaLnBrk="1" latinLnBrk="1" hangingPunct="1">
+              <a:lnSpc>
+                <a:spcPct val="120000"/>
+              </a:lnSpc>
+              <a:spcBef>
+                <a:spcPts val="500"/>
+              </a:spcBef>
+              <a:buClr>
+                <a:schemeClr val="accent1"/>
+              </a:buClr>
+              <a:buSzPct val="100000"/>
+              <a:buFont typeface="Arial" panose="020B0604020202020204" pitchFamily="34" charset="0"/>
+              <a:buChar char="•"/>
+              <a:defRPr sz="1200" kern="1200">
+                <a:solidFill>
+                  <a:schemeClr val="tx1"/>
+                </a:solidFill>
+                <a:effectLst/>
+                <a:latin typeface="+mn-lt"/>
+                <a:ea typeface="+mn-ea"/>
+                <a:cs typeface="+mn-cs"/>
+              </a:defRPr>
+            </a:lvl7pPr>
+            <a:lvl8pPr marL="3429000" indent="-228600" algn="l" defTabSz="914400" rtl="0" eaLnBrk="1" latinLnBrk="1" hangingPunct="1">
+              <a:lnSpc>
+                <a:spcPct val="120000"/>
+              </a:lnSpc>
+              <a:spcBef>
+                <a:spcPts val="500"/>
+              </a:spcBef>
+              <a:buClr>
+                <a:schemeClr val="accent1"/>
+              </a:buClr>
+              <a:buSzPct val="100000"/>
+              <a:buFont typeface="Arial" panose="020B0604020202020204" pitchFamily="34" charset="0"/>
+              <a:buChar char="•"/>
+              <a:defRPr sz="1200" kern="1200" baseline="0">
+                <a:solidFill>
+                  <a:schemeClr val="tx1"/>
+                </a:solidFill>
+                <a:effectLst/>
+                <a:latin typeface="+mn-lt"/>
+                <a:ea typeface="+mn-ea"/>
+                <a:cs typeface="+mn-cs"/>
+              </a:defRPr>
+            </a:lvl8pPr>
+            <a:lvl9pPr marL="3886200" indent="-228600" algn="l" defTabSz="914400" rtl="0" eaLnBrk="1" latinLnBrk="1" hangingPunct="1">
+              <a:lnSpc>
+                <a:spcPct val="120000"/>
+              </a:lnSpc>
+              <a:spcBef>
+                <a:spcPts val="500"/>
+              </a:spcBef>
+              <a:buClr>
+                <a:schemeClr val="accent1"/>
+              </a:buClr>
+              <a:buSzPct val="100000"/>
+              <a:buFont typeface="Arial" panose="020B0604020202020204" pitchFamily="34" charset="0"/>
+              <a:buChar char="•"/>
+              <a:defRPr sz="1200" kern="1200" baseline="0">
+                <a:solidFill>
+                  <a:schemeClr val="tx1"/>
+                </a:solidFill>
+                <a:effectLst/>
+                <a:latin typeface="+mn-lt"/>
+                <a:ea typeface="+mn-ea"/>
+                <a:cs typeface="+mn-cs"/>
+              </a:defRPr>
+            </a:lvl9pPr>
+          </a:lstStyle>
+          <a:p>
+            <a:r>
+              <a:rPr lang="ko-KR" altLang="en-US" dirty="0" smtClean="0"/>
+              <a:t>언어 </a:t>
+            </a:r>
+            <a:r>
+              <a:rPr lang="en-US" altLang="ko-KR" dirty="0" smtClean="0"/>
+              <a:t>: C/C++</a:t>
+            </a:r>
+          </a:p>
+          <a:p>
+            <a:r>
+              <a:rPr lang="en-US" altLang="ko-KR" dirty="0" smtClean="0"/>
+              <a:t>I2C, Serial, Bluetooth </a:t>
+            </a:r>
+            <a:r>
+              <a:rPr lang="ko-KR" altLang="en-US" dirty="0" smtClean="0"/>
+              <a:t>통신 라이브러리 </a:t>
+            </a:r>
+            <a:endParaRPr lang="en-US" altLang="ko-KR" dirty="0"/>
+          </a:p>
+          <a:p>
+            <a:endParaRPr lang="en-US" altLang="ko-KR" dirty="0"/>
+          </a:p>
+          <a:p>
+            <a:endParaRPr lang="en-US" altLang="ko-KR" dirty="0"/>
+          </a:p>
+        </p:txBody>
+      </p:sp>
+      <p:sp>
+        <p:nvSpPr>
+          <p:cNvPr id="11" name="내용 개체 틀 2">
+            <a:extLst>
+              <a:ext uri="{FF2B5EF4-FFF2-40B4-BE49-F238E27FC236}">
+                <a16:creationId xmlns:a16="http://schemas.microsoft.com/office/drawing/2014/main" id="{5647755A-61AE-495E-AE6D-C8FE4D974240}"/>
+              </a:ext>
+            </a:extLst>
+          </p:cNvPr>
+          <p:cNvSpPr txBox="1">
+            <a:spLocks/>
+          </p:cNvSpPr>
+          <p:nvPr/>
+        </p:nvSpPr>
+        <p:spPr>
+          <a:xfrm>
+            <a:off x="3107193" y="3799564"/>
+            <a:ext cx="6502319" cy="1596152"/>
+          </a:xfrm>
+          <a:prstGeom prst="rect">
+            <a:avLst/>
+          </a:prstGeom>
+        </p:spPr>
+        <p:txBody>
+          <a:bodyPr vert="horz" lIns="91440" tIns="45720" rIns="91440" bIns="45720" rtlCol="0" anchor="t">
+            <a:normAutofit/>
+          </a:bodyPr>
+          <a:lstStyle>
+            <a:lvl1pPr marL="228600" indent="-228600" algn="l" defTabSz="914400" rtl="0" eaLnBrk="1" latinLnBrk="1" hangingPunct="1">
+              <a:lnSpc>
+                <a:spcPct val="120000"/>
+              </a:lnSpc>
+              <a:spcBef>
+                <a:spcPts val="1000"/>
+              </a:spcBef>
+              <a:buClr>
+                <a:schemeClr val="accent1"/>
+              </a:buClr>
+              <a:buSzPct val="100000"/>
+              <a:buFont typeface="Arial" panose="020B0604020202020204" pitchFamily="34" charset="0"/>
+              <a:buChar char="•"/>
+              <a:defRPr sz="2000" kern="1200">
+                <a:solidFill>
+                  <a:schemeClr val="tx1"/>
+                </a:solidFill>
+                <a:effectLst/>
+                <a:latin typeface="+mn-lt"/>
+                <a:ea typeface="+mn-ea"/>
+                <a:cs typeface="+mn-cs"/>
+              </a:defRPr>
+            </a:lvl1pPr>
+            <a:lvl2pPr marL="685800" indent="-228600" algn="l" defTabSz="914400" rtl="0" eaLnBrk="1" latinLnBrk="1" hangingPunct="1">
+              <a:lnSpc>
+                <a:spcPct val="120000"/>
+              </a:lnSpc>
+              <a:spcBef>
+                <a:spcPts val="500"/>
+              </a:spcBef>
+              <a:buClr>
+                <a:schemeClr val="accent1"/>
+              </a:buClr>
+              <a:buSzPct val="100000"/>
+              <a:buFont typeface="Arial" panose="020B0604020202020204" pitchFamily="34" charset="0"/>
+              <a:buChar char="•"/>
+              <a:defRPr sz="1800" kern="1200" cap="none" baseline="0">
+                <a:solidFill>
+                  <a:schemeClr val="tx1"/>
+                </a:solidFill>
+                <a:effectLst/>
+                <a:latin typeface="+mn-lt"/>
+                <a:ea typeface="+mn-ea"/>
+                <a:cs typeface="+mn-cs"/>
+              </a:defRPr>
+            </a:lvl2pPr>
+            <a:lvl3pPr marL="1143000" indent="-228600" algn="l" defTabSz="914400" rtl="0" eaLnBrk="1" latinLnBrk="1" hangingPunct="1">
+              <a:lnSpc>
+                <a:spcPct val="120000"/>
+              </a:lnSpc>
+              <a:spcBef>
+                <a:spcPts val="500"/>
+              </a:spcBef>
+              <a:buClr>
+                <a:schemeClr val="accent1"/>
+              </a:buClr>
+              <a:buSzPct val="100000"/>
+              <a:buFont typeface="Arial" panose="020B0604020202020204" pitchFamily="34" charset="0"/>
+              <a:buChar char="•"/>
+              <a:defRPr sz="1600" kern="1200">
+                <a:solidFill>
+                  <a:schemeClr val="tx1"/>
+                </a:solidFill>
+                <a:effectLst/>
+                <a:latin typeface="+mn-lt"/>
+                <a:ea typeface="+mn-ea"/>
+                <a:cs typeface="+mn-cs"/>
+              </a:defRPr>
+            </a:lvl3pPr>
+            <a:lvl4pPr marL="1600200" indent="-228600" algn="l" defTabSz="914400" rtl="0" eaLnBrk="1" latinLnBrk="1" hangingPunct="1">
+              <a:lnSpc>
+                <a:spcPct val="120000"/>
+              </a:lnSpc>
+              <a:spcBef>
+                <a:spcPts val="500"/>
+              </a:spcBef>
+              <a:buClr>
+                <a:schemeClr val="accent1"/>
+              </a:buClr>
+              <a:buSzPct val="100000"/>
+              <a:buFont typeface="Arial" panose="020B0604020202020204" pitchFamily="34" charset="0"/>
+              <a:buChar char="•"/>
+              <a:defRPr sz="1400" kern="1200" cap="none" baseline="0">
+                <a:solidFill>
+                  <a:schemeClr val="tx1"/>
+                </a:solidFill>
+                <a:effectLst/>
+                <a:latin typeface="+mn-lt"/>
+                <a:ea typeface="+mn-ea"/>
+                <a:cs typeface="+mn-cs"/>
+              </a:defRPr>
+            </a:lvl4pPr>
+            <a:lvl5pPr marL="2057400" indent="-228600" algn="l" defTabSz="914400" rtl="0" eaLnBrk="1" latinLnBrk="1" hangingPunct="1">
+              <a:lnSpc>
+                <a:spcPct val="120000"/>
+              </a:lnSpc>
+              <a:spcBef>
+                <a:spcPts val="500"/>
+              </a:spcBef>
+              <a:buClr>
+                <a:schemeClr val="accent1"/>
+              </a:buClr>
+              <a:buSzPct val="100000"/>
+              <a:buFont typeface="Arial" panose="020B0604020202020204" pitchFamily="34" charset="0"/>
+              <a:buChar char="•"/>
+              <a:defRPr sz="1200" kern="1200">
+                <a:solidFill>
+                  <a:schemeClr val="tx1"/>
+                </a:solidFill>
+                <a:effectLst/>
+                <a:latin typeface="+mn-lt"/>
+                <a:ea typeface="+mn-ea"/>
+                <a:cs typeface="+mn-cs"/>
+              </a:defRPr>
+            </a:lvl5pPr>
+            <a:lvl6pPr marL="2514600" indent="-228600" algn="l" defTabSz="914400" rtl="0" eaLnBrk="1" latinLnBrk="1" hangingPunct="1">
+              <a:lnSpc>
+                <a:spcPct val="120000"/>
+              </a:lnSpc>
+              <a:spcBef>
+                <a:spcPts val="500"/>
+              </a:spcBef>
+              <a:buClr>
+                <a:schemeClr val="accent1"/>
+              </a:buClr>
+              <a:buSzPct val="100000"/>
+              <a:buFont typeface="Arial" panose="020B0604020202020204" pitchFamily="34" charset="0"/>
+              <a:buChar char="•"/>
+              <a:defRPr sz="1200" kern="1200">
+                <a:solidFill>
+                  <a:schemeClr val="tx1"/>
+                </a:solidFill>
+                <a:effectLst/>
+                <a:latin typeface="+mn-lt"/>
+                <a:ea typeface="+mn-ea"/>
+                <a:cs typeface="+mn-cs"/>
+              </a:defRPr>
+            </a:lvl6pPr>
+            <a:lvl7pPr marL="2971800" indent="-228600" algn="l" defTabSz="914400" rtl="0" eaLnBrk="1" latinLnBrk="1" hangingPunct="1">
+              <a:lnSpc>
+                <a:spcPct val="120000"/>
+              </a:lnSpc>
+              <a:spcBef>
+                <a:spcPts val="500"/>
+              </a:spcBef>
+              <a:buClr>
+                <a:schemeClr val="accent1"/>
+              </a:buClr>
+              <a:buSzPct val="100000"/>
+              <a:buFont typeface="Arial" panose="020B0604020202020204" pitchFamily="34" charset="0"/>
+              <a:buChar char="•"/>
+              <a:defRPr sz="1200" kern="1200">
+                <a:solidFill>
+                  <a:schemeClr val="tx1"/>
+                </a:solidFill>
+                <a:effectLst/>
+                <a:latin typeface="+mn-lt"/>
+                <a:ea typeface="+mn-ea"/>
+                <a:cs typeface="+mn-cs"/>
+              </a:defRPr>
+            </a:lvl7pPr>
+            <a:lvl8pPr marL="3429000" indent="-228600" algn="l" defTabSz="914400" rtl="0" eaLnBrk="1" latinLnBrk="1" hangingPunct="1">
+              <a:lnSpc>
+                <a:spcPct val="120000"/>
+              </a:lnSpc>
+              <a:spcBef>
+                <a:spcPts val="500"/>
+              </a:spcBef>
+              <a:buClr>
+                <a:schemeClr val="accent1"/>
+              </a:buClr>
+              <a:buSzPct val="100000"/>
+              <a:buFont typeface="Arial" panose="020B0604020202020204" pitchFamily="34" charset="0"/>
+              <a:buChar char="•"/>
+              <a:defRPr sz="1200" kern="1200" baseline="0">
+                <a:solidFill>
+                  <a:schemeClr val="tx1"/>
+                </a:solidFill>
+                <a:effectLst/>
+                <a:latin typeface="+mn-lt"/>
+                <a:ea typeface="+mn-ea"/>
+                <a:cs typeface="+mn-cs"/>
+              </a:defRPr>
+            </a:lvl8pPr>
+            <a:lvl9pPr marL="3886200" indent="-228600" algn="l" defTabSz="914400" rtl="0" eaLnBrk="1" latinLnBrk="1" hangingPunct="1">
+              <a:lnSpc>
+                <a:spcPct val="120000"/>
+              </a:lnSpc>
+              <a:spcBef>
+                <a:spcPts val="500"/>
+              </a:spcBef>
+              <a:buClr>
+                <a:schemeClr val="accent1"/>
+              </a:buClr>
+              <a:buSzPct val="100000"/>
+              <a:buFont typeface="Arial" panose="020B0604020202020204" pitchFamily="34" charset="0"/>
+              <a:buChar char="•"/>
+              <a:defRPr sz="1200" kern="1200" baseline="0">
+                <a:solidFill>
+                  <a:schemeClr val="tx1"/>
+                </a:solidFill>
+                <a:effectLst/>
+                <a:latin typeface="+mn-lt"/>
+                <a:ea typeface="+mn-ea"/>
+                <a:cs typeface="+mn-cs"/>
+              </a:defRPr>
+            </a:lvl9pPr>
+          </a:lstStyle>
+          <a:p>
+            <a:r>
+              <a:rPr lang="ko-KR" altLang="en-US" dirty="0" smtClean="0"/>
+              <a:t>언어 </a:t>
+            </a:r>
+            <a:r>
+              <a:rPr lang="en-US" altLang="ko-KR" dirty="0" smtClean="0"/>
+              <a:t>: C/C++</a:t>
+            </a:r>
+          </a:p>
+          <a:p>
+            <a:r>
+              <a:rPr lang="en-US" altLang="ko-KR" dirty="0" smtClean="0"/>
+              <a:t>Bluetooth </a:t>
+            </a:r>
+            <a:r>
+              <a:rPr lang="ko-KR" altLang="en-US" dirty="0" smtClean="0"/>
+              <a:t>통신</a:t>
+            </a:r>
+            <a:r>
+              <a:rPr lang="en-US" altLang="ko-KR" dirty="0" smtClean="0"/>
+              <a:t>, Win32, </a:t>
+            </a:r>
+            <a:r>
+              <a:rPr lang="en-US" altLang="ko-KR" dirty="0" smtClean="0"/>
+              <a:t>Windows Touch Input API</a:t>
+            </a:r>
+            <a:endParaRPr lang="en-US" altLang="ko-KR" dirty="0"/>
+          </a:p>
+          <a:p>
+            <a:endParaRPr lang="en-US" altLang="ko-KR" dirty="0"/>
+          </a:p>
+          <a:p>
+            <a:endParaRPr lang="en-US" altLang="ko-KR" dirty="0"/>
+          </a:p>
+          <a:p>
+            <a:endParaRPr lang="en-US" altLang="ko-KR" dirty="0"/>
+          </a:p>
+        </p:txBody>
+      </p:sp>
+    </p:spTree>
+    <p:extLst>
+      <p:ext uri="{BB962C8B-B14F-4D97-AF65-F5344CB8AC3E}">
+        <p14:creationId xmlns:p14="http://schemas.microsoft.com/office/powerpoint/2010/main" val="4256499217"/>
+      </p:ext>
+    </p:extLst>
+  </p:cSld>
+  <p:clrMapOvr>
+    <a:masterClrMapping/>
+  </p:clrMapOvr>
+  <p:timing>
+    <p:tnLst>
+      <p:par>
+        <p:cTn id="1" dur="indefinite" restart="never" nodeType="tmRoot"/>
+      </p:par>
+    </p:tnLst>
+  </p:timing>
+</p:sld>
+</file>
+
+<file path=ppt/slides/slide5.xml><?xml version="1.0" encoding="utf-8"?>
 <p:sld xmlns:a="http://schemas.openxmlformats.org/drawingml/2006/main" xmlns:r="http://schemas.openxmlformats.org/officeDocument/2006/relationships" xmlns:p="http://schemas.openxmlformats.org/presentationml/2006/main">
   <p:cSld>
     <p:spTree>
@@ -6370,7 +9004,11 @@
           <a:p>
             <a:r>
               <a:rPr lang="ko-KR" altLang="en-US" dirty="0"/>
-              <a:t>화면이 너무 큰 경우</a:t>
+              <a:t>계산이 불가능한 잘못된 입력이 </a:t>
+            </a:r>
+            <a:r>
+              <a:rPr lang="ko-KR" altLang="en-US" dirty="0" smtClean="0"/>
+              <a:t>들어오는 경우</a:t>
             </a:r>
             <a:endParaRPr lang="en-US" altLang="ko-KR" dirty="0"/>
           </a:p>
@@ -6380,15 +9018,31 @@
           <a:p>
             <a:r>
               <a:rPr lang="ko-KR" altLang="en-US" dirty="0"/>
-              <a:t>화면이 흔들리거나 두 손 입력</a:t>
-            </a:r>
-            <a:r>
-              <a:rPr lang="en-US" altLang="ko-KR" dirty="0"/>
-              <a:t>,  </a:t>
-            </a:r>
-            <a:r>
-              <a:rPr lang="ko-KR" altLang="en-US" dirty="0"/>
-              <a:t>오 입력하는 경우</a:t>
+              <a:t>싱글 터치</a:t>
+            </a:r>
+            <a:r>
+              <a:rPr lang="en-US" altLang="ko-KR" dirty="0"/>
+              <a:t>, </a:t>
+            </a:r>
+            <a:r>
+              <a:rPr lang="ko-KR" altLang="en-US" dirty="0"/>
+              <a:t>더블 터치</a:t>
+            </a:r>
+            <a:r>
+              <a:rPr lang="en-US" altLang="ko-KR" dirty="0"/>
+              <a:t>, </a:t>
+            </a:r>
+            <a:r>
+              <a:rPr lang="ko-KR" altLang="en-US" dirty="0"/>
+              <a:t>드래그</a:t>
+            </a:r>
+            <a:r>
+              <a:rPr lang="en-US" altLang="ko-KR" dirty="0"/>
+              <a:t>, </a:t>
+            </a:r>
+            <a:r>
+              <a:rPr lang="ko-KR" altLang="en-US" dirty="0"/>
+              <a:t>롱 터치 각각의 경우</a:t>
             </a:r>
             <a:endParaRPr lang="en-US" altLang="ko-KR" dirty="0"/>
           </a:p>
@@ -6397,42 +9051,20 @@
           </a:p>
           <a:p>
             <a:r>
-              <a:rPr lang="ko-KR" altLang="en-US" dirty="0"/>
-              <a:t>싱글 터치</a:t>
-            </a:r>
-            <a:r>
-              <a:rPr lang="en-US" altLang="ko-KR" dirty="0"/>
-              <a:t>, </a:t>
-            </a:r>
-            <a:r>
-              <a:rPr lang="ko-KR" altLang="en-US" dirty="0"/>
-              <a:t>더블 터치</a:t>
-            </a:r>
-            <a:r>
-              <a:rPr lang="en-US" altLang="ko-KR" dirty="0"/>
-              <a:t>, </a:t>
-            </a:r>
-            <a:r>
-              <a:rPr lang="ko-KR" altLang="en-US" dirty="0"/>
-              <a:t>드래그</a:t>
-            </a:r>
-            <a:r>
-              <a:rPr lang="en-US" altLang="ko-KR" dirty="0"/>
-              <a:t>, </a:t>
-            </a:r>
-            <a:r>
-              <a:rPr lang="ko-KR" altLang="en-US" dirty="0"/>
-              <a:t>롱 터치 각각의 경우</a:t>
-            </a:r>
-            <a:endParaRPr lang="en-US" altLang="ko-KR" dirty="0"/>
-          </a:p>
-          <a:p>
-            <a:endParaRPr lang="en-US" altLang="ko-KR" dirty="0"/>
-          </a:p>
-          <a:p>
-            <a:r>
-              <a:rPr lang="ko-KR" altLang="en-US" dirty="0"/>
-              <a:t>연결불량일 경우</a:t>
+              <a:rPr lang="ko-KR" altLang="en-US" dirty="0" smtClean="0"/>
+              <a:t>센서와의 </a:t>
+            </a:r>
+            <a:r>
+              <a:rPr lang="ko-KR" altLang="en-US" dirty="0" err="1" smtClean="0"/>
+              <a:t>연결불량일</a:t>
+            </a:r>
+            <a:r>
+              <a:rPr lang="ko-KR" altLang="en-US" dirty="0" smtClean="0"/>
+              <a:t> </a:t>
+            </a:r>
+            <a:r>
+              <a:rPr lang="ko-KR" altLang="en-US" dirty="0"/>
+              <a:t>경우</a:t>
             </a:r>
             <a:r>
               <a:rPr lang="en-US" altLang="ko-KR" dirty="0"/>
@@ -6480,11 +9112,18 @@
   <p:clrMapOvr>
     <a:masterClrMapping/>
   </p:clrMapOvr>
+  <p:timing>
+    <p:tnLst>
+      <p:par>
+        <p:cTn id="1" dur="indefinite" restart="never" nodeType="tmRoot"/>
+      </p:par>
+    </p:tnLst>
+  </p:timing>
 </p:sld>
 </file>
 
-<file path=ppt/slides/slide5.xml><?xml version="1.0" encoding="utf-8"?>
-<p:sld xmlns:a="http://schemas.openxmlformats.org/drawingml/2006/main" xmlns:r="http://schemas.openxmlformats.org/officeDocument/2006/relationships" xmlns:p="http://schemas.openxmlformats.org/presentationml/2006/main">
+<file path=ppt/slides/slide6.xml><?xml version="1.0" encoding="utf-8"?>
+<p:sld xmlns:a="http://schemas.openxmlformats.org/drawingml/2006/main" xmlns:r="http://schemas.openxmlformats.org/officeDocument/2006/relationships" xmlns:p="http://schemas.openxmlformats.org/presentationml/2006/main" show="0">
   <p:cSld>
     <p:spTree>
       <p:nvGrpSpPr>
@@ -6792,8 +9431,16 @@
               <a:t>2.a.1. </a:t>
             </a:r>
             <a:r>
-              <a:rPr lang="ko-KR" altLang="en-US" dirty="0"/>
-              <a:t>시스템은 트랙패드 기능 소개창을 출력한다</a:t>
+              <a:rPr lang="ko-KR" altLang="en-US" dirty="0" smtClean="0"/>
+              <a:t>어플리케이션</a:t>
+            </a:r>
+            <a:r>
+              <a:rPr lang="ko-KR" altLang="en-US" dirty="0" smtClean="0"/>
+              <a:t>은 </a:t>
+            </a:r>
+            <a:r>
+              <a:rPr lang="ko-KR" altLang="en-US" dirty="0"/>
+              <a:t>트랙패드 기능 소개창을 출력한다</a:t>
             </a:r>
             <a:r>
               <a:rPr lang="en-US" altLang="ko-KR" dirty="0"/>
@@ -6825,18 +9472,38 @@
             <a:pPr fontAlgn="base"/>
             <a:r>
               <a:rPr lang="ko-KR" altLang="en-US" dirty="0"/>
-              <a:t>			</a:t>
-            </a:r>
-            <a:r>
-              <a:rPr lang="en-US" altLang="ko-KR" dirty="0"/>
-              <a:t>2.a.1.a.1. </a:t>
-            </a:r>
-            <a:r>
-              <a:rPr lang="ko-KR" altLang="en-US" dirty="0"/>
-              <a:t>시스템은 트랙패드 영역을 설정창을 출력한다</a:t>
-            </a:r>
-            <a:r>
-              <a:rPr lang="en-US" altLang="ko-KR" dirty="0"/>
+              <a:t>		</a:t>
+            </a:r>
+            <a:r>
+              <a:rPr lang="en-US" altLang="ko-KR" dirty="0" smtClean="0"/>
+              <a:t>	2.a.1.a.1</a:t>
+            </a:r>
+            <a:r>
+              <a:rPr lang="en-US" altLang="ko-KR" dirty="0"/>
+              <a:t>. </a:t>
+            </a:r>
+            <a:r>
+              <a:rPr lang="ko-KR" altLang="en-US" dirty="0" smtClean="0"/>
+              <a:t>어플리케이션은 </a:t>
+            </a:r>
+            <a:r>
+              <a:rPr lang="ko-KR" altLang="en-US" dirty="0"/>
+              <a:t>트랙패드 </a:t>
+            </a:r>
+            <a:r>
+              <a:rPr lang="ko-KR" altLang="en-US" dirty="0" err="1" smtClean="0"/>
+              <a:t>설정창을</a:t>
+            </a:r>
+            <a:r>
+              <a:rPr lang="ko-KR" altLang="en-US" dirty="0" smtClean="0"/>
+              <a:t> </a:t>
+            </a:r>
+            <a:r>
+              <a:rPr lang="ko-KR" altLang="en-US" dirty="0"/>
+              <a:t>출력한다</a:t>
+            </a:r>
+            <a:r>
+              <a:rPr lang="en-US" altLang="ko-KR" dirty="0" smtClean="0"/>
               <a:t>.</a:t>
             </a:r>
             <a:endParaRPr lang="ko-KR" altLang="en-US" dirty="0"/>
@@ -6872,8 +9539,12 @@
               <a:t>2.a.3. </a:t>
             </a:r>
             <a:r>
-              <a:rPr lang="ko-KR" altLang="en-US" dirty="0"/>
-              <a:t>시스템은 화면크기 설정을 저장한 후 설정창을 끈다</a:t>
+              <a:rPr lang="ko-KR" altLang="en-US" dirty="0" smtClean="0"/>
+              <a:t>어플리케이션은 </a:t>
+            </a:r>
+            <a:r>
+              <a:rPr lang="ko-KR" altLang="en-US" dirty="0"/>
+              <a:t>화면크기 설정을 저장한 후 설정창을 끈다</a:t>
             </a:r>
             <a:r>
               <a:rPr lang="en-US" altLang="ko-KR" dirty="0"/>
@@ -6902,10 +9573,25 @@
   <p:clrMapOvr>
     <a:masterClrMapping/>
   </p:clrMapOvr>
+  <mc:AlternateContent xmlns:mc="http://schemas.openxmlformats.org/markup-compatibility/2006">
+    <mc:Choice xmlns:p14="http://schemas.microsoft.com/office/powerpoint/2010/main" Requires="p14">
+      <p:transition spd="slow" p14:dur="2000"/>
+    </mc:Choice>
+    <mc:Fallback>
+      <p:transition spd="slow"/>
+    </mc:Fallback>
+  </mc:AlternateContent>
+  <p:timing>
+    <p:tnLst>
+      <p:par>
+        <p:cTn id="1" dur="indefinite" restart="never" nodeType="tmRoot"/>
+      </p:par>
+    </p:tnLst>
+  </p:timing>
 </p:sld>
 </file>
 
-<file path=ppt/slides/slide6.xml><?xml version="1.0" encoding="utf-8"?>
+<file path=ppt/slides/slide7.xml><?xml version="1.0" encoding="utf-8"?>
 <p:sld xmlns:a="http://schemas.openxmlformats.org/drawingml/2006/main" xmlns:r="http://schemas.openxmlformats.org/officeDocument/2006/relationships" xmlns:p="http://schemas.openxmlformats.org/presentationml/2006/main">
   <p:cSld>
     <p:spTree>
@@ -6946,16 +9632,12 @@
           <a:lstStyle/>
           <a:p>
             <a:r>
-              <a:rPr lang="ko-KR" altLang="en-US" dirty="0"/>
-              <a:t>화면이 흔들리거나 두 손 입력</a:t>
-            </a:r>
-            <a:r>
-              <a:rPr lang="en-US" altLang="ko-KR" dirty="0"/>
-              <a:t>,  </a:t>
-            </a:r>
-            <a:r>
-              <a:rPr lang="ko-KR" altLang="en-US" dirty="0"/>
-              <a:t>오 입력된 </a:t>
+              <a:rPr lang="ko-KR" altLang="en-US" dirty="0" smtClean="0"/>
+              <a:t>계산이 불가능한 잘못된 입력이 </a:t>
+            </a:r>
+            <a:r>
+              <a:rPr lang="ko-KR" altLang="en-US" dirty="0"/>
+              <a:t>들어온 </a:t>
             </a:r>
             <a:r>
               <a:rPr lang="ko-KR" altLang="en-US" dirty="0" smtClean="0"/>
@@ -6969,25 +9651,28 @@
               <a:rPr lang="en-US" altLang="ko-KR" dirty="0"/>
             </a:br>
             <a:r>
-              <a:rPr lang="en-US" altLang="ko-KR" dirty="0"/>
-              <a:t>-&gt; </a:t>
-            </a:r>
-            <a:r>
-              <a:rPr lang="ko-KR" altLang="en-US" dirty="0"/>
-              <a:t>계산 범위 외의 </a:t>
-            </a:r>
-            <a:r>
-              <a:rPr lang="ko-KR" altLang="en-US" dirty="0" smtClean="0"/>
-              <a:t>잘못된 입력이 </a:t>
-            </a:r>
-            <a:r>
-              <a:rPr lang="ko-KR" altLang="en-US" dirty="0"/>
-              <a:t>들어온 경우</a:t>
-            </a:r>
-            <a:r>
-              <a:rPr lang="en-US" altLang="ko-KR" dirty="0"/>
-              <a:t>:</a:t>
-            </a:r>
+              <a:rPr lang="en-US" altLang="ko-KR" dirty="0" smtClean="0"/>
+              <a:t>-&gt;</a:t>
+            </a:r>
+            <a:r>
+              <a:rPr lang="ko-KR" altLang="en-US" dirty="0"/>
+              <a:t>화면이 흔들리거나 두 손 입력</a:t>
+            </a:r>
+            <a:r>
+              <a:rPr lang="en-US" altLang="ko-KR" dirty="0"/>
+              <a:t>,  </a:t>
+            </a:r>
+            <a:r>
+              <a:rPr lang="ko-KR" altLang="en-US" dirty="0"/>
+              <a:t>오 입력된 경우</a:t>
+            </a:r>
+            <a:r>
+              <a:rPr lang="en-US" altLang="ko-KR" dirty="0"/>
+              <a:t/>
+            </a:r>
+            <a:br>
+              <a:rPr lang="en-US" altLang="ko-KR" dirty="0"/>
+            </a:br>
             <a:r>
               <a:rPr lang="ko-KR" altLang="en-US" dirty="0"/>
               <a:t/>
@@ -7243,7 +9928,11 @@
             </a:r>
             <a:r>
               <a:rPr lang="ko-KR" altLang="en-US" dirty="0" smtClean="0"/>
-              <a:t>계산 범위 외의 잘못된 입력이 들어온 경우</a:t>
+              <a:t>계산이 불가능한 </a:t>
+            </a:r>
+            <a:r>
+              <a:rPr lang="ko-KR" altLang="en-US" dirty="0" smtClean="0"/>
+              <a:t>잘못된 입력이 들어온 경우</a:t>
             </a:r>
             <a:endParaRPr lang="en-US" altLang="ko-KR" dirty="0"/>
           </a:p>
@@ -7258,34 +9947,34 @@
               <a:t>2.a.1. </a:t>
             </a:r>
             <a:r>
-              <a:rPr lang="ko-KR" altLang="en-US" dirty="0"/>
-              <a:t>시스템은 정상적인 입력이 아니라는 알람을 출력한다</a:t>
-            </a:r>
-            <a:r>
-              <a:rPr lang="en-US" altLang="ko-KR" dirty="0"/>
+              <a:rPr lang="ko-KR" altLang="en-US" dirty="0" smtClean="0"/>
+              <a:t>터치 이벤트를 중지시키고 입력을 무시한다</a:t>
+            </a:r>
+            <a:r>
+              <a:rPr lang="en-US" altLang="ko-KR" dirty="0" smtClean="0"/>
               <a:t>.</a:t>
             </a:r>
-            <a:endParaRPr lang="ko-KR" altLang="en-US" dirty="0"/>
+            <a:endParaRPr lang="ko-KR" altLang="en-US" dirty="0" smtClean="0"/>
           </a:p>
           <a:p>
             <a:pPr fontAlgn="base"/>
             <a:r>
-              <a:rPr lang="ko-KR" altLang="en-US" dirty="0"/>
+              <a:rPr lang="ko-KR" altLang="en-US" dirty="0" smtClean="0"/>
               <a:t>		</a:t>
             </a:r>
             <a:r>
-              <a:rPr lang="en-US" altLang="ko-KR" dirty="0"/>
+              <a:rPr lang="en-US" altLang="ko-KR" dirty="0" smtClean="0"/>
               <a:t>2.a.1.a.  </a:t>
             </a:r>
             <a:r>
-              <a:rPr lang="ko-KR" altLang="en-US" dirty="0"/>
+              <a:rPr lang="ko-KR" altLang="en-US" dirty="0" smtClean="0"/>
               <a:t>상황이 지속되는 경우</a:t>
             </a:r>
             <a:r>
-              <a:rPr lang="en-US" altLang="ko-KR" dirty="0"/>
+              <a:rPr lang="en-US" altLang="ko-KR" dirty="0" smtClean="0"/>
               <a:t>:</a:t>
             </a:r>
-            <a:endParaRPr lang="ko-KR" altLang="en-US" dirty="0"/>
+            <a:endParaRPr lang="ko-KR" altLang="en-US" dirty="0" smtClean="0"/>
           </a:p>
           <a:p>
             <a:pPr fontAlgn="base"/>
@@ -7347,39 +10036,35 @@
             </a:r>
             <a:r>
               <a:rPr lang="ko-KR" altLang="en-US" dirty="0" smtClean="0"/>
-              <a:t>시스템은 </a:t>
-            </a:r>
-            <a:r>
-              <a:rPr lang="ko-KR" altLang="en-US" dirty="0" err="1" smtClean="0"/>
-              <a:t>알람을</a:t>
+              <a:t>어플리케이션은 알림을 </a:t>
+            </a:r>
+            <a:r>
+              <a:rPr lang="ko-KR" altLang="en-US" dirty="0"/>
+              <a:t>끈다</a:t>
+            </a:r>
+            <a:r>
+              <a:rPr lang="en-US" altLang="ko-KR" dirty="0"/>
+              <a:t>.</a:t>
+            </a:r>
+            <a:endParaRPr lang="ko-KR" altLang="en-US" dirty="0"/>
+          </a:p>
+          <a:p>
+            <a:pPr fontAlgn="base"/>
+            <a:r>
+              <a:rPr lang="ko-KR" altLang="en-US" dirty="0"/>
+              <a:t>	</a:t>
+            </a:r>
+            <a:r>
+              <a:rPr lang="en-US" altLang="ko-KR" dirty="0"/>
+              <a:t>2.a.3. </a:t>
             </a:r>
             <a:r>
               <a:rPr lang="ko-KR" altLang="en-US" dirty="0" smtClean="0"/>
-              <a:t> </a:t>
-            </a:r>
-            <a:r>
-              <a:rPr lang="ko-KR" altLang="en-US" dirty="0"/>
-              <a:t>끈다</a:t>
-            </a:r>
-            <a:r>
-              <a:rPr lang="en-US" altLang="ko-KR" dirty="0"/>
-              <a:t>.</a:t>
-            </a:r>
-            <a:endParaRPr lang="ko-KR" altLang="en-US" dirty="0"/>
-          </a:p>
-          <a:p>
-            <a:pPr fontAlgn="base"/>
-            <a:r>
-              <a:rPr lang="ko-KR" altLang="en-US" dirty="0"/>
-              <a:t>	</a:t>
-            </a:r>
-            <a:r>
-              <a:rPr lang="en-US" altLang="ko-KR" dirty="0"/>
-              <a:t>2.a.3. </a:t>
-            </a:r>
-            <a:r>
-              <a:rPr lang="ko-KR" altLang="en-US" dirty="0"/>
-              <a:t>시스템은 정상흐름으로 돌아간다</a:t>
+              <a:t>어플리케이션은 </a:t>
+            </a:r>
+            <a:r>
+              <a:rPr lang="ko-KR" altLang="en-US" dirty="0"/>
+              <a:t>정상흐름으로 돌아간다</a:t>
             </a:r>
             <a:r>
               <a:rPr lang="en-US" altLang="ko-KR" dirty="0"/>
@@ -7404,491 +10089,13 @@
   <p:clrMapOvr>
     <a:masterClrMapping/>
   </p:clrMapOvr>
-</p:sld>
-</file>
-
-<file path=ppt/slides/slide7.xml><?xml version="1.0" encoding="utf-8"?>
-<p:sld xmlns:a="http://schemas.openxmlformats.org/drawingml/2006/main" xmlns:r="http://schemas.openxmlformats.org/officeDocument/2006/relationships" xmlns:p="http://schemas.openxmlformats.org/presentationml/2006/main">
-  <p:cSld>
-    <p:spTree>
-      <p:nvGrpSpPr>
-        <p:cNvPr id="1" name=""/>
-        <p:cNvGrpSpPr/>
-        <p:nvPr/>
-      </p:nvGrpSpPr>
-      <p:grpSpPr>
-        <a:xfrm>
-          <a:off x="0" y="0"/>
-          <a:ext cx="0" cy="0"/>
-          <a:chOff x="0" y="0"/>
-          <a:chExt cx="0" cy="0"/>
-        </a:xfrm>
-      </p:grpSpPr>
-      <p:sp>
-        <p:nvSpPr>
-          <p:cNvPr id="2" name="제목 1">
-            <a:extLst>
-              <a:ext uri="{FF2B5EF4-FFF2-40B4-BE49-F238E27FC236}">
-                <a16:creationId xmlns:a16="http://schemas.microsoft.com/office/drawing/2014/main" id="{E7E29B15-BD08-4688-B649-6836E8C6C3AC}"/>
-              </a:ext>
-            </a:extLst>
-          </p:cNvPr>
-          <p:cNvSpPr>
-            <a:spLocks noGrp="1"/>
-          </p:cNvSpPr>
-          <p:nvPr>
-            <p:ph type="title"/>
-          </p:nvPr>
-        </p:nvSpPr>
-        <p:spPr/>
-        <p:txBody>
-          <a:bodyPr/>
-          <a:lstStyle/>
-          <a:p>
-            <a:r>
-              <a:rPr lang="ko-KR" altLang="en-US" dirty="0"/>
-              <a:t>싱글 터치</a:t>
-            </a:r>
-            <a:r>
-              <a:rPr lang="en-US" altLang="ko-KR" dirty="0"/>
-              <a:t>, </a:t>
-            </a:r>
-            <a:r>
-              <a:rPr lang="ko-KR" altLang="en-US" dirty="0"/>
-              <a:t>더블 터치</a:t>
-            </a:r>
-            <a:r>
-              <a:rPr lang="en-US" altLang="ko-KR" dirty="0"/>
-              <a:t>, </a:t>
-            </a:r>
-            <a:r>
-              <a:rPr lang="ko-KR" altLang="en-US" dirty="0"/>
-              <a:t>드래그</a:t>
-            </a:r>
-            <a:r>
-              <a:rPr lang="en-US" altLang="ko-KR" dirty="0"/>
-              <a:t>, </a:t>
-            </a:r>
-            <a:r>
-              <a:rPr lang="ko-KR" altLang="en-US" dirty="0"/>
-              <a:t>롱 터치 각각의 경우</a:t>
-            </a:r>
-            <a:endParaRPr lang="en-US" altLang="ko-KR" dirty="0"/>
-          </a:p>
-        </p:txBody>
-      </p:sp>
-      <p:sp>
-        <p:nvSpPr>
-          <p:cNvPr id="9" name="내용 개체 틀 2">
-            <a:extLst>
-              <a:ext uri="{FF2B5EF4-FFF2-40B4-BE49-F238E27FC236}">
-                <a16:creationId xmlns:a16="http://schemas.microsoft.com/office/drawing/2014/main" id="{5647755A-61AE-495E-AE6D-C8FE4D974240}"/>
-              </a:ext>
-            </a:extLst>
-          </p:cNvPr>
-          <p:cNvSpPr txBox="1">
-            <a:spLocks/>
-          </p:cNvSpPr>
-          <p:nvPr/>
-        </p:nvSpPr>
-        <p:spPr>
-          <a:xfrm>
-            <a:off x="1451578" y="2294064"/>
-            <a:ext cx="9603275" cy="3450613"/>
-          </a:xfrm>
-          <a:prstGeom prst="rect">
-            <a:avLst/>
-          </a:prstGeom>
-        </p:spPr>
-        <p:txBody>
-          <a:bodyPr vert="horz" lIns="91440" tIns="45720" rIns="91440" bIns="45720" rtlCol="0" anchor="t">
-            <a:normAutofit fontScale="92500" lnSpcReduction="20000"/>
-          </a:bodyPr>
-          <a:lstStyle>
-            <a:lvl1pPr marL="228600" indent="-228600" algn="l" defTabSz="914400" rtl="0" eaLnBrk="1" latinLnBrk="1" hangingPunct="1">
-              <a:lnSpc>
-                <a:spcPct val="120000"/>
-              </a:lnSpc>
-              <a:spcBef>
-                <a:spcPts val="1000"/>
-              </a:spcBef>
-              <a:buClr>
-                <a:schemeClr val="accent1"/>
-              </a:buClr>
-              <a:buSzPct val="100000"/>
-              <a:buFont typeface="Arial" panose="020B0604020202020204" pitchFamily="34" charset="0"/>
-              <a:buChar char="•"/>
-              <a:defRPr sz="2000" kern="1200">
-                <a:solidFill>
-                  <a:schemeClr val="tx1"/>
-                </a:solidFill>
-                <a:effectLst/>
-                <a:latin typeface="+mn-lt"/>
-                <a:ea typeface="+mn-ea"/>
-                <a:cs typeface="+mn-cs"/>
-              </a:defRPr>
-            </a:lvl1pPr>
-            <a:lvl2pPr marL="685800" indent="-228600" algn="l" defTabSz="914400" rtl="0" eaLnBrk="1" latinLnBrk="1" hangingPunct="1">
-              <a:lnSpc>
-                <a:spcPct val="120000"/>
-              </a:lnSpc>
-              <a:spcBef>
-                <a:spcPts val="500"/>
-              </a:spcBef>
-              <a:buClr>
-                <a:schemeClr val="accent1"/>
-              </a:buClr>
-              <a:buSzPct val="100000"/>
-              <a:buFont typeface="Arial" panose="020B0604020202020204" pitchFamily="34" charset="0"/>
-              <a:buChar char="•"/>
-              <a:defRPr sz="1800" kern="1200" cap="none" baseline="0">
-                <a:solidFill>
-                  <a:schemeClr val="tx1"/>
-                </a:solidFill>
-                <a:effectLst/>
-                <a:latin typeface="+mn-lt"/>
-                <a:ea typeface="+mn-ea"/>
-                <a:cs typeface="+mn-cs"/>
-              </a:defRPr>
-            </a:lvl2pPr>
-            <a:lvl3pPr marL="1143000" indent="-228600" algn="l" defTabSz="914400" rtl="0" eaLnBrk="1" latinLnBrk="1" hangingPunct="1">
-              <a:lnSpc>
-                <a:spcPct val="120000"/>
-              </a:lnSpc>
-              <a:spcBef>
-                <a:spcPts val="500"/>
-              </a:spcBef>
-              <a:buClr>
-                <a:schemeClr val="accent1"/>
-              </a:buClr>
-              <a:buSzPct val="100000"/>
-              <a:buFont typeface="Arial" panose="020B0604020202020204" pitchFamily="34" charset="0"/>
-              <a:buChar char="•"/>
-              <a:defRPr sz="1600" kern="1200">
-                <a:solidFill>
-                  <a:schemeClr val="tx1"/>
-                </a:solidFill>
-                <a:effectLst/>
-                <a:latin typeface="+mn-lt"/>
-                <a:ea typeface="+mn-ea"/>
-                <a:cs typeface="+mn-cs"/>
-              </a:defRPr>
-            </a:lvl3pPr>
-            <a:lvl4pPr marL="1600200" indent="-228600" algn="l" defTabSz="914400" rtl="0" eaLnBrk="1" latinLnBrk="1" hangingPunct="1">
-              <a:lnSpc>
-                <a:spcPct val="120000"/>
-              </a:lnSpc>
-              <a:spcBef>
-                <a:spcPts val="500"/>
-              </a:spcBef>
-              <a:buClr>
-                <a:schemeClr val="accent1"/>
-              </a:buClr>
-              <a:buSzPct val="100000"/>
-              <a:buFont typeface="Arial" panose="020B0604020202020204" pitchFamily="34" charset="0"/>
-              <a:buChar char="•"/>
-              <a:defRPr sz="1400" kern="1200" cap="none" baseline="0">
-                <a:solidFill>
-                  <a:schemeClr val="tx1"/>
-                </a:solidFill>
-                <a:effectLst/>
-                <a:latin typeface="+mn-lt"/>
-                <a:ea typeface="+mn-ea"/>
-                <a:cs typeface="+mn-cs"/>
-              </a:defRPr>
-            </a:lvl4pPr>
-            <a:lvl5pPr marL="2057400" indent="-228600" algn="l" defTabSz="914400" rtl="0" eaLnBrk="1" latinLnBrk="1" hangingPunct="1">
-              <a:lnSpc>
-                <a:spcPct val="120000"/>
-              </a:lnSpc>
-              <a:spcBef>
-                <a:spcPts val="500"/>
-              </a:spcBef>
-              <a:buClr>
-                <a:schemeClr val="accent1"/>
-              </a:buClr>
-              <a:buSzPct val="100000"/>
-              <a:buFont typeface="Arial" panose="020B0604020202020204" pitchFamily="34" charset="0"/>
-              <a:buChar char="•"/>
-              <a:defRPr sz="1200" kern="1200">
-                <a:solidFill>
-                  <a:schemeClr val="tx1"/>
-                </a:solidFill>
-                <a:effectLst/>
-                <a:latin typeface="+mn-lt"/>
-                <a:ea typeface="+mn-ea"/>
-                <a:cs typeface="+mn-cs"/>
-              </a:defRPr>
-            </a:lvl5pPr>
-            <a:lvl6pPr marL="2514600" indent="-228600" algn="l" defTabSz="914400" rtl="0" eaLnBrk="1" latinLnBrk="1" hangingPunct="1">
-              <a:lnSpc>
-                <a:spcPct val="120000"/>
-              </a:lnSpc>
-              <a:spcBef>
-                <a:spcPts val="500"/>
-              </a:spcBef>
-              <a:buClr>
-                <a:schemeClr val="accent1"/>
-              </a:buClr>
-              <a:buSzPct val="100000"/>
-              <a:buFont typeface="Arial" panose="020B0604020202020204" pitchFamily="34" charset="0"/>
-              <a:buChar char="•"/>
-              <a:defRPr sz="1200" kern="1200">
-                <a:solidFill>
-                  <a:schemeClr val="tx1"/>
-                </a:solidFill>
-                <a:effectLst/>
-                <a:latin typeface="+mn-lt"/>
-                <a:ea typeface="+mn-ea"/>
-                <a:cs typeface="+mn-cs"/>
-              </a:defRPr>
-            </a:lvl6pPr>
-            <a:lvl7pPr marL="2971800" indent="-228600" algn="l" defTabSz="914400" rtl="0" eaLnBrk="1" latinLnBrk="1" hangingPunct="1">
-              <a:lnSpc>
-                <a:spcPct val="120000"/>
-              </a:lnSpc>
-              <a:spcBef>
-                <a:spcPts val="500"/>
-              </a:spcBef>
-              <a:buClr>
-                <a:schemeClr val="accent1"/>
-              </a:buClr>
-              <a:buSzPct val="100000"/>
-              <a:buFont typeface="Arial" panose="020B0604020202020204" pitchFamily="34" charset="0"/>
-              <a:buChar char="•"/>
-              <a:defRPr sz="1200" kern="1200">
-                <a:solidFill>
-                  <a:schemeClr val="tx1"/>
-                </a:solidFill>
-                <a:effectLst/>
-                <a:latin typeface="+mn-lt"/>
-                <a:ea typeface="+mn-ea"/>
-                <a:cs typeface="+mn-cs"/>
-              </a:defRPr>
-            </a:lvl7pPr>
-            <a:lvl8pPr marL="3429000" indent="-228600" algn="l" defTabSz="914400" rtl="0" eaLnBrk="1" latinLnBrk="1" hangingPunct="1">
-              <a:lnSpc>
-                <a:spcPct val="120000"/>
-              </a:lnSpc>
-              <a:spcBef>
-                <a:spcPts val="500"/>
-              </a:spcBef>
-              <a:buClr>
-                <a:schemeClr val="accent1"/>
-              </a:buClr>
-              <a:buSzPct val="100000"/>
-              <a:buFont typeface="Arial" panose="020B0604020202020204" pitchFamily="34" charset="0"/>
-              <a:buChar char="•"/>
-              <a:defRPr sz="1200" kern="1200" baseline="0">
-                <a:solidFill>
-                  <a:schemeClr val="tx1"/>
-                </a:solidFill>
-                <a:effectLst/>
-                <a:latin typeface="+mn-lt"/>
-                <a:ea typeface="+mn-ea"/>
-                <a:cs typeface="+mn-cs"/>
-              </a:defRPr>
-            </a:lvl8pPr>
-            <a:lvl9pPr marL="3886200" indent="-228600" algn="l" defTabSz="914400" rtl="0" eaLnBrk="1" latinLnBrk="1" hangingPunct="1">
-              <a:lnSpc>
-                <a:spcPct val="120000"/>
-              </a:lnSpc>
-              <a:spcBef>
-                <a:spcPts val="500"/>
-              </a:spcBef>
-              <a:buClr>
-                <a:schemeClr val="accent1"/>
-              </a:buClr>
-              <a:buSzPct val="100000"/>
-              <a:buFont typeface="Arial" panose="020B0604020202020204" pitchFamily="34" charset="0"/>
-              <a:buChar char="•"/>
-              <a:defRPr sz="1200" kern="1200" baseline="0">
-                <a:solidFill>
-                  <a:schemeClr val="tx1"/>
-                </a:solidFill>
-                <a:effectLst/>
-                <a:latin typeface="+mn-lt"/>
-                <a:ea typeface="+mn-ea"/>
-                <a:cs typeface="+mn-cs"/>
-              </a:defRPr>
-            </a:lvl9pPr>
-          </a:lstStyle>
-          <a:p>
-            <a:pPr fontAlgn="base"/>
-            <a:r>
-              <a:rPr lang="en-US" altLang="ko-KR" dirty="0"/>
-              <a:t>1. </a:t>
-            </a:r>
-            <a:r>
-              <a:rPr lang="ko-KR" altLang="en-US" dirty="0"/>
-              <a:t>사용자가 화면을 싱글 터치했을 경우 </a:t>
-            </a:r>
-            <a:r>
-              <a:rPr lang="en-US" altLang="ko-KR" dirty="0"/>
-              <a:t>:</a:t>
-            </a:r>
-            <a:endParaRPr lang="ko-KR" altLang="en-US" dirty="0"/>
-          </a:p>
-          <a:p>
-            <a:pPr fontAlgn="base"/>
-            <a:r>
-              <a:rPr lang="ko-KR" altLang="en-US" dirty="0"/>
-              <a:t>	</a:t>
-            </a:r>
-            <a:r>
-              <a:rPr lang="en-US" altLang="ko-KR" dirty="0"/>
-              <a:t>2.a.1. </a:t>
-            </a:r>
-            <a:r>
-              <a:rPr lang="ko-KR" altLang="en-US" dirty="0"/>
-              <a:t>시스템은 센서로 부터 변경된 측정값을 받아 온다</a:t>
-            </a:r>
-            <a:r>
-              <a:rPr lang="en-US" altLang="ko-KR" dirty="0"/>
-              <a:t>.</a:t>
-            </a:r>
-            <a:endParaRPr lang="ko-KR" altLang="en-US" dirty="0"/>
-          </a:p>
-          <a:p>
-            <a:pPr fontAlgn="base"/>
-            <a:r>
-              <a:rPr lang="ko-KR" altLang="en-US" dirty="0"/>
-              <a:t>		</a:t>
-            </a:r>
-            <a:r>
-              <a:rPr lang="en-US" altLang="ko-KR" dirty="0"/>
-              <a:t>2.a.1.a.  </a:t>
-            </a:r>
-            <a:r>
-              <a:rPr lang="ko-KR" altLang="en-US" dirty="0"/>
-              <a:t>정상적인 측정값인 경우  </a:t>
-            </a:r>
-            <a:r>
-              <a:rPr lang="en-US" altLang="ko-KR" dirty="0"/>
-              <a:t>:</a:t>
-            </a:r>
-            <a:endParaRPr lang="ko-KR" altLang="en-US" dirty="0"/>
-          </a:p>
-          <a:p>
-            <a:pPr fontAlgn="base"/>
-            <a:r>
-              <a:rPr lang="ko-KR" altLang="en-US" dirty="0"/>
-              <a:t>			</a:t>
-            </a:r>
-            <a:r>
-              <a:rPr lang="en-US" altLang="ko-KR" dirty="0"/>
-              <a:t>2.a.1.a.1. </a:t>
-            </a:r>
-            <a:r>
-              <a:rPr lang="ko-KR" altLang="en-US" dirty="0"/>
-              <a:t>시스템은 측정값으로 연산하여 터치지점을 추정한다</a:t>
-            </a:r>
-            <a:r>
-              <a:rPr lang="en-US" altLang="ko-KR" dirty="0"/>
-              <a:t>.</a:t>
-            </a:r>
-            <a:endParaRPr lang="ko-KR" altLang="en-US" dirty="0"/>
-          </a:p>
-          <a:p>
-            <a:pPr fontAlgn="base"/>
-            <a:r>
-              <a:rPr lang="ko-KR" altLang="en-US" dirty="0"/>
-              <a:t>		</a:t>
-            </a:r>
-            <a:r>
-              <a:rPr lang="en-US" altLang="ko-KR" dirty="0"/>
-              <a:t>2.a.1.b.  </a:t>
-            </a:r>
-            <a:r>
-              <a:rPr lang="ko-KR" altLang="en-US" dirty="0"/>
-              <a:t>정상적인 측정값이 아닌 경우 </a:t>
-            </a:r>
-            <a:r>
-              <a:rPr lang="en-US" altLang="ko-KR" dirty="0"/>
-              <a:t>: </a:t>
-            </a:r>
-            <a:endParaRPr lang="ko-KR" altLang="en-US" dirty="0"/>
-          </a:p>
-          <a:p>
-            <a:pPr fontAlgn="base"/>
-            <a:r>
-              <a:rPr lang="ko-KR" altLang="en-US" dirty="0"/>
-              <a:t>			</a:t>
-            </a:r>
-            <a:r>
-              <a:rPr lang="en-US" altLang="ko-KR" dirty="0"/>
-              <a:t>2.a.1.b.1. </a:t>
-            </a:r>
-            <a:r>
-              <a:rPr lang="ko-KR" altLang="en-US" dirty="0"/>
-              <a:t> 잘못된 입력 경우의 흐름으로 간다</a:t>
-            </a:r>
-            <a:r>
-              <a:rPr lang="en-US" altLang="ko-KR" dirty="0"/>
-              <a:t>.</a:t>
-            </a:r>
-            <a:r>
-              <a:rPr lang="ko-KR" altLang="en-US" dirty="0"/>
-              <a:t> </a:t>
-            </a:r>
-          </a:p>
-          <a:p>
-            <a:pPr fontAlgn="base"/>
-            <a:r>
-              <a:rPr lang="ko-KR" altLang="en-US" dirty="0"/>
-              <a:t>	</a:t>
-            </a:r>
-            <a:r>
-              <a:rPr lang="en-US" altLang="ko-KR" dirty="0"/>
-              <a:t>2.a.2. </a:t>
-            </a:r>
-            <a:r>
-              <a:rPr lang="ko-KR" altLang="en-US" dirty="0"/>
-              <a:t>시스템이 연산한 터치지점에 터치 이벤트를 실행한다</a:t>
-            </a:r>
-            <a:r>
-              <a:rPr lang="en-US" altLang="ko-KR" dirty="0"/>
-              <a:t>.</a:t>
-            </a:r>
-            <a:endParaRPr lang="ko-KR" altLang="en-US" dirty="0"/>
-          </a:p>
-          <a:p>
-            <a:pPr fontAlgn="base"/>
-            <a:r>
-              <a:rPr lang="ko-KR" altLang="en-US" dirty="0"/>
-              <a:t>	</a:t>
-            </a:r>
-          </a:p>
-          <a:p>
-            <a:endParaRPr lang="en-US" altLang="ko-KR" dirty="0"/>
-          </a:p>
-          <a:p>
-            <a:endParaRPr lang="en-US" altLang="ko-KR" dirty="0"/>
-          </a:p>
-          <a:p>
-            <a:endParaRPr lang="en-US" altLang="ko-KR" dirty="0"/>
-          </a:p>
-          <a:p>
-            <a:endParaRPr lang="en-US" altLang="ko-KR" dirty="0"/>
-          </a:p>
-          <a:p>
-            <a:endParaRPr lang="en-US" altLang="ko-KR" dirty="0"/>
-          </a:p>
-          <a:p>
-            <a:endParaRPr lang="en-US" altLang="ko-KR" dirty="0"/>
-          </a:p>
-        </p:txBody>
-      </p:sp>
-    </p:spTree>
-    <p:extLst>
-      <p:ext uri="{BB962C8B-B14F-4D97-AF65-F5344CB8AC3E}">
-        <p14:creationId xmlns:p14="http://schemas.microsoft.com/office/powerpoint/2010/main" val="2949708072"/>
-      </p:ext>
-    </p:extLst>
-  </p:cSld>
-  <p:clrMapOvr>
-    <a:masterClrMapping/>
-  </p:clrMapOvr>
+  <p:timing>
+    <p:tnLst>
+      <p:par>
+        <p:cTn id="1" dur="indefinite" restart="never" nodeType="tmRoot"/>
+      </p:par>
+    </p:tnLst>
+  </p:timing>
 </p:sld>
 </file>
 
@@ -7932,31 +10139,15 @@
           <a:p>
             <a:r>
               <a:rPr lang="ko-KR" altLang="en-US" dirty="0"/>
-              <a:t>싱글 터치</a:t>
-            </a:r>
-            <a:r>
-              <a:rPr lang="en-US" altLang="ko-KR" dirty="0"/>
-              <a:t>, </a:t>
-            </a:r>
-            <a:r>
-              <a:rPr lang="ko-KR" altLang="en-US" dirty="0"/>
-              <a:t>더블 터치</a:t>
-            </a:r>
-            <a:r>
-              <a:rPr lang="en-US" altLang="ko-KR" dirty="0"/>
-              <a:t>, </a:t>
-            </a:r>
-            <a:r>
-              <a:rPr lang="ko-KR" altLang="en-US" dirty="0"/>
-              <a:t>드래그</a:t>
-            </a:r>
-            <a:r>
-              <a:rPr lang="en-US" altLang="ko-KR" dirty="0"/>
-              <a:t>, </a:t>
-            </a:r>
-            <a:r>
-              <a:rPr lang="ko-KR" altLang="en-US" dirty="0"/>
-              <a:t>롱 터치 각각의 경우</a:t>
+              <a:t>싱글 </a:t>
+            </a:r>
+            <a:r>
+              <a:rPr lang="ko-KR" altLang="en-US" dirty="0" smtClean="0"/>
+              <a:t>터치의 </a:t>
+            </a:r>
+            <a:r>
+              <a:rPr lang="ko-KR" altLang="en-US" dirty="0"/>
+              <a:t>경우</a:t>
             </a:r>
             <a:endParaRPr lang="en-US" altLang="ko-KR" dirty="0"/>
           </a:p>
@@ -7987,7 +10178,7 @@
         </p:spPr>
         <p:txBody>
           <a:bodyPr vert="horz" lIns="91440" tIns="45720" rIns="91440" bIns="45720" rtlCol="0" anchor="t">
-            <a:normAutofit fontScale="92500" lnSpcReduction="20000"/>
+            <a:normAutofit fontScale="85000" lnSpcReduction="10000"/>
           </a:bodyPr>
           <a:lstStyle>
             <a:lvl1pPr marL="228600" indent="-228600" algn="l" defTabSz="914400" rtl="0" eaLnBrk="1" latinLnBrk="1" hangingPunct="1">
@@ -8206,7 +10397,7 @@
             </a:r>
             <a:r>
               <a:rPr lang="ko-KR" altLang="en-US" dirty="0"/>
-              <a:t>사용자가 화면을 더블 터치했을 경우 </a:t>
+              <a:t>사용자가 화면을 싱글 터치했을 경우 </a:t>
             </a:r>
             <a:r>
               <a:rPr lang="en-US" altLang="ko-KR" dirty="0"/>
@@ -8225,8 +10416,12 @@
               <a:t>2.a.1. </a:t>
             </a:r>
             <a:r>
-              <a:rPr lang="ko-KR" altLang="en-US" dirty="0"/>
-              <a:t>시스템은 센서로 부터 변경된 측정값을 받아 온다</a:t>
+              <a:rPr lang="ko-KR" altLang="en-US" dirty="0" smtClean="0"/>
+              <a:t>어플리케이션은 </a:t>
+            </a:r>
+            <a:r>
+              <a:rPr lang="ko-KR" altLang="en-US" dirty="0"/>
+              <a:t>센서로 부터 변경된 측정값을 받아 온다</a:t>
             </a:r>
             <a:r>
               <a:rPr lang="en-US" altLang="ko-KR" dirty="0"/>
@@ -8265,8 +10460,12 @@
               <a:t>2.a.1.a.1. </a:t>
             </a:r>
             <a:r>
-              <a:rPr lang="ko-KR" altLang="en-US" dirty="0"/>
-              <a:t>시스템은 측정값으로 연산하여 터치지점을 추정한다</a:t>
+              <a:rPr lang="ko-KR" altLang="en-US" dirty="0" smtClean="0"/>
+              <a:t>어플리케이션은 </a:t>
+            </a:r>
+            <a:r>
+              <a:rPr lang="ko-KR" altLang="en-US" dirty="0"/>
+              <a:t>측정값으로 연산하여 터치지점을 추정한다</a:t>
             </a:r>
             <a:r>
               <a:rPr lang="en-US" altLang="ko-KR" dirty="0"/>
@@ -8328,35 +10527,25 @@
               <a:t>2.a.2. </a:t>
             </a:r>
             <a:r>
-              <a:rPr lang="ko-KR" altLang="en-US" dirty="0"/>
-              <a:t>시스템이 연산한 터치지점에 일정시간동안 두번의 입력을 확인한다</a:t>
+              <a:rPr lang="ko-KR" altLang="en-US" dirty="0" smtClean="0"/>
+              <a:t>어플리케이션이 </a:t>
+            </a:r>
+            <a:r>
+              <a:rPr lang="ko-KR" altLang="en-US" dirty="0"/>
+              <a:t>연산한 터치지점에 터치 이벤트를 실행한다</a:t>
             </a:r>
             <a:r>
               <a:rPr lang="en-US" altLang="ko-KR" dirty="0"/>
               <a:t>.</a:t>
             </a:r>
+            <a:endParaRPr lang="ko-KR" altLang="en-US" dirty="0"/>
           </a:p>
           <a:p>
             <a:pPr fontAlgn="base"/>
             <a:r>
-              <a:rPr lang="en-US" altLang="ko-KR" dirty="0"/>
-              <a:t>          2.a.2. </a:t>
-            </a:r>
-            <a:r>
-              <a:rPr lang="ko-KR" altLang="en-US" dirty="0"/>
-              <a:t>시스템이 터치지점에 더블 터치 이벤트를 실행한다</a:t>
-            </a:r>
-            <a:r>
-              <a:rPr lang="en-US" altLang="ko-KR" dirty="0"/>
-              <a:t>.</a:t>
-            </a:r>
-            <a:endParaRPr lang="ko-KR" altLang="en-US" dirty="0"/>
-          </a:p>
-          <a:p>
-            <a:pPr marL="0" indent="0" fontAlgn="base">
-              <a:buNone/>
-            </a:pPr>
-            <a:endParaRPr lang="ko-KR" altLang="en-US" dirty="0"/>
+              <a:rPr lang="ko-KR" altLang="en-US" dirty="0"/>
+              <a:t>	</a:t>
+            </a:r>
           </a:p>
           <a:p>
             <a:endParaRPr lang="en-US" altLang="ko-KR" dirty="0"/>
@@ -8381,13 +10570,20 @@
     </p:spTree>
     <p:extLst>
       <p:ext uri="{BB962C8B-B14F-4D97-AF65-F5344CB8AC3E}">
-        <p14:creationId xmlns:p14="http://schemas.microsoft.com/office/powerpoint/2010/main" val="1613495422"/>
+        <p14:creationId xmlns:p14="http://schemas.microsoft.com/office/powerpoint/2010/main" val="2949708072"/>
       </p:ext>
     </p:extLst>
   </p:cSld>
   <p:clrMapOvr>
     <a:masterClrMapping/>
   </p:clrMapOvr>
+  <p:timing>
+    <p:tnLst>
+      <p:par>
+        <p:cTn id="1" dur="indefinite" restart="never" nodeType="tmRoot"/>
+      </p:par>
+    </p:tnLst>
+  </p:timing>
 </p:sld>
 </file>
 
@@ -8430,32 +10626,12 @@
           <a:lstStyle/>
           <a:p>
             <a:r>
-              <a:rPr lang="ko-KR" altLang="en-US" dirty="0"/>
-              <a:t>싱글 터치</a:t>
-            </a:r>
-            <a:r>
-              <a:rPr lang="en-US" altLang="ko-KR" dirty="0"/>
-              <a:t>, </a:t>
-            </a:r>
-            <a:r>
-              <a:rPr lang="ko-KR" altLang="en-US" dirty="0"/>
-              <a:t>더블 터치</a:t>
-            </a:r>
-            <a:r>
-              <a:rPr lang="en-US" altLang="ko-KR" dirty="0"/>
-              <a:t>, </a:t>
-            </a:r>
-            <a:r>
-              <a:rPr lang="ko-KR" altLang="en-US" dirty="0"/>
-              <a:t>드래그</a:t>
-            </a:r>
-            <a:r>
-              <a:rPr lang="en-US" altLang="ko-KR" dirty="0"/>
-              <a:t>, </a:t>
-            </a:r>
-            <a:r>
-              <a:rPr lang="ko-KR" altLang="en-US" dirty="0"/>
-              <a:t>롱 터치 각각의 경우</a:t>
+              <a:rPr lang="ko-KR" altLang="en-US" dirty="0" smtClean="0"/>
+              <a:t>더블 터치의 </a:t>
+            </a:r>
+            <a:r>
+              <a:rPr lang="ko-KR" altLang="en-US" dirty="0"/>
+              <a:t>경우</a:t>
             </a:r>
             <a:endParaRPr lang="en-US" altLang="ko-KR" dirty="0"/>
           </a:p>
@@ -8486,7 +10662,7 @@
         </p:spPr>
         <p:txBody>
           <a:bodyPr vert="horz" lIns="91440" tIns="45720" rIns="91440" bIns="45720" rtlCol="0" anchor="t">
-            <a:normAutofit fontScale="92500" lnSpcReduction="20000"/>
+            <a:normAutofit fontScale="85000" lnSpcReduction="10000"/>
           </a:bodyPr>
           <a:lstStyle>
             <a:lvl1pPr marL="228600" indent="-228600" algn="l" defTabSz="914400" rtl="0" eaLnBrk="1" latinLnBrk="1" hangingPunct="1">
@@ -8705,7 +10881,7 @@
             </a:r>
             <a:r>
               <a:rPr lang="ko-KR" altLang="en-US" dirty="0"/>
-              <a:t>사용자가 화면을 롱 터치했을 경우 </a:t>
+              <a:t>사용자가 화면을 더블 터치했을 경우 </a:t>
             </a:r>
             <a:r>
               <a:rPr lang="en-US" altLang="ko-KR" dirty="0"/>
@@ -8724,8 +10900,12 @@
               <a:t>2.a.1. </a:t>
             </a:r>
             <a:r>
-              <a:rPr lang="ko-KR" altLang="en-US" dirty="0"/>
-              <a:t>시스템은 센서로 부터 변경된 측정값을 받아 온다</a:t>
+              <a:rPr lang="ko-KR" altLang="en-US" dirty="0" smtClean="0"/>
+              <a:t>어플리케이션은 </a:t>
+            </a:r>
+            <a:r>
+              <a:rPr lang="ko-KR" altLang="en-US" dirty="0"/>
+              <a:t>센서로 부터 변경된 측정값을 받아 온다</a:t>
             </a:r>
             <a:r>
               <a:rPr lang="en-US" altLang="ko-KR" dirty="0"/>
@@ -8764,8 +10944,12 @@
               <a:t>2.a.1.a.1. </a:t>
             </a:r>
             <a:r>
-              <a:rPr lang="ko-KR" altLang="en-US" dirty="0"/>
-              <a:t>시스템은 측정값으로 연산하여 터치지점을 추정한다</a:t>
+              <a:rPr lang="ko-KR" altLang="en-US" dirty="0" smtClean="0"/>
+              <a:t>어플리케이션은 </a:t>
+            </a:r>
+            <a:r>
+              <a:rPr lang="ko-KR" altLang="en-US" dirty="0"/>
+              <a:t>측정값으로 연산하여 터치지점을 추정한다</a:t>
             </a:r>
             <a:r>
               <a:rPr lang="en-US" altLang="ko-KR" dirty="0"/>
@@ -8827,8 +11011,12 @@
               <a:t>2.a.2. </a:t>
             </a:r>
             <a:r>
-              <a:rPr lang="ko-KR" altLang="en-US" dirty="0"/>
-              <a:t>시스템이 연산한 터치지점에 일정시간동안 지속적인 입력을 확인한다</a:t>
+              <a:rPr lang="ko-KR" altLang="en-US" dirty="0" smtClean="0"/>
+              <a:t>어플리케이션이 </a:t>
+            </a:r>
+            <a:r>
+              <a:rPr lang="ko-KR" altLang="en-US" dirty="0"/>
+              <a:t>연산한 터치지점에 일정시간동안 두번의 입력을 확인한다</a:t>
             </a:r>
             <a:r>
               <a:rPr lang="en-US" altLang="ko-KR" dirty="0"/>
@@ -8842,13 +11030,27 @@
               <a:t>          2.a.2. </a:t>
             </a:r>
             <a:r>
-              <a:rPr lang="ko-KR" altLang="en-US" dirty="0"/>
-              <a:t>시스템이 터치지점에 롱 터치 이벤트를 실행한다</a:t>
+              <a:rPr lang="ko-KR" altLang="en-US" dirty="0" smtClean="0"/>
+              <a:t>어플리케이션이 </a:t>
+            </a:r>
+            <a:r>
+              <a:rPr lang="ko-KR" altLang="en-US" dirty="0"/>
+              <a:t>터치지점에 더블 터치 이벤트를 실행한다</a:t>
             </a:r>
             <a:r>
               <a:rPr lang="en-US" altLang="ko-KR" dirty="0"/>
               <a:t>.</a:t>
             </a:r>
+            <a:endParaRPr lang="ko-KR" altLang="en-US" dirty="0"/>
+          </a:p>
+          <a:p>
+            <a:pPr marL="0" indent="0" fontAlgn="base">
+              <a:buNone/>
+            </a:pPr>
+            <a:endParaRPr lang="ko-KR" altLang="en-US" dirty="0"/>
+          </a:p>
+          <a:p>
+            <a:endParaRPr lang="en-US" altLang="ko-KR" dirty="0"/>
           </a:p>
           <a:p>
             <a:endParaRPr lang="en-US" altLang="ko-KR" dirty="0"/>
@@ -8870,7 +11072,7 @@
     </p:spTree>
     <p:extLst>
       <p:ext uri="{BB962C8B-B14F-4D97-AF65-F5344CB8AC3E}">
-        <p14:creationId xmlns:p14="http://schemas.microsoft.com/office/powerpoint/2010/main" val="3206625841"/>
+        <p14:creationId xmlns:p14="http://schemas.microsoft.com/office/powerpoint/2010/main" val="1613495422"/>
       </p:ext>
     </p:extLst>
   </p:cSld>
